--- a/java/slides/ppt/01 - Java From Functions to Objects.pptx
+++ b/java/slides/ppt/01 - Java From Functions to Objects.pptx
@@ -243,7 +243,7 @@
             <a:fld id="{BAEB7694-8561-4BE2-948D-EDF7A201F8BB}" type="datetimeFigureOut">
               <a:rPr lang="it-IT" smtClean="0"/>
               <a:pPr/>
-              <a:t>17/03/21</a:t>
+              <a:t>24/09/21</a:t>
             </a:fld>
             <a:endParaRPr lang="it-IT"/>
           </a:p>
@@ -3529,7 +3529,7 @@
           <a:blip r:embed="rId13">
             <a:extLst>
               <a:ext uri="{28A0092B-C50C-407E-A947-70E740481C1C}">
-                <a14:useLocalDpi xmlns:a14="http://schemas.microsoft.com/office/drawing/2010/main" val="0"/>
+                <a14:useLocalDpi xmlns:a14="http://schemas.microsoft.com/office/drawing/2010/main"/>
               </a:ext>
             </a:extLst>
           </a:blip>
@@ -3559,7 +3559,7 @@
           <a:blip r:embed="rId13">
             <a:extLst>
               <a:ext uri="{28A0092B-C50C-407E-A947-70E740481C1C}">
-                <a14:useLocalDpi xmlns:a14="http://schemas.microsoft.com/office/drawing/2010/main" val="0"/>
+                <a14:useLocalDpi xmlns:a14="http://schemas.microsoft.com/office/drawing/2010/main"/>
               </a:ext>
             </a:extLst>
           </a:blip>
@@ -4658,10 +4658,10 @@
           </p:nvPr>
         </p:nvPicPr>
         <p:blipFill>
-          <a:blip r:embed="rId2">
+          <a:blip r:embed="rId2" cstate="print">
             <a:extLst>
               <a:ext uri="{28A0092B-C50C-407E-A947-70E740481C1C}">
-                <a14:useLocalDpi xmlns:a14="http://schemas.microsoft.com/office/drawing/2010/main" val="0"/>
+                <a14:useLocalDpi xmlns:a14="http://schemas.microsoft.com/office/drawing/2010/main"/>
               </a:ext>
             </a:extLst>
           </a:blip>
@@ -4880,10 +4880,10 @@
           <p:nvPr/>
         </p:nvPicPr>
         <p:blipFill>
-          <a:blip r:embed="rId2">
+          <a:blip r:embed="rId2" cstate="print">
             <a:extLst>
               <a:ext uri="{28A0092B-C50C-407E-A947-70E740481C1C}">
-                <a14:useLocalDpi xmlns:a14="http://schemas.microsoft.com/office/drawing/2010/main" val="0"/>
+                <a14:useLocalDpi xmlns:a14="http://schemas.microsoft.com/office/drawing/2010/main"/>
               </a:ext>
             </a:extLst>
           </a:blip>
@@ -5022,7 +5022,7 @@
           <a:blip r:embed="rId2">
             <a:extLst>
               <a:ext uri="{28A0092B-C50C-407E-A947-70E740481C1C}">
-                <a14:useLocalDpi xmlns:a14="http://schemas.microsoft.com/office/drawing/2010/main" val="0"/>
+                <a14:useLocalDpi xmlns:a14="http://schemas.microsoft.com/office/drawing/2010/main"/>
               </a:ext>
             </a:extLst>
           </a:blip>
@@ -5172,7 +5172,7 @@
           <a:blip r:embed="rId2">
             <a:extLst>
               <a:ext uri="{28A0092B-C50C-407E-A947-70E740481C1C}">
-                <a14:useLocalDpi xmlns:a14="http://schemas.microsoft.com/office/drawing/2010/main" val="0"/>
+                <a14:useLocalDpi xmlns:a14="http://schemas.microsoft.com/office/drawing/2010/main"/>
               </a:ext>
             </a:extLst>
           </a:blip>
@@ -5365,10 +5365,10 @@
           <p:nvPr/>
         </p:nvPicPr>
         <p:blipFill>
-          <a:blip r:embed="rId2">
+          <a:blip r:embed="rId2" cstate="print">
             <a:extLst>
               <a:ext uri="{28A0092B-C50C-407E-A947-70E740481C1C}">
-                <a14:useLocalDpi xmlns:a14="http://schemas.microsoft.com/office/drawing/2010/main" val="0"/>
+                <a14:useLocalDpi xmlns:a14="http://schemas.microsoft.com/office/drawing/2010/main"/>
               </a:ext>
             </a:extLst>
           </a:blip>
@@ -6792,10 +6792,10 @@
           </p:nvPr>
         </p:nvPicPr>
         <p:blipFill>
-          <a:blip r:embed="rId3">
+          <a:blip r:embed="rId3" cstate="print">
             <a:extLst>
               <a:ext uri="{28A0092B-C50C-407E-A947-70E740481C1C}">
-                <a14:useLocalDpi xmlns:a14="http://schemas.microsoft.com/office/drawing/2010/main" val="0"/>
+                <a14:useLocalDpi xmlns:a14="http://schemas.microsoft.com/office/drawing/2010/main"/>
               </a:ext>
             </a:extLst>
           </a:blip>
@@ -7049,10 +7049,10 @@
           <p:nvPr/>
         </p:nvPicPr>
         <p:blipFill rotWithShape="1">
-          <a:blip r:embed="rId2">
+          <a:blip r:embed="rId2" cstate="print">
             <a:extLst>
               <a:ext uri="{28A0092B-C50C-407E-A947-70E740481C1C}">
-                <a14:useLocalDpi xmlns:a14="http://schemas.microsoft.com/office/drawing/2010/main" val="0"/>
+                <a14:useLocalDpi xmlns:a14="http://schemas.microsoft.com/office/drawing/2010/main"/>
               </a:ext>
             </a:extLst>
           </a:blip>
@@ -7154,10 +7154,10 @@
           <p:nvPr/>
         </p:nvPicPr>
         <p:blipFill>
-          <a:blip r:embed="rId2">
+          <a:blip r:embed="rId2" cstate="print">
             <a:extLst>
               <a:ext uri="{28A0092B-C50C-407E-A947-70E740481C1C}">
-                <a14:useLocalDpi xmlns:a14="http://schemas.microsoft.com/office/drawing/2010/main" val="0"/>
+                <a14:useLocalDpi xmlns:a14="http://schemas.microsoft.com/office/drawing/2010/main"/>
               </a:ext>
             </a:extLst>
           </a:blip>
@@ -7247,7 +7247,7 @@
           <a:blip r:embed="rId2">
             <a:extLst>
               <a:ext uri="{28A0092B-C50C-407E-A947-70E740481C1C}">
-                <a14:useLocalDpi xmlns:a14="http://schemas.microsoft.com/office/drawing/2010/main" val="0"/>
+                <a14:useLocalDpi xmlns:a14="http://schemas.microsoft.com/office/drawing/2010/main"/>
               </a:ext>
             </a:extLst>
           </a:blip>
@@ -7365,7 +7365,7 @@
           <a:blip r:embed="rId2">
             <a:extLst>
               <a:ext uri="{28A0092B-C50C-407E-A947-70E740481C1C}">
-                <a14:useLocalDpi xmlns:a14="http://schemas.microsoft.com/office/drawing/2010/main" val="0"/>
+                <a14:useLocalDpi xmlns:a14="http://schemas.microsoft.com/office/drawing/2010/main"/>
               </a:ext>
             </a:extLst>
           </a:blip>
@@ -8658,10 +8658,10 @@
           <p:nvPr/>
         </p:nvPicPr>
         <p:blipFill>
-          <a:blip r:embed="rId2">
+          <a:blip r:embed="rId2" cstate="print">
             <a:extLst>
               <a:ext uri="{28A0092B-C50C-407E-A947-70E740481C1C}">
-                <a14:useLocalDpi xmlns:a14="http://schemas.microsoft.com/office/drawing/2010/main" val="0"/>
+                <a14:useLocalDpi xmlns:a14="http://schemas.microsoft.com/office/drawing/2010/main"/>
               </a:ext>
             </a:extLst>
           </a:blip>
@@ -9570,7 +9570,7 @@
           <a:blip r:embed="rId2">
             <a:extLst>
               <a:ext uri="{28A0092B-C50C-407E-A947-70E740481C1C}">
-                <a14:useLocalDpi xmlns:a14="http://schemas.microsoft.com/office/drawing/2010/main" val="0"/>
+                <a14:useLocalDpi xmlns:a14="http://schemas.microsoft.com/office/drawing/2010/main"/>
               </a:ext>
             </a:extLst>
           </a:blip>
@@ -9679,10 +9679,10 @@
           </p:nvPr>
         </p:nvPicPr>
         <p:blipFill>
-          <a:blip r:embed="rId2">
+          <a:blip r:embed="rId2" cstate="print">
             <a:extLst>
               <a:ext uri="{28A0092B-C50C-407E-A947-70E740481C1C}">
-                <a14:useLocalDpi xmlns:a14="http://schemas.microsoft.com/office/drawing/2010/main" val="0"/>
+                <a14:useLocalDpi xmlns:a14="http://schemas.microsoft.com/office/drawing/2010/main"/>
               </a:ext>
             </a:extLst>
           </a:blip>
@@ -11812,7 +11812,7 @@
           <a:blip r:embed="rId2">
             <a:extLst>
               <a:ext uri="{28A0092B-C50C-407E-A947-70E740481C1C}">
-                <a14:useLocalDpi xmlns:a14="http://schemas.microsoft.com/office/drawing/2010/main" val="0"/>
+                <a14:useLocalDpi xmlns:a14="http://schemas.microsoft.com/office/drawing/2010/main"/>
               </a:ext>
             </a:extLst>
           </a:blip>
@@ -11939,7 +11939,7 @@
           <a:blip r:embed="rId2">
             <a:extLst>
               <a:ext uri="{28A0092B-C50C-407E-A947-70E740481C1C}">
-                <a14:useLocalDpi xmlns:a14="http://schemas.microsoft.com/office/drawing/2010/main" val="0"/>
+                <a14:useLocalDpi xmlns:a14="http://schemas.microsoft.com/office/drawing/2010/main"/>
               </a:ext>
             </a:extLst>
           </a:blip>
@@ -11969,14 +11969,14 @@
           <p:nvPr/>
         </p:nvPicPr>
         <p:blipFill rotWithShape="1">
-          <a:blip r:embed="rId3">
+          <a:blip r:embed="rId3" cstate="print">
             <a:extLst>
               <a:ext uri="{28A0092B-C50C-407E-A947-70E740481C1C}">
-                <a14:useLocalDpi xmlns:a14="http://schemas.microsoft.com/office/drawing/2010/main" val="0"/>
+                <a14:useLocalDpi xmlns:a14="http://schemas.microsoft.com/office/drawing/2010/main"/>
               </a:ext>
             </a:extLst>
           </a:blip>
-          <a:srcRect l="17191" r="11786"/>
+          <a:srcRect/>
           <a:stretch/>
         </p:blipFill>
         <p:spPr>
@@ -12526,14 +12526,14 @@
           </p:nvPr>
         </p:nvPicPr>
         <p:blipFill>
-          <a:blip r:embed="rId2">
+          <a:blip r:embed="rId2" cstate="print">
             <a:extLst>
               <a:ext uri="{28A0092B-C50C-407E-A947-70E740481C1C}">
-                <a14:useLocalDpi xmlns:a14="http://schemas.microsoft.com/office/drawing/2010/main" val="0"/>
+                <a14:useLocalDpi xmlns:a14="http://schemas.microsoft.com/office/drawing/2010/main"/>
               </a:ext>
             </a:extLst>
           </a:blip>
-          <a:srcRect l="889" r="889"/>
+          <a:srcRect/>
           <a:stretch>
             <a:fillRect/>
           </a:stretch>

--- a/java/slides/ppt/01 - Java From Functions to Objects.pptx
+++ b/java/slides/ppt/01 - Java From Functions to Objects.pptx
@@ -3744,27 +3744,16 @@
           <a:lstStyle/>
           <a:p>
             <a:r>
+              <a:rPr lang="it-IT" dirty="0"/>
+              <a:t>From </a:t>
+            </a:r>
+            <a:r>
               <a:rPr lang="it-IT" dirty="0" err="1"/>
-              <a:t>Introduction</a:t>
+              <a:t>Functions</a:t>
             </a:r>
             <a:r>
               <a:rPr lang="it-IT" dirty="0"/>
-              <a:t> to </a:t>
-            </a:r>
-            <a:br>
-              <a:rPr lang="it-IT" dirty="0"/>
-            </a:br>
-            <a:r>
-              <a:rPr lang="it-IT" dirty="0"/>
-              <a:t>Object </a:t>
-            </a:r>
-            <a:r>
-              <a:rPr lang="it-IT" dirty="0" err="1"/>
-              <a:t>Oriented</a:t>
-            </a:r>
-            <a:r>
-              <a:rPr lang="it-IT" dirty="0"/>
-              <a:t> Programming</a:t>
+              <a:t> to Objects</a:t>
             </a:r>
           </a:p>
         </p:txBody>

--- a/java/slides/ppt/01 - Java From Functions to Objects.pptx
+++ b/java/slides/ppt/01 - Java From Functions to Objects.pptx
@@ -251,7 +251,7 @@
           <a:p>
             <a:fld id="{5591E39A-28E5-5D4D-B97C-ECEB96F19817}" type="datetimeFigureOut">
               <a:rPr lang="en-IT" smtClean="0"/>
-              <a:t>29/09/21</a:t>
+              <a:t>30/09/21</a:t>
             </a:fld>
             <a:endParaRPr lang="en-IT"/>
           </a:p>
@@ -430,7 +430,7 @@
             <a:fld id="{BAEB7694-8561-4BE2-948D-EDF7A201F8BB}" type="datetimeFigureOut">
               <a:rPr lang="it-IT" smtClean="0"/>
               <a:pPr/>
-              <a:t>29/09/21</a:t>
+              <a:t>30/09/21</a:t>
             </a:fld>
             <a:endParaRPr lang="it-IT"/>
           </a:p>
@@ -3897,7 +3897,7 @@
           <a:p>
             <a:r>
               <a:rPr lang="it-IT" dirty="0"/>
-              <a:t>From </a:t>
+              <a:t>Java From </a:t>
             </a:r>
             <a:r>
               <a:rPr lang="it-IT" dirty="0" err="1"/>

--- a/java/slides/ppt/01 - Java From Functions to Objects.pptx
+++ b/java/slides/ppt/01 - Java From Functions to Objects.pptx
@@ -9429,6 +9429,510 @@
           </a:p>
         </p:txBody>
       </p:sp>
+      <p:sp>
+        <p:nvSpPr>
+          <p:cNvPr id="11" name="Content Placeholder 10">
+            <a:extLst>
+              <a:ext uri="{FF2B5EF4-FFF2-40B4-BE49-F238E27FC236}">
+                <a16:creationId xmlns:a16="http://schemas.microsoft.com/office/drawing/2014/main" id="{6FC0F007-0B7A-394B-8F28-4188EFEF70C3}"/>
+              </a:ext>
+            </a:extLst>
+          </p:cNvPr>
+          <p:cNvSpPr>
+            <a:spLocks noGrp="1"/>
+          </p:cNvSpPr>
+          <p:nvPr>
+            <p:ph sz="half" idx="1"/>
+          </p:nvPr>
+        </p:nvSpPr>
+        <p:spPr/>
+        <p:txBody>
+          <a:bodyPr>
+            <a:normAutofit/>
+          </a:bodyPr>
+          <a:lstStyle/>
+          <a:p>
+            <a:pPr marL="0" indent="0">
+              <a:buNone/>
+            </a:pPr>
+            <a:r>
+              <a:rPr lang="it-IT" sz="1200" dirty="0">
+                <a:latin typeface="Consolas" panose="020B0609020204030204" pitchFamily="49" charset="0"/>
+                <a:cs typeface="Consolas" panose="020B0609020204030204" pitchFamily="49" charset="0"/>
+              </a:rPr>
+              <a:t>public </a:t>
+            </a:r>
+            <a:r>
+              <a:rPr lang="it-IT" sz="1200" dirty="0" err="1">
+                <a:latin typeface="Consolas" panose="020B0609020204030204" pitchFamily="49" charset="0"/>
+                <a:cs typeface="Consolas" panose="020B0609020204030204" pitchFamily="49" charset="0"/>
+              </a:rPr>
+              <a:t>class</a:t>
+            </a:r>
+            <a:r>
+              <a:rPr lang="it-IT" sz="1200" dirty="0">
+                <a:latin typeface="Consolas" panose="020B0609020204030204" pitchFamily="49" charset="0"/>
+                <a:cs typeface="Consolas" panose="020B0609020204030204" pitchFamily="49" charset="0"/>
+              </a:rPr>
+              <a:t> Car {</a:t>
+            </a:r>
+          </a:p>
+          <a:p>
+            <a:pPr marL="0" indent="0">
+              <a:buNone/>
+            </a:pPr>
+            <a:r>
+              <a:rPr lang="it-IT" sz="1200" dirty="0">
+                <a:latin typeface="Consolas" panose="020B0609020204030204" pitchFamily="49" charset="0"/>
+                <a:cs typeface="Consolas" panose="020B0609020204030204" pitchFamily="49" charset="0"/>
+              </a:rPr>
+              <a:t>	</a:t>
+            </a:r>
+            <a:r>
+              <a:rPr lang="it-IT" sz="1200" dirty="0" err="1">
+                <a:latin typeface="Consolas" panose="020B0609020204030204" pitchFamily="49" charset="0"/>
+                <a:cs typeface="Consolas" panose="020B0609020204030204" pitchFamily="49" charset="0"/>
+              </a:rPr>
+              <a:t>String</a:t>
+            </a:r>
+            <a:r>
+              <a:rPr lang="it-IT" sz="1200" dirty="0">
+                <a:latin typeface="Consolas" panose="020B0609020204030204" pitchFamily="49" charset="0"/>
+                <a:cs typeface="Consolas" panose="020B0609020204030204" pitchFamily="49" charset="0"/>
+              </a:rPr>
+              <a:t> color;</a:t>
+            </a:r>
+          </a:p>
+          <a:p>
+            <a:pPr marL="0" indent="0">
+              <a:buNone/>
+            </a:pPr>
+            <a:r>
+              <a:rPr lang="it-IT" sz="1200" dirty="0">
+                <a:latin typeface="Consolas" panose="020B0609020204030204" pitchFamily="49" charset="0"/>
+                <a:cs typeface="Consolas" panose="020B0609020204030204" pitchFamily="49" charset="0"/>
+              </a:rPr>
+              <a:t>	</a:t>
+            </a:r>
+            <a:r>
+              <a:rPr lang="it-IT" sz="1200" dirty="0" err="1">
+                <a:latin typeface="Consolas" panose="020B0609020204030204" pitchFamily="49" charset="0"/>
+                <a:cs typeface="Consolas" panose="020B0609020204030204" pitchFamily="49" charset="0"/>
+              </a:rPr>
+              <a:t>String</a:t>
+            </a:r>
+            <a:r>
+              <a:rPr lang="it-IT" sz="1200" dirty="0">
+                <a:latin typeface="Consolas" panose="020B0609020204030204" pitchFamily="49" charset="0"/>
+                <a:cs typeface="Consolas" panose="020B0609020204030204" pitchFamily="49" charset="0"/>
+              </a:rPr>
+              <a:t> brand;</a:t>
+            </a:r>
+          </a:p>
+          <a:p>
+            <a:pPr marL="0" indent="0">
+              <a:buNone/>
+            </a:pPr>
+            <a:r>
+              <a:rPr lang="it-IT" sz="1200" dirty="0">
+                <a:latin typeface="Consolas" panose="020B0609020204030204" pitchFamily="49" charset="0"/>
+                <a:cs typeface="Consolas" panose="020B0609020204030204" pitchFamily="49" charset="0"/>
+              </a:rPr>
+              <a:t>	</a:t>
+            </a:r>
+            <a:r>
+              <a:rPr lang="it-IT" sz="1200" dirty="0" err="1">
+                <a:latin typeface="Consolas" panose="020B0609020204030204" pitchFamily="49" charset="0"/>
+                <a:cs typeface="Consolas" panose="020B0609020204030204" pitchFamily="49" charset="0"/>
+              </a:rPr>
+              <a:t>String</a:t>
+            </a:r>
+            <a:r>
+              <a:rPr lang="it-IT" sz="1200" dirty="0">
+                <a:latin typeface="Consolas" panose="020B0609020204030204" pitchFamily="49" charset="0"/>
+                <a:cs typeface="Consolas" panose="020B0609020204030204" pitchFamily="49" charset="0"/>
+              </a:rPr>
+              <a:t> model;</a:t>
+            </a:r>
+          </a:p>
+          <a:p>
+            <a:pPr marL="0" indent="0">
+              <a:buNone/>
+            </a:pPr>
+            <a:r>
+              <a:rPr lang="it-IT" sz="1200" dirty="0">
+                <a:latin typeface="Consolas" panose="020B0609020204030204" pitchFamily="49" charset="0"/>
+                <a:cs typeface="Consolas" panose="020B0609020204030204" pitchFamily="49" charset="0"/>
+              </a:rPr>
+              <a:t>	</a:t>
+            </a:r>
+            <a:r>
+              <a:rPr lang="it-IT" sz="1200" dirty="0" err="1">
+                <a:latin typeface="Consolas" panose="020B0609020204030204" pitchFamily="49" charset="0"/>
+                <a:cs typeface="Consolas" panose="020B0609020204030204" pitchFamily="49" charset="0"/>
+              </a:rPr>
+              <a:t>String</a:t>
+            </a:r>
+            <a:r>
+              <a:rPr lang="it-IT" sz="1200" dirty="0">
+                <a:latin typeface="Consolas" panose="020B0609020204030204" pitchFamily="49" charset="0"/>
+                <a:cs typeface="Consolas" panose="020B0609020204030204" pitchFamily="49" charset="0"/>
+              </a:rPr>
+              <a:t> </a:t>
+            </a:r>
+            <a:r>
+              <a:rPr lang="it-IT" sz="1200" dirty="0" err="1">
+                <a:latin typeface="Consolas" panose="020B0609020204030204" pitchFamily="49" charset="0"/>
+                <a:cs typeface="Consolas" panose="020B0609020204030204" pitchFamily="49" charset="0"/>
+              </a:rPr>
+              <a:t>fuel</a:t>
+            </a:r>
+            <a:r>
+              <a:rPr lang="it-IT" sz="1200" dirty="0">
+                <a:latin typeface="Consolas" panose="020B0609020204030204" pitchFamily="49" charset="0"/>
+                <a:cs typeface="Consolas" panose="020B0609020204030204" pitchFamily="49" charset="0"/>
+              </a:rPr>
+              <a:t>;</a:t>
+            </a:r>
+          </a:p>
+          <a:p>
+            <a:pPr marL="0" indent="0">
+              <a:buNone/>
+            </a:pPr>
+            <a:endParaRPr lang="it-IT" sz="1200" dirty="0">
+              <a:latin typeface="Consolas" panose="020B0609020204030204" pitchFamily="49" charset="0"/>
+              <a:cs typeface="Consolas" panose="020B0609020204030204" pitchFamily="49" charset="0"/>
+            </a:endParaRPr>
+          </a:p>
+          <a:p>
+            <a:pPr marL="0" indent="0">
+              <a:buNone/>
+            </a:pPr>
+            <a:r>
+              <a:rPr lang="it-IT" sz="1200" dirty="0">
+                <a:latin typeface="Consolas" panose="020B0609020204030204" pitchFamily="49" charset="0"/>
+                <a:cs typeface="Consolas" panose="020B0609020204030204" pitchFamily="49" charset="0"/>
+              </a:rPr>
+              <a:t>	public Car(color, brand, model, </a:t>
+            </a:r>
+            <a:r>
+              <a:rPr lang="it-IT" sz="1200" dirty="0" err="1">
+                <a:latin typeface="Consolas" panose="020B0609020204030204" pitchFamily="49" charset="0"/>
+                <a:cs typeface="Consolas" panose="020B0609020204030204" pitchFamily="49" charset="0"/>
+              </a:rPr>
+              <a:t>fuel</a:t>
+            </a:r>
+            <a:r>
+              <a:rPr lang="it-IT" sz="1200" dirty="0">
+                <a:latin typeface="Consolas" panose="020B0609020204030204" pitchFamily="49" charset="0"/>
+                <a:cs typeface="Consolas" panose="020B0609020204030204" pitchFamily="49" charset="0"/>
+              </a:rPr>
+              <a:t>) {</a:t>
+            </a:r>
+          </a:p>
+          <a:p>
+            <a:pPr marL="0" indent="0">
+              <a:buNone/>
+            </a:pPr>
+            <a:r>
+              <a:rPr lang="it-IT" sz="1200" dirty="0">
+                <a:latin typeface="Consolas" panose="020B0609020204030204" pitchFamily="49" charset="0"/>
+                <a:cs typeface="Consolas" panose="020B0609020204030204" pitchFamily="49" charset="0"/>
+              </a:rPr>
+              <a:t>		</a:t>
+            </a:r>
+            <a:r>
+              <a:rPr lang="it-IT" sz="1200" dirty="0" err="1">
+                <a:latin typeface="Consolas" panose="020B0609020204030204" pitchFamily="49" charset="0"/>
+                <a:cs typeface="Consolas" panose="020B0609020204030204" pitchFamily="49" charset="0"/>
+              </a:rPr>
+              <a:t>this.color</a:t>
+            </a:r>
+            <a:r>
+              <a:rPr lang="it-IT" sz="1200" dirty="0">
+                <a:latin typeface="Consolas" panose="020B0609020204030204" pitchFamily="49" charset="0"/>
+                <a:cs typeface="Consolas" panose="020B0609020204030204" pitchFamily="49" charset="0"/>
+              </a:rPr>
+              <a:t> = color;</a:t>
+            </a:r>
+          </a:p>
+          <a:p>
+            <a:pPr marL="0" indent="0">
+              <a:buNone/>
+            </a:pPr>
+            <a:r>
+              <a:rPr lang="it-IT" sz="1200" dirty="0">
+                <a:latin typeface="Consolas" panose="020B0609020204030204" pitchFamily="49" charset="0"/>
+                <a:cs typeface="Consolas" panose="020B0609020204030204" pitchFamily="49" charset="0"/>
+              </a:rPr>
+              <a:t>		</a:t>
+            </a:r>
+            <a:r>
+              <a:rPr lang="it-IT" sz="1200" dirty="0" err="1">
+                <a:latin typeface="Consolas" panose="020B0609020204030204" pitchFamily="49" charset="0"/>
+                <a:cs typeface="Consolas" panose="020B0609020204030204" pitchFamily="49" charset="0"/>
+              </a:rPr>
+              <a:t>this.brand</a:t>
+            </a:r>
+            <a:r>
+              <a:rPr lang="it-IT" sz="1200" dirty="0">
+                <a:latin typeface="Consolas" panose="020B0609020204030204" pitchFamily="49" charset="0"/>
+                <a:cs typeface="Consolas" panose="020B0609020204030204" pitchFamily="49" charset="0"/>
+              </a:rPr>
+              <a:t> = brand;</a:t>
+            </a:r>
+          </a:p>
+          <a:p>
+            <a:pPr marL="0" indent="0">
+              <a:buNone/>
+            </a:pPr>
+            <a:r>
+              <a:rPr lang="it-IT" sz="1200" dirty="0">
+                <a:latin typeface="Consolas" panose="020B0609020204030204" pitchFamily="49" charset="0"/>
+                <a:cs typeface="Consolas" panose="020B0609020204030204" pitchFamily="49" charset="0"/>
+              </a:rPr>
+              <a:t>		</a:t>
+            </a:r>
+            <a:r>
+              <a:rPr lang="it-IT" sz="1200" dirty="0" err="1">
+                <a:latin typeface="Consolas" panose="020B0609020204030204" pitchFamily="49" charset="0"/>
+                <a:cs typeface="Consolas" panose="020B0609020204030204" pitchFamily="49" charset="0"/>
+              </a:rPr>
+              <a:t>this.model</a:t>
+            </a:r>
+            <a:r>
+              <a:rPr lang="it-IT" sz="1200" dirty="0">
+                <a:latin typeface="Consolas" panose="020B0609020204030204" pitchFamily="49" charset="0"/>
+                <a:cs typeface="Consolas" panose="020B0609020204030204" pitchFamily="49" charset="0"/>
+              </a:rPr>
+              <a:t> = model;</a:t>
+            </a:r>
+          </a:p>
+          <a:p>
+            <a:pPr marL="0" indent="0">
+              <a:buNone/>
+            </a:pPr>
+            <a:r>
+              <a:rPr lang="it-IT" sz="1200" dirty="0">
+                <a:latin typeface="Consolas" panose="020B0609020204030204" pitchFamily="49" charset="0"/>
+                <a:cs typeface="Consolas" panose="020B0609020204030204" pitchFamily="49" charset="0"/>
+              </a:rPr>
+              <a:t>		</a:t>
+            </a:r>
+            <a:r>
+              <a:rPr lang="it-IT" sz="1200" dirty="0" err="1">
+                <a:latin typeface="Consolas" panose="020B0609020204030204" pitchFamily="49" charset="0"/>
+                <a:cs typeface="Consolas" panose="020B0609020204030204" pitchFamily="49" charset="0"/>
+              </a:rPr>
+              <a:t>this.fuel</a:t>
+            </a:r>
+            <a:r>
+              <a:rPr lang="it-IT" sz="1200" dirty="0">
+                <a:latin typeface="Consolas" panose="020B0609020204030204" pitchFamily="49" charset="0"/>
+                <a:cs typeface="Consolas" panose="020B0609020204030204" pitchFamily="49" charset="0"/>
+              </a:rPr>
+              <a:t> = </a:t>
+            </a:r>
+            <a:r>
+              <a:rPr lang="it-IT" sz="1200" dirty="0" err="1">
+                <a:latin typeface="Consolas" panose="020B0609020204030204" pitchFamily="49" charset="0"/>
+                <a:cs typeface="Consolas" panose="020B0609020204030204" pitchFamily="49" charset="0"/>
+              </a:rPr>
+              <a:t>fuel</a:t>
+            </a:r>
+            <a:r>
+              <a:rPr lang="it-IT" sz="1200" dirty="0">
+                <a:latin typeface="Consolas" panose="020B0609020204030204" pitchFamily="49" charset="0"/>
+                <a:cs typeface="Consolas" panose="020B0609020204030204" pitchFamily="49" charset="0"/>
+              </a:rPr>
+              <a:t>;</a:t>
+            </a:r>
+          </a:p>
+          <a:p>
+            <a:pPr marL="0" indent="0">
+              <a:buNone/>
+            </a:pPr>
+            <a:r>
+              <a:rPr lang="it-IT" sz="1200" dirty="0">
+                <a:latin typeface="Consolas" panose="020B0609020204030204" pitchFamily="49" charset="0"/>
+                <a:cs typeface="Consolas" panose="020B0609020204030204" pitchFamily="49" charset="0"/>
+              </a:rPr>
+              <a:t>	}</a:t>
+            </a:r>
+          </a:p>
+          <a:p>
+            <a:pPr marL="0" indent="0">
+              <a:buNone/>
+            </a:pPr>
+            <a:r>
+              <a:rPr lang="it-IT" sz="1200" dirty="0">
+                <a:latin typeface="Consolas" panose="020B0609020204030204" pitchFamily="49" charset="0"/>
+                <a:cs typeface="Consolas" panose="020B0609020204030204" pitchFamily="49" charset="0"/>
+              </a:rPr>
+              <a:t>	/* ... */</a:t>
+            </a:r>
+          </a:p>
+          <a:p>
+            <a:pPr marL="0" indent="0">
+              <a:buNone/>
+            </a:pPr>
+            <a:r>
+              <a:rPr lang="it-IT" sz="1200" dirty="0">
+                <a:latin typeface="Consolas" panose="020B0609020204030204" pitchFamily="49" charset="0"/>
+                <a:cs typeface="Consolas" panose="020B0609020204030204" pitchFamily="49" charset="0"/>
+              </a:rPr>
+              <a:t>}</a:t>
+            </a:r>
+          </a:p>
+          <a:p>
+            <a:pPr marL="0" indent="0">
+              <a:buNone/>
+            </a:pPr>
+            <a:endParaRPr lang="it-IT" sz="1200" dirty="0">
+              <a:latin typeface="Consolas" panose="020B0609020204030204" pitchFamily="49" charset="0"/>
+              <a:cs typeface="Consolas" panose="020B0609020204030204" pitchFamily="49" charset="0"/>
+            </a:endParaRPr>
+          </a:p>
+          <a:p>
+            <a:pPr marL="0" indent="0">
+              <a:buNone/>
+            </a:pPr>
+            <a:r>
+              <a:rPr lang="it-IT" sz="1200" dirty="0">
+                <a:latin typeface="Consolas" panose="020B0609020204030204" pitchFamily="49" charset="0"/>
+                <a:cs typeface="Consolas" panose="020B0609020204030204" pitchFamily="49" charset="0"/>
+              </a:rPr>
+              <a:t>Car c1 = </a:t>
+            </a:r>
+            <a:r>
+              <a:rPr lang="it-IT" sz="1200" b="1" dirty="0">
+                <a:latin typeface="Consolas" panose="020B0609020204030204" pitchFamily="49" charset="0"/>
+                <a:cs typeface="Consolas" panose="020B0609020204030204" pitchFamily="49" charset="0"/>
+              </a:rPr>
+              <a:t>new</a:t>
+            </a:r>
+            <a:r>
+              <a:rPr lang="it-IT" sz="1200" dirty="0">
+                <a:latin typeface="Consolas" panose="020B0609020204030204" pitchFamily="49" charset="0"/>
+                <a:cs typeface="Consolas" panose="020B0609020204030204" pitchFamily="49" charset="0"/>
+              </a:rPr>
+              <a:t> Car(Green, Ford, Mustang, Gasoline);</a:t>
+            </a:r>
+          </a:p>
+          <a:p>
+            <a:pPr marL="0" indent="0">
+              <a:buNone/>
+            </a:pPr>
+            <a:r>
+              <a:rPr lang="it-IT" sz="1200" dirty="0">
+                <a:latin typeface="Consolas" panose="020B0609020204030204" pitchFamily="49" charset="0"/>
+                <a:cs typeface="Consolas" panose="020B0609020204030204" pitchFamily="49" charset="0"/>
+              </a:rPr>
+              <a:t>Car c2 = </a:t>
+            </a:r>
+            <a:r>
+              <a:rPr lang="it-IT" sz="1200" b="1" dirty="0">
+                <a:latin typeface="Consolas" panose="020B0609020204030204" pitchFamily="49" charset="0"/>
+                <a:cs typeface="Consolas" panose="020B0609020204030204" pitchFamily="49" charset="0"/>
+              </a:rPr>
+              <a:t>new</a:t>
+            </a:r>
+            <a:r>
+              <a:rPr lang="it-IT" sz="1200" dirty="0">
+                <a:latin typeface="Consolas" panose="020B0609020204030204" pitchFamily="49" charset="0"/>
+                <a:cs typeface="Consolas" panose="020B0609020204030204" pitchFamily="49" charset="0"/>
+              </a:rPr>
+              <a:t> Car(</a:t>
+            </a:r>
+            <a:r>
+              <a:rPr lang="it-IT" sz="1200" dirty="0" err="1">
+                <a:latin typeface="Consolas" panose="020B0609020204030204" pitchFamily="49" charset="0"/>
+                <a:cs typeface="Consolas" panose="020B0609020204030204" pitchFamily="49" charset="0"/>
+              </a:rPr>
+              <a:t>Red</a:t>
+            </a:r>
+            <a:r>
+              <a:rPr lang="it-IT" sz="1200" dirty="0">
+                <a:latin typeface="Consolas" panose="020B0609020204030204" pitchFamily="49" charset="0"/>
+                <a:cs typeface="Consolas" panose="020B0609020204030204" pitchFamily="49" charset="0"/>
+              </a:rPr>
+              <a:t>, Toyota, </a:t>
+            </a:r>
+            <a:r>
+              <a:rPr lang="it-IT" sz="1200" dirty="0" err="1">
+                <a:latin typeface="Consolas" panose="020B0609020204030204" pitchFamily="49" charset="0"/>
+                <a:cs typeface="Consolas" panose="020B0609020204030204" pitchFamily="49" charset="0"/>
+              </a:rPr>
+              <a:t>Prius</a:t>
+            </a:r>
+            <a:r>
+              <a:rPr lang="it-IT" sz="1200" dirty="0">
+                <a:latin typeface="Consolas" panose="020B0609020204030204" pitchFamily="49" charset="0"/>
+                <a:cs typeface="Consolas" panose="020B0609020204030204" pitchFamily="49" charset="0"/>
+              </a:rPr>
+              <a:t>, </a:t>
+            </a:r>
+            <a:r>
+              <a:rPr lang="it-IT" sz="1200" dirty="0" err="1">
+                <a:latin typeface="Consolas" panose="020B0609020204030204" pitchFamily="49" charset="0"/>
+                <a:cs typeface="Consolas" panose="020B0609020204030204" pitchFamily="49" charset="0"/>
+              </a:rPr>
+              <a:t>Electricity</a:t>
+            </a:r>
+            <a:r>
+              <a:rPr lang="it-IT" sz="1200" dirty="0">
+                <a:latin typeface="Consolas" panose="020B0609020204030204" pitchFamily="49" charset="0"/>
+                <a:cs typeface="Consolas" panose="020B0609020204030204" pitchFamily="49" charset="0"/>
+              </a:rPr>
+              <a:t>);</a:t>
+            </a:r>
+          </a:p>
+          <a:p>
+            <a:pPr marL="0" indent="0">
+              <a:buNone/>
+            </a:pPr>
+            <a:r>
+              <a:rPr lang="it-IT" sz="1200" dirty="0">
+                <a:latin typeface="Consolas" panose="020B0609020204030204" pitchFamily="49" charset="0"/>
+                <a:cs typeface="Consolas" panose="020B0609020204030204" pitchFamily="49" charset="0"/>
+              </a:rPr>
+              <a:t>Car c3 = </a:t>
+            </a:r>
+            <a:r>
+              <a:rPr lang="it-IT" sz="1200" b="1" dirty="0">
+                <a:latin typeface="Consolas" panose="020B0609020204030204" pitchFamily="49" charset="0"/>
+                <a:cs typeface="Consolas" panose="020B0609020204030204" pitchFamily="49" charset="0"/>
+              </a:rPr>
+              <a:t>new</a:t>
+            </a:r>
+            <a:r>
+              <a:rPr lang="it-IT" sz="1200" dirty="0">
+                <a:latin typeface="Consolas" panose="020B0609020204030204" pitchFamily="49" charset="0"/>
+                <a:cs typeface="Consolas" panose="020B0609020204030204" pitchFamily="49" charset="0"/>
+              </a:rPr>
+              <a:t> Car(Blue, VW, Golf, Diesel);</a:t>
+            </a:r>
+          </a:p>
+          <a:p>
+            <a:pPr marL="0" indent="0">
+              <a:buNone/>
+            </a:pPr>
+            <a:endParaRPr lang="it-IT" sz="1200" dirty="0">
+              <a:latin typeface="Consolas" panose="020B0609020204030204" pitchFamily="49" charset="0"/>
+              <a:cs typeface="Consolas" panose="020B0609020204030204" pitchFamily="49" charset="0"/>
+            </a:endParaRPr>
+          </a:p>
+          <a:p>
+            <a:pPr marL="0" indent="0">
+              <a:buNone/>
+            </a:pPr>
+            <a:endParaRPr lang="it-IT" sz="1200" dirty="0">
+              <a:latin typeface="Consolas" panose="020B0609020204030204" pitchFamily="49" charset="0"/>
+              <a:cs typeface="Consolas" panose="020B0609020204030204" pitchFamily="49" charset="0"/>
+            </a:endParaRPr>
+          </a:p>
+        </p:txBody>
+      </p:sp>
       <p:pic>
         <p:nvPicPr>
           <p:cNvPr id="13" name="Content Placeholder 12">
@@ -9442,7 +9946,7 @@
             <a:picLocks noGrp="1" noChangeAspect="1"/>
           </p:cNvPicPr>
           <p:nvPr>
-            <p:ph sz="quarter" idx="4"/>
+            <p:ph sz="half" idx="2"/>
           </p:nvPr>
         </p:nvPicPr>
         <p:blipFill>
@@ -9459,8 +9963,8 @@
         </p:blipFill>
         <p:spPr>
           <a:xfrm>
-            <a:off x="6744072" y="2492896"/>
-            <a:ext cx="3907378" cy="3528392"/>
+            <a:off x="5912391" y="1844824"/>
+            <a:ext cx="5633342" cy="4281340"/>
           </a:xfrm>
         </p:spPr>
       </p:pic>
@@ -9491,515 +9995,6 @@
               <a:t>24</a:t>
             </a:fld>
             <a:endParaRPr lang="it-IT" dirty="0"/>
-          </a:p>
-        </p:txBody>
-      </p:sp>
-      <p:sp>
-        <p:nvSpPr>
-          <p:cNvPr id="11" name="Content Placeholder 10">
-            <a:extLst>
-              <a:ext uri="{FF2B5EF4-FFF2-40B4-BE49-F238E27FC236}">
-                <a16:creationId xmlns:a16="http://schemas.microsoft.com/office/drawing/2014/main" id="{6FC0F007-0B7A-394B-8F28-4188EFEF70C3}"/>
-              </a:ext>
-            </a:extLst>
-          </p:cNvPr>
-          <p:cNvSpPr>
-            <a:spLocks noGrp="1"/>
-          </p:cNvSpPr>
-          <p:nvPr>
-            <p:ph sz="half" idx="2"/>
-          </p:nvPr>
-        </p:nvSpPr>
-        <p:spPr>
-          <a:xfrm>
-            <a:off x="1981200" y="1556793"/>
-            <a:ext cx="4546848" cy="4569371"/>
-          </a:xfrm>
-        </p:spPr>
-        <p:txBody>
-          <a:bodyPr>
-            <a:normAutofit/>
-          </a:bodyPr>
-          <a:lstStyle/>
-          <a:p>
-            <a:pPr marL="0" indent="0">
-              <a:buNone/>
-            </a:pPr>
-            <a:r>
-              <a:rPr lang="it-IT" sz="1200" dirty="0">
-                <a:latin typeface="Consolas" panose="020B0609020204030204" pitchFamily="49" charset="0"/>
-                <a:cs typeface="Consolas" panose="020B0609020204030204" pitchFamily="49" charset="0"/>
-              </a:rPr>
-              <a:t>public </a:t>
-            </a:r>
-            <a:r>
-              <a:rPr lang="it-IT" sz="1200" dirty="0" err="1">
-                <a:latin typeface="Consolas" panose="020B0609020204030204" pitchFamily="49" charset="0"/>
-                <a:cs typeface="Consolas" panose="020B0609020204030204" pitchFamily="49" charset="0"/>
-              </a:rPr>
-              <a:t>class</a:t>
-            </a:r>
-            <a:r>
-              <a:rPr lang="it-IT" sz="1200" dirty="0">
-                <a:latin typeface="Consolas" panose="020B0609020204030204" pitchFamily="49" charset="0"/>
-                <a:cs typeface="Consolas" panose="020B0609020204030204" pitchFamily="49" charset="0"/>
-              </a:rPr>
-              <a:t> Car {</a:t>
-            </a:r>
-          </a:p>
-          <a:p>
-            <a:pPr marL="0" indent="0">
-              <a:buNone/>
-            </a:pPr>
-            <a:r>
-              <a:rPr lang="it-IT" sz="1200" dirty="0">
-                <a:latin typeface="Consolas" panose="020B0609020204030204" pitchFamily="49" charset="0"/>
-                <a:cs typeface="Consolas" panose="020B0609020204030204" pitchFamily="49" charset="0"/>
-              </a:rPr>
-              <a:t>	</a:t>
-            </a:r>
-            <a:r>
-              <a:rPr lang="it-IT" sz="1200" dirty="0" err="1">
-                <a:latin typeface="Consolas" panose="020B0609020204030204" pitchFamily="49" charset="0"/>
-                <a:cs typeface="Consolas" panose="020B0609020204030204" pitchFamily="49" charset="0"/>
-              </a:rPr>
-              <a:t>String</a:t>
-            </a:r>
-            <a:r>
-              <a:rPr lang="it-IT" sz="1200" dirty="0">
-                <a:latin typeface="Consolas" panose="020B0609020204030204" pitchFamily="49" charset="0"/>
-                <a:cs typeface="Consolas" panose="020B0609020204030204" pitchFamily="49" charset="0"/>
-              </a:rPr>
-              <a:t> color;</a:t>
-            </a:r>
-          </a:p>
-          <a:p>
-            <a:pPr marL="0" indent="0">
-              <a:buNone/>
-            </a:pPr>
-            <a:r>
-              <a:rPr lang="it-IT" sz="1200" dirty="0">
-                <a:latin typeface="Consolas" panose="020B0609020204030204" pitchFamily="49" charset="0"/>
-                <a:cs typeface="Consolas" panose="020B0609020204030204" pitchFamily="49" charset="0"/>
-              </a:rPr>
-              <a:t>	</a:t>
-            </a:r>
-            <a:r>
-              <a:rPr lang="it-IT" sz="1200" dirty="0" err="1">
-                <a:latin typeface="Consolas" panose="020B0609020204030204" pitchFamily="49" charset="0"/>
-                <a:cs typeface="Consolas" panose="020B0609020204030204" pitchFamily="49" charset="0"/>
-              </a:rPr>
-              <a:t>String</a:t>
-            </a:r>
-            <a:r>
-              <a:rPr lang="it-IT" sz="1200" dirty="0">
-                <a:latin typeface="Consolas" panose="020B0609020204030204" pitchFamily="49" charset="0"/>
-                <a:cs typeface="Consolas" panose="020B0609020204030204" pitchFamily="49" charset="0"/>
-              </a:rPr>
-              <a:t> brand;</a:t>
-            </a:r>
-          </a:p>
-          <a:p>
-            <a:pPr marL="0" indent="0">
-              <a:buNone/>
-            </a:pPr>
-            <a:r>
-              <a:rPr lang="it-IT" sz="1200" dirty="0">
-                <a:latin typeface="Consolas" panose="020B0609020204030204" pitchFamily="49" charset="0"/>
-                <a:cs typeface="Consolas" panose="020B0609020204030204" pitchFamily="49" charset="0"/>
-              </a:rPr>
-              <a:t>	</a:t>
-            </a:r>
-            <a:r>
-              <a:rPr lang="it-IT" sz="1200" dirty="0" err="1">
-                <a:latin typeface="Consolas" panose="020B0609020204030204" pitchFamily="49" charset="0"/>
-                <a:cs typeface="Consolas" panose="020B0609020204030204" pitchFamily="49" charset="0"/>
-              </a:rPr>
-              <a:t>String</a:t>
-            </a:r>
-            <a:r>
-              <a:rPr lang="it-IT" sz="1200" dirty="0">
-                <a:latin typeface="Consolas" panose="020B0609020204030204" pitchFamily="49" charset="0"/>
-                <a:cs typeface="Consolas" panose="020B0609020204030204" pitchFamily="49" charset="0"/>
-              </a:rPr>
-              <a:t> model;</a:t>
-            </a:r>
-          </a:p>
-          <a:p>
-            <a:pPr marL="0" indent="0">
-              <a:buNone/>
-            </a:pPr>
-            <a:r>
-              <a:rPr lang="it-IT" sz="1200" dirty="0">
-                <a:latin typeface="Consolas" panose="020B0609020204030204" pitchFamily="49" charset="0"/>
-                <a:cs typeface="Consolas" panose="020B0609020204030204" pitchFamily="49" charset="0"/>
-              </a:rPr>
-              <a:t>	</a:t>
-            </a:r>
-            <a:r>
-              <a:rPr lang="it-IT" sz="1200" dirty="0" err="1">
-                <a:latin typeface="Consolas" panose="020B0609020204030204" pitchFamily="49" charset="0"/>
-                <a:cs typeface="Consolas" panose="020B0609020204030204" pitchFamily="49" charset="0"/>
-              </a:rPr>
-              <a:t>String</a:t>
-            </a:r>
-            <a:r>
-              <a:rPr lang="it-IT" sz="1200" dirty="0">
-                <a:latin typeface="Consolas" panose="020B0609020204030204" pitchFamily="49" charset="0"/>
-                <a:cs typeface="Consolas" panose="020B0609020204030204" pitchFamily="49" charset="0"/>
-              </a:rPr>
-              <a:t> </a:t>
-            </a:r>
-            <a:r>
-              <a:rPr lang="it-IT" sz="1200" dirty="0" err="1">
-                <a:latin typeface="Consolas" panose="020B0609020204030204" pitchFamily="49" charset="0"/>
-                <a:cs typeface="Consolas" panose="020B0609020204030204" pitchFamily="49" charset="0"/>
-              </a:rPr>
-              <a:t>fuel</a:t>
-            </a:r>
-            <a:r>
-              <a:rPr lang="it-IT" sz="1200" dirty="0">
-                <a:latin typeface="Consolas" panose="020B0609020204030204" pitchFamily="49" charset="0"/>
-                <a:cs typeface="Consolas" panose="020B0609020204030204" pitchFamily="49" charset="0"/>
-              </a:rPr>
-              <a:t>;</a:t>
-            </a:r>
-          </a:p>
-          <a:p>
-            <a:pPr marL="0" indent="0">
-              <a:buNone/>
-            </a:pPr>
-            <a:endParaRPr lang="it-IT" sz="1200" dirty="0">
-              <a:latin typeface="Consolas" panose="020B0609020204030204" pitchFamily="49" charset="0"/>
-              <a:cs typeface="Consolas" panose="020B0609020204030204" pitchFamily="49" charset="0"/>
-            </a:endParaRPr>
-          </a:p>
-          <a:p>
-            <a:pPr marL="0" indent="0">
-              <a:buNone/>
-            </a:pPr>
-            <a:r>
-              <a:rPr lang="it-IT" sz="1200" dirty="0">
-                <a:latin typeface="Consolas" panose="020B0609020204030204" pitchFamily="49" charset="0"/>
-                <a:cs typeface="Consolas" panose="020B0609020204030204" pitchFamily="49" charset="0"/>
-              </a:rPr>
-              <a:t>	public Car(color, brand, model, </a:t>
-            </a:r>
-            <a:r>
-              <a:rPr lang="it-IT" sz="1200" dirty="0" err="1">
-                <a:latin typeface="Consolas" panose="020B0609020204030204" pitchFamily="49" charset="0"/>
-                <a:cs typeface="Consolas" panose="020B0609020204030204" pitchFamily="49" charset="0"/>
-              </a:rPr>
-              <a:t>fuel</a:t>
-            </a:r>
-            <a:r>
-              <a:rPr lang="it-IT" sz="1200" dirty="0">
-                <a:latin typeface="Consolas" panose="020B0609020204030204" pitchFamily="49" charset="0"/>
-                <a:cs typeface="Consolas" panose="020B0609020204030204" pitchFamily="49" charset="0"/>
-              </a:rPr>
-              <a:t>) {</a:t>
-            </a:r>
-          </a:p>
-          <a:p>
-            <a:pPr marL="0" indent="0">
-              <a:buNone/>
-            </a:pPr>
-            <a:r>
-              <a:rPr lang="it-IT" sz="1200" dirty="0">
-                <a:latin typeface="Consolas" panose="020B0609020204030204" pitchFamily="49" charset="0"/>
-                <a:cs typeface="Consolas" panose="020B0609020204030204" pitchFamily="49" charset="0"/>
-              </a:rPr>
-              <a:t>		</a:t>
-            </a:r>
-            <a:r>
-              <a:rPr lang="it-IT" sz="1200" dirty="0" err="1">
-                <a:latin typeface="Consolas" panose="020B0609020204030204" pitchFamily="49" charset="0"/>
-                <a:cs typeface="Consolas" panose="020B0609020204030204" pitchFamily="49" charset="0"/>
-              </a:rPr>
-              <a:t>this.color</a:t>
-            </a:r>
-            <a:r>
-              <a:rPr lang="it-IT" sz="1200" dirty="0">
-                <a:latin typeface="Consolas" panose="020B0609020204030204" pitchFamily="49" charset="0"/>
-                <a:cs typeface="Consolas" panose="020B0609020204030204" pitchFamily="49" charset="0"/>
-              </a:rPr>
-              <a:t> = color;</a:t>
-            </a:r>
-          </a:p>
-          <a:p>
-            <a:pPr marL="0" indent="0">
-              <a:buNone/>
-            </a:pPr>
-            <a:r>
-              <a:rPr lang="it-IT" sz="1200" dirty="0">
-                <a:latin typeface="Consolas" panose="020B0609020204030204" pitchFamily="49" charset="0"/>
-                <a:cs typeface="Consolas" panose="020B0609020204030204" pitchFamily="49" charset="0"/>
-              </a:rPr>
-              <a:t>		</a:t>
-            </a:r>
-            <a:r>
-              <a:rPr lang="it-IT" sz="1200" dirty="0" err="1">
-                <a:latin typeface="Consolas" panose="020B0609020204030204" pitchFamily="49" charset="0"/>
-                <a:cs typeface="Consolas" panose="020B0609020204030204" pitchFamily="49" charset="0"/>
-              </a:rPr>
-              <a:t>this.brand</a:t>
-            </a:r>
-            <a:r>
-              <a:rPr lang="it-IT" sz="1200" dirty="0">
-                <a:latin typeface="Consolas" panose="020B0609020204030204" pitchFamily="49" charset="0"/>
-                <a:cs typeface="Consolas" panose="020B0609020204030204" pitchFamily="49" charset="0"/>
-              </a:rPr>
-              <a:t> = brand;</a:t>
-            </a:r>
-          </a:p>
-          <a:p>
-            <a:pPr marL="0" indent="0">
-              <a:buNone/>
-            </a:pPr>
-            <a:r>
-              <a:rPr lang="it-IT" sz="1200" dirty="0">
-                <a:latin typeface="Consolas" panose="020B0609020204030204" pitchFamily="49" charset="0"/>
-                <a:cs typeface="Consolas" panose="020B0609020204030204" pitchFamily="49" charset="0"/>
-              </a:rPr>
-              <a:t>		</a:t>
-            </a:r>
-            <a:r>
-              <a:rPr lang="it-IT" sz="1200" dirty="0" err="1">
-                <a:latin typeface="Consolas" panose="020B0609020204030204" pitchFamily="49" charset="0"/>
-                <a:cs typeface="Consolas" panose="020B0609020204030204" pitchFamily="49" charset="0"/>
-              </a:rPr>
-              <a:t>this.model</a:t>
-            </a:r>
-            <a:r>
-              <a:rPr lang="it-IT" sz="1200" dirty="0">
-                <a:latin typeface="Consolas" panose="020B0609020204030204" pitchFamily="49" charset="0"/>
-                <a:cs typeface="Consolas" panose="020B0609020204030204" pitchFamily="49" charset="0"/>
-              </a:rPr>
-              <a:t> = model;</a:t>
-            </a:r>
-          </a:p>
-          <a:p>
-            <a:pPr marL="0" indent="0">
-              <a:buNone/>
-            </a:pPr>
-            <a:r>
-              <a:rPr lang="it-IT" sz="1200" dirty="0">
-                <a:latin typeface="Consolas" panose="020B0609020204030204" pitchFamily="49" charset="0"/>
-                <a:cs typeface="Consolas" panose="020B0609020204030204" pitchFamily="49" charset="0"/>
-              </a:rPr>
-              <a:t>		</a:t>
-            </a:r>
-            <a:r>
-              <a:rPr lang="it-IT" sz="1200" dirty="0" err="1">
-                <a:latin typeface="Consolas" panose="020B0609020204030204" pitchFamily="49" charset="0"/>
-                <a:cs typeface="Consolas" panose="020B0609020204030204" pitchFamily="49" charset="0"/>
-              </a:rPr>
-              <a:t>this.fuel</a:t>
-            </a:r>
-            <a:r>
-              <a:rPr lang="it-IT" sz="1200" dirty="0">
-                <a:latin typeface="Consolas" panose="020B0609020204030204" pitchFamily="49" charset="0"/>
-                <a:cs typeface="Consolas" panose="020B0609020204030204" pitchFamily="49" charset="0"/>
-              </a:rPr>
-              <a:t> = </a:t>
-            </a:r>
-            <a:r>
-              <a:rPr lang="it-IT" sz="1200" dirty="0" err="1">
-                <a:latin typeface="Consolas" panose="020B0609020204030204" pitchFamily="49" charset="0"/>
-                <a:cs typeface="Consolas" panose="020B0609020204030204" pitchFamily="49" charset="0"/>
-              </a:rPr>
-              <a:t>fuel</a:t>
-            </a:r>
-            <a:r>
-              <a:rPr lang="it-IT" sz="1200" dirty="0">
-                <a:latin typeface="Consolas" panose="020B0609020204030204" pitchFamily="49" charset="0"/>
-                <a:cs typeface="Consolas" panose="020B0609020204030204" pitchFamily="49" charset="0"/>
-              </a:rPr>
-              <a:t>;</a:t>
-            </a:r>
-          </a:p>
-          <a:p>
-            <a:pPr marL="0" indent="0">
-              <a:buNone/>
-            </a:pPr>
-            <a:r>
-              <a:rPr lang="it-IT" sz="1200" dirty="0">
-                <a:latin typeface="Consolas" panose="020B0609020204030204" pitchFamily="49" charset="0"/>
-                <a:cs typeface="Consolas" panose="020B0609020204030204" pitchFamily="49" charset="0"/>
-              </a:rPr>
-              <a:t>	}</a:t>
-            </a:r>
-          </a:p>
-          <a:p>
-            <a:pPr marL="0" indent="0">
-              <a:buNone/>
-            </a:pPr>
-            <a:r>
-              <a:rPr lang="it-IT" sz="1200" dirty="0">
-                <a:latin typeface="Consolas" panose="020B0609020204030204" pitchFamily="49" charset="0"/>
-                <a:cs typeface="Consolas" panose="020B0609020204030204" pitchFamily="49" charset="0"/>
-              </a:rPr>
-              <a:t>	/* ... */</a:t>
-            </a:r>
-          </a:p>
-          <a:p>
-            <a:pPr marL="0" indent="0">
-              <a:buNone/>
-            </a:pPr>
-            <a:r>
-              <a:rPr lang="it-IT" sz="1200" dirty="0">
-                <a:latin typeface="Consolas" panose="020B0609020204030204" pitchFamily="49" charset="0"/>
-                <a:cs typeface="Consolas" panose="020B0609020204030204" pitchFamily="49" charset="0"/>
-              </a:rPr>
-              <a:t>}</a:t>
-            </a:r>
-          </a:p>
-          <a:p>
-            <a:pPr marL="0" indent="0">
-              <a:buNone/>
-            </a:pPr>
-            <a:endParaRPr lang="it-IT" sz="1200" dirty="0">
-              <a:latin typeface="Consolas" panose="020B0609020204030204" pitchFamily="49" charset="0"/>
-              <a:cs typeface="Consolas" panose="020B0609020204030204" pitchFamily="49" charset="0"/>
-            </a:endParaRPr>
-          </a:p>
-          <a:p>
-            <a:pPr marL="0" indent="0">
-              <a:buNone/>
-            </a:pPr>
-            <a:r>
-              <a:rPr lang="it-IT" sz="1200" dirty="0">
-                <a:latin typeface="Consolas" panose="020B0609020204030204" pitchFamily="49" charset="0"/>
-                <a:cs typeface="Consolas" panose="020B0609020204030204" pitchFamily="49" charset="0"/>
-              </a:rPr>
-              <a:t>Car c1 = </a:t>
-            </a:r>
-            <a:r>
-              <a:rPr lang="it-IT" sz="1200" b="1" dirty="0">
-                <a:latin typeface="Consolas" panose="020B0609020204030204" pitchFamily="49" charset="0"/>
-                <a:cs typeface="Consolas" panose="020B0609020204030204" pitchFamily="49" charset="0"/>
-              </a:rPr>
-              <a:t>new</a:t>
-            </a:r>
-            <a:r>
-              <a:rPr lang="it-IT" sz="1200" dirty="0">
-                <a:latin typeface="Consolas" panose="020B0609020204030204" pitchFamily="49" charset="0"/>
-                <a:cs typeface="Consolas" panose="020B0609020204030204" pitchFamily="49" charset="0"/>
-              </a:rPr>
-              <a:t> Car(Green, Ford, Mustang, Gasoline);</a:t>
-            </a:r>
-          </a:p>
-          <a:p>
-            <a:pPr marL="0" indent="0">
-              <a:buNone/>
-            </a:pPr>
-            <a:r>
-              <a:rPr lang="it-IT" sz="1200" dirty="0">
-                <a:latin typeface="Consolas" panose="020B0609020204030204" pitchFamily="49" charset="0"/>
-                <a:cs typeface="Consolas" panose="020B0609020204030204" pitchFamily="49" charset="0"/>
-              </a:rPr>
-              <a:t>Car c2 = </a:t>
-            </a:r>
-            <a:r>
-              <a:rPr lang="it-IT" sz="1200" b="1" dirty="0">
-                <a:latin typeface="Consolas" panose="020B0609020204030204" pitchFamily="49" charset="0"/>
-                <a:cs typeface="Consolas" panose="020B0609020204030204" pitchFamily="49" charset="0"/>
-              </a:rPr>
-              <a:t>new</a:t>
-            </a:r>
-            <a:r>
-              <a:rPr lang="it-IT" sz="1200" dirty="0">
-                <a:latin typeface="Consolas" panose="020B0609020204030204" pitchFamily="49" charset="0"/>
-                <a:cs typeface="Consolas" panose="020B0609020204030204" pitchFamily="49" charset="0"/>
-              </a:rPr>
-              <a:t> Car(</a:t>
-            </a:r>
-            <a:r>
-              <a:rPr lang="it-IT" sz="1200" dirty="0" err="1">
-                <a:latin typeface="Consolas" panose="020B0609020204030204" pitchFamily="49" charset="0"/>
-                <a:cs typeface="Consolas" panose="020B0609020204030204" pitchFamily="49" charset="0"/>
-              </a:rPr>
-              <a:t>Red</a:t>
-            </a:r>
-            <a:r>
-              <a:rPr lang="it-IT" sz="1200" dirty="0">
-                <a:latin typeface="Consolas" panose="020B0609020204030204" pitchFamily="49" charset="0"/>
-                <a:cs typeface="Consolas" panose="020B0609020204030204" pitchFamily="49" charset="0"/>
-              </a:rPr>
-              <a:t>, Toyota, </a:t>
-            </a:r>
-            <a:r>
-              <a:rPr lang="it-IT" sz="1200" dirty="0" err="1">
-                <a:latin typeface="Consolas" panose="020B0609020204030204" pitchFamily="49" charset="0"/>
-                <a:cs typeface="Consolas" panose="020B0609020204030204" pitchFamily="49" charset="0"/>
-              </a:rPr>
-              <a:t>Prius</a:t>
-            </a:r>
-            <a:r>
-              <a:rPr lang="it-IT" sz="1200" dirty="0">
-                <a:latin typeface="Consolas" panose="020B0609020204030204" pitchFamily="49" charset="0"/>
-                <a:cs typeface="Consolas" panose="020B0609020204030204" pitchFamily="49" charset="0"/>
-              </a:rPr>
-              <a:t>, </a:t>
-            </a:r>
-            <a:r>
-              <a:rPr lang="it-IT" sz="1200" dirty="0" err="1">
-                <a:latin typeface="Consolas" panose="020B0609020204030204" pitchFamily="49" charset="0"/>
-                <a:cs typeface="Consolas" panose="020B0609020204030204" pitchFamily="49" charset="0"/>
-              </a:rPr>
-              <a:t>Electricity</a:t>
-            </a:r>
-            <a:r>
-              <a:rPr lang="it-IT" sz="1200" dirty="0">
-                <a:latin typeface="Consolas" panose="020B0609020204030204" pitchFamily="49" charset="0"/>
-                <a:cs typeface="Consolas" panose="020B0609020204030204" pitchFamily="49" charset="0"/>
-              </a:rPr>
-              <a:t>);</a:t>
-            </a:r>
-          </a:p>
-          <a:p>
-            <a:pPr marL="0" indent="0">
-              <a:buNone/>
-            </a:pPr>
-            <a:r>
-              <a:rPr lang="it-IT" sz="1200" dirty="0">
-                <a:latin typeface="Consolas" panose="020B0609020204030204" pitchFamily="49" charset="0"/>
-                <a:cs typeface="Consolas" panose="020B0609020204030204" pitchFamily="49" charset="0"/>
-              </a:rPr>
-              <a:t>Car c3 = </a:t>
-            </a:r>
-            <a:r>
-              <a:rPr lang="it-IT" sz="1200" b="1" dirty="0">
-                <a:latin typeface="Consolas" panose="020B0609020204030204" pitchFamily="49" charset="0"/>
-                <a:cs typeface="Consolas" panose="020B0609020204030204" pitchFamily="49" charset="0"/>
-              </a:rPr>
-              <a:t>new</a:t>
-            </a:r>
-            <a:r>
-              <a:rPr lang="it-IT" sz="1200" dirty="0">
-                <a:latin typeface="Consolas" panose="020B0609020204030204" pitchFamily="49" charset="0"/>
-                <a:cs typeface="Consolas" panose="020B0609020204030204" pitchFamily="49" charset="0"/>
-              </a:rPr>
-              <a:t> Car(Blue, VW, Golf, Diesel);</a:t>
-            </a:r>
-          </a:p>
-          <a:p>
-            <a:pPr marL="0" indent="0">
-              <a:buNone/>
-            </a:pPr>
-            <a:endParaRPr lang="it-IT" sz="1200" dirty="0">
-              <a:latin typeface="Consolas" panose="020B0609020204030204" pitchFamily="49" charset="0"/>
-              <a:cs typeface="Consolas" panose="020B0609020204030204" pitchFamily="49" charset="0"/>
-            </a:endParaRPr>
-          </a:p>
-          <a:p>
-            <a:pPr marL="0" indent="0">
-              <a:buNone/>
-            </a:pPr>
-            <a:endParaRPr lang="it-IT" sz="1200" dirty="0">
-              <a:latin typeface="Consolas" panose="020B0609020204030204" pitchFamily="49" charset="0"/>
-              <a:cs typeface="Consolas" panose="020B0609020204030204" pitchFamily="49" charset="0"/>
-            </a:endParaRPr>
           </a:p>
         </p:txBody>
       </p:sp>

--- a/java/slides/ppt/01 - Java From Functions to Objects.pptx
+++ b/java/slides/ppt/01 - Java From Functions to Objects.pptx
@@ -5,10 +5,10 @@
     <p:sldMasterId id="2147483672" r:id="rId1"/>
   </p:sldMasterIdLst>
   <p:notesMasterIdLst>
-    <p:notesMasterId r:id="rId33"/>
+    <p:notesMasterId r:id="rId34"/>
   </p:notesMasterIdLst>
   <p:handoutMasterIdLst>
-    <p:handoutMasterId r:id="rId34"/>
+    <p:handoutMasterId r:id="rId35"/>
   </p:handoutMasterIdLst>
   <p:sldIdLst>
     <p:sldId id="256" r:id="rId2"/>
@@ -42,6 +42,7 @@
     <p:sldId id="365" r:id="rId30"/>
     <p:sldId id="345" r:id="rId31"/>
     <p:sldId id="348" r:id="rId32"/>
+    <p:sldId id="376" r:id="rId33"/>
   </p:sldIdLst>
   <p:sldSz cx="12192000" cy="6858000"/>
   <p:notesSz cx="6858000" cy="9144000"/>
@@ -253,7 +254,7 @@
           <a:p>
             <a:fld id="{5591E39A-28E5-5D4D-B97C-ECEB96F19817}" type="datetimeFigureOut">
               <a:rPr lang="en-IT" smtClean="0"/>
-              <a:t>30/09/21</a:t>
+              <a:t>01/10/21</a:t>
             </a:fld>
             <a:endParaRPr lang="en-IT"/>
           </a:p>
@@ -432,7 +433,7 @@
             <a:fld id="{BAEB7694-8561-4BE2-948D-EDF7A201F8BB}" type="datetimeFigureOut">
               <a:rPr lang="it-IT" smtClean="0"/>
               <a:pPr/>
-              <a:t>30/09/21</a:t>
+              <a:t>01/10/21</a:t>
             </a:fld>
             <a:endParaRPr lang="it-IT"/>
           </a:p>
@@ -3937,128 +3938,141 @@
       </p:sp>
       <p:sp>
         <p:nvSpPr>
-          <p:cNvPr id="4" name="Segnaposto contenuto 3"/>
+          <p:cNvPr id="7" name="Content Placeholder 6">
+            <a:extLst>
+              <a:ext uri="{FF2B5EF4-FFF2-40B4-BE49-F238E27FC236}">
+                <a16:creationId xmlns:a16="http://schemas.microsoft.com/office/drawing/2014/main" id="{2CC4D00D-829C-D345-8757-F6B840DBA6A7}"/>
+              </a:ext>
+            </a:extLst>
+          </p:cNvPr>
           <p:cNvSpPr>
             <a:spLocks noGrp="1"/>
           </p:cNvSpPr>
           <p:nvPr>
-            <p:ph idx="1"/>
+            <p:ph sz="half" idx="1"/>
           </p:nvPr>
         </p:nvSpPr>
         <p:spPr/>
         <p:txBody>
           <a:bodyPr>
-            <a:normAutofit/>
+            <a:normAutofit fontScale="92500" lnSpcReduction="20000"/>
           </a:bodyPr>
           <a:lstStyle/>
           <a:p>
-            <a:pPr lvl="1">
-              <a:buFont typeface="Arial" panose="020B0604020202020204" pitchFamily="34" charset="0"/>
-              <a:buChar char="•"/>
-            </a:pPr>
-            <a:r>
-              <a:rPr lang="en-US" b="1" dirty="0"/>
-              <a:t>Industry Average</a:t>
-            </a:r>
-            <a:r>
-              <a:rPr lang="en-US" dirty="0"/>
-              <a:t> </a:t>
-            </a:r>
-          </a:p>
-          <a:p>
-            <a:pPr lvl="2">
-              <a:buFont typeface="Arial" panose="020B0604020202020204" pitchFamily="34" charset="0"/>
-              <a:buChar char="•"/>
-            </a:pPr>
-            <a:r>
-              <a:rPr lang="en-US" dirty="0"/>
+            <a:r>
+              <a:rPr lang="en-GB" dirty="0"/>
+              <a:t>Industry Average </a:t>
+            </a:r>
+          </a:p>
+          <a:p>
+            <a:endParaRPr lang="en-GB" dirty="0"/>
+          </a:p>
+          <a:p>
+            <a:pPr lvl="1"/>
+            <a:r>
+              <a:rPr lang="en-GB" dirty="0"/>
               <a:t>25 errors / 1K SLOC</a:t>
             </a:r>
           </a:p>
           <a:p>
-            <a:pPr lvl="1">
-              <a:buFont typeface="Arial" panose="020B0604020202020204" pitchFamily="34" charset="0"/>
-              <a:buChar char="•"/>
-            </a:pPr>
-            <a:endParaRPr lang="en-US" dirty="0"/>
-          </a:p>
-          <a:p>
-            <a:pPr lvl="1">
-              <a:buFont typeface="Arial" panose="020B0604020202020204" pitchFamily="34" charset="0"/>
-              <a:buChar char="•"/>
-            </a:pPr>
-            <a:r>
-              <a:rPr lang="en-US" b="1" dirty="0"/>
+            <a:pPr marL="0" indent="0">
+              <a:buNone/>
+            </a:pPr>
+            <a:endParaRPr lang="en-GB" dirty="0"/>
+          </a:p>
+          <a:p>
+            <a:r>
+              <a:rPr lang="en-GB" dirty="0"/>
               <a:t>Corporate Applications</a:t>
             </a:r>
-            <a:endParaRPr lang="en-US" dirty="0"/>
-          </a:p>
-          <a:p>
-            <a:pPr lvl="2">
-              <a:buFont typeface="Arial" panose="020B0604020202020204" pitchFamily="34" charset="0"/>
-              <a:buChar char="•"/>
-            </a:pPr>
-            <a:r>
-              <a:rPr lang="en-US" dirty="0"/>
+          </a:p>
+          <a:p>
+            <a:endParaRPr lang="en-GB" dirty="0"/>
+          </a:p>
+          <a:p>
+            <a:pPr lvl="1"/>
+            <a:r>
+              <a:rPr lang="en-GB" dirty="0"/>
               <a:t>5 errors / 1K SLOC</a:t>
             </a:r>
           </a:p>
           <a:p>
-            <a:pPr lvl="1">
-              <a:buFont typeface="Arial" panose="020B0604020202020204" pitchFamily="34" charset="0"/>
-              <a:buChar char="•"/>
-            </a:pPr>
-            <a:endParaRPr lang="en-US" dirty="0"/>
-          </a:p>
-          <a:p>
-            <a:pPr lvl="1">
-              <a:buFont typeface="Arial" panose="020B0604020202020204" pitchFamily="34" charset="0"/>
-              <a:buChar char="•"/>
-            </a:pPr>
-            <a:r>
-              <a:rPr lang="it-IT" b="1" dirty="0" err="1"/>
-              <a:t>Cleanroom</a:t>
-            </a:r>
-            <a:r>
-              <a:rPr lang="it-IT" b="1" dirty="0"/>
-              <a:t> </a:t>
-            </a:r>
-            <a:r>
-              <a:rPr lang="it-IT" b="1" dirty="0" err="1"/>
-              <a:t>development</a:t>
-            </a:r>
-            <a:r>
-              <a:rPr lang="it-IT" b="1" dirty="0"/>
-              <a:t> </a:t>
-            </a:r>
-            <a:r>
-              <a:rPr lang="it-IT" b="1" dirty="0" err="1"/>
-              <a:t>technique</a:t>
-            </a:r>
-            <a:r>
-              <a:rPr lang="it-IT" b="1" dirty="0"/>
-              <a:t> </a:t>
-            </a:r>
-          </a:p>
-          <a:p>
-            <a:pPr lvl="2">
-              <a:buFont typeface="Arial" panose="020B0604020202020204" pitchFamily="34" charset="0"/>
-              <a:buChar char="•"/>
-            </a:pPr>
-            <a:r>
-              <a:rPr lang="en-US" dirty="0"/>
+            <a:pPr marL="0" indent="0">
+              <a:buNone/>
+            </a:pPr>
+            <a:endParaRPr lang="en-GB" dirty="0"/>
+          </a:p>
+          <a:p>
+            <a:r>
+              <a:rPr lang="en-GB" dirty="0"/>
+              <a:t>Cleanroom development technique </a:t>
+            </a:r>
+          </a:p>
+          <a:p>
+            <a:endParaRPr lang="en-GB" dirty="0"/>
+          </a:p>
+          <a:p>
+            <a:pPr lvl="1"/>
+            <a:r>
+              <a:rPr lang="en-GB" dirty="0"/>
               <a:t>0.5 errors / 1K SLOC</a:t>
             </a:r>
           </a:p>
           <a:p>
-            <a:pPr lvl="1">
-              <a:buFont typeface="Arial" panose="020B0604020202020204" pitchFamily="34" charset="0"/>
-              <a:buChar char="•"/>
-            </a:pPr>
-            <a:endParaRPr lang="it-IT" dirty="0"/>
-          </a:p>
-        </p:txBody>
-      </p:sp>
+            <a:endParaRPr lang="en-GB" dirty="0"/>
+          </a:p>
+          <a:p>
+            <a:endParaRPr lang="en-GB" dirty="0"/>
+          </a:p>
+          <a:p>
+            <a:endParaRPr lang="en-GB" dirty="0"/>
+          </a:p>
+          <a:p>
+            <a:endParaRPr lang="en-GB" dirty="0"/>
+          </a:p>
+          <a:p>
+            <a:endParaRPr lang="en-GB" dirty="0"/>
+          </a:p>
+          <a:p>
+            <a:endParaRPr lang="en-IT" dirty="0"/>
+          </a:p>
+        </p:txBody>
+      </p:sp>
+      <p:pic>
+        <p:nvPicPr>
+          <p:cNvPr id="10" name="Content Placeholder 9">
+            <a:extLst>
+              <a:ext uri="{FF2B5EF4-FFF2-40B4-BE49-F238E27FC236}">
+                <a16:creationId xmlns:a16="http://schemas.microsoft.com/office/drawing/2014/main" id="{95D375A8-DF7D-E344-A9B1-0B49293602A5}"/>
+              </a:ext>
+            </a:extLst>
+          </p:cNvPr>
+          <p:cNvPicPr>
+            <a:picLocks noGrp="1" noChangeAspect="1"/>
+          </p:cNvPicPr>
+          <p:nvPr>
+            <p:ph sz="half" idx="2"/>
+          </p:nvPr>
+        </p:nvPicPr>
+        <p:blipFill>
+          <a:blip r:embed="rId3">
+            <a:extLst>
+              <a:ext uri="{28A0092B-C50C-407E-A947-70E740481C1C}">
+                <a14:useLocalDpi xmlns:a14="http://schemas.microsoft.com/office/drawing/2010/main" val="0"/>
+              </a:ext>
+            </a:extLst>
+          </a:blip>
+          <a:stretch>
+            <a:fillRect/>
+          </a:stretch>
+        </p:blipFill>
+        <p:spPr>
+          <a:xfrm>
+            <a:off x="6369862" y="1600200"/>
+            <a:ext cx="5040276" cy="4525963"/>
+          </a:xfrm>
+        </p:spPr>
+      </p:pic>
       <p:sp>
         <p:nvSpPr>
           <p:cNvPr id="3" name="Segnaposto numero diapositiva 2"/>
@@ -11497,6 +11511,137 @@
     <a:masterClrMapping/>
   </p:clrMapOvr>
   <p:transition/>
+</p:sld>
+</file>
+
+<file path=ppt/slides/slide32.xml><?xml version="1.0" encoding="utf-8"?>
+<p:sld xmlns:a="http://schemas.openxmlformats.org/drawingml/2006/main" xmlns:r="http://schemas.openxmlformats.org/officeDocument/2006/relationships" xmlns:p="http://schemas.openxmlformats.org/presentationml/2006/main">
+  <p:cSld>
+    <p:spTree>
+      <p:nvGrpSpPr>
+        <p:cNvPr id="1" name=""/>
+        <p:cNvGrpSpPr/>
+        <p:nvPr/>
+      </p:nvGrpSpPr>
+      <p:grpSpPr>
+        <a:xfrm>
+          <a:off x="0" y="0"/>
+          <a:ext cx="0" cy="0"/>
+          <a:chOff x="0" y="0"/>
+          <a:chExt cx="0" cy="0"/>
+        </a:xfrm>
+      </p:grpSpPr>
+      <p:sp>
+        <p:nvSpPr>
+          <p:cNvPr id="2" name="Title 1">
+            <a:extLst>
+              <a:ext uri="{FF2B5EF4-FFF2-40B4-BE49-F238E27FC236}">
+                <a16:creationId xmlns:a16="http://schemas.microsoft.com/office/drawing/2014/main" id="{05A51206-7FDE-CE44-A7B7-27C24EFED829}"/>
+              </a:ext>
+            </a:extLst>
+          </p:cNvPr>
+          <p:cNvSpPr>
+            <a:spLocks noGrp="1"/>
+          </p:cNvSpPr>
+          <p:nvPr>
+            <p:ph type="title"/>
+          </p:nvPr>
+        </p:nvSpPr>
+        <p:spPr/>
+        <p:txBody>
+          <a:bodyPr/>
+          <a:lstStyle/>
+          <a:p>
+            <a:r>
+              <a:rPr lang="en-IT" dirty="0"/>
+              <a:t>Wisdom Pills</a:t>
+            </a:r>
+          </a:p>
+        </p:txBody>
+      </p:sp>
+      <p:sp>
+        <p:nvSpPr>
+          <p:cNvPr id="3" name="Content Placeholder 2">
+            <a:extLst>
+              <a:ext uri="{FF2B5EF4-FFF2-40B4-BE49-F238E27FC236}">
+                <a16:creationId xmlns:a16="http://schemas.microsoft.com/office/drawing/2014/main" id="{90A5C2CE-89CB-6840-B25F-C998048FE444}"/>
+              </a:ext>
+            </a:extLst>
+          </p:cNvPr>
+          <p:cNvSpPr>
+            <a:spLocks noGrp="1"/>
+          </p:cNvSpPr>
+          <p:nvPr>
+            <p:ph idx="1"/>
+          </p:nvPr>
+        </p:nvSpPr>
+        <p:spPr/>
+        <p:txBody>
+          <a:bodyPr>
+            <a:normAutofit/>
+          </a:bodyPr>
+          <a:lstStyle/>
+          <a:p>
+            <a:pPr marL="0" indent="0">
+              <a:buNone/>
+            </a:pPr>
+            <a:r>
+              <a:rPr lang="en-GB" i="1" dirty="0"/>
+              <a:t>Learning to write clean code is hard work. It requires more than just the knowledge of principles and patterns. You must sweat over it. You must practice it yourself, and watch yourself fail. You must watch others practice it and fail. You must see them stumble and retrace their steps. You must see them agonize over decisions and see the price they pay for making those decisions the wrong way.  -- </a:t>
+            </a:r>
+            <a:r>
+              <a:rPr lang="en-GB" b="1" dirty="0"/>
+              <a:t>Clean Code, Robert C. Martin</a:t>
+            </a:r>
+          </a:p>
+          <a:p>
+            <a:pPr marL="0" indent="0">
+              <a:buNone/>
+            </a:pPr>
+            <a:endParaRPr lang="en-IT" i="1" dirty="0"/>
+          </a:p>
+        </p:txBody>
+      </p:sp>
+      <p:sp>
+        <p:nvSpPr>
+          <p:cNvPr id="4" name="Slide Number Placeholder 3">
+            <a:extLst>
+              <a:ext uri="{FF2B5EF4-FFF2-40B4-BE49-F238E27FC236}">
+                <a16:creationId xmlns:a16="http://schemas.microsoft.com/office/drawing/2014/main" id="{B417FA4D-77E5-2445-998B-5A8232D865C0}"/>
+              </a:ext>
+            </a:extLst>
+          </p:cNvPr>
+          <p:cNvSpPr>
+            <a:spLocks noGrp="1"/>
+          </p:cNvSpPr>
+          <p:nvPr>
+            <p:ph type="sldNum" sz="quarter" idx="12"/>
+          </p:nvPr>
+        </p:nvSpPr>
+        <p:spPr/>
+        <p:txBody>
+          <a:bodyPr/>
+          <a:lstStyle/>
+          <a:p>
+            <a:fld id="{D2040F39-7941-49A4-B48D-F201B18B6351}" type="slidenum">
+              <a:rPr lang="it-IT" smtClean="0"/>
+              <a:pPr/>
+              <a:t>32</a:t>
+            </a:fld>
+            <a:endParaRPr lang="it-IT" dirty="0"/>
+          </a:p>
+        </p:txBody>
+      </p:sp>
+    </p:spTree>
+    <p:extLst>
+      <p:ext uri="{BB962C8B-B14F-4D97-AF65-F5344CB8AC3E}">
+        <p14:creationId xmlns:p14="http://schemas.microsoft.com/office/powerpoint/2010/main" val="2704901103"/>
+      </p:ext>
+    </p:extLst>
+  </p:cSld>
+  <p:clrMapOvr>
+    <a:masterClrMapping/>
+  </p:clrMapOvr>
 </p:sld>
 </file>
 

--- a/java/slides/ppt/01 - Java From Functions to Objects.pptx
+++ b/java/slides/ppt/01 - Java From Functions to Objects.pptx
@@ -5,10 +5,10 @@
     <p:sldMasterId id="2147483672" r:id="rId1"/>
   </p:sldMasterIdLst>
   <p:notesMasterIdLst>
-    <p:notesMasterId r:id="rId34"/>
+    <p:notesMasterId r:id="rId38"/>
   </p:notesMasterIdLst>
   <p:handoutMasterIdLst>
-    <p:handoutMasterId r:id="rId35"/>
+    <p:handoutMasterId r:id="rId39"/>
   </p:handoutMasterIdLst>
   <p:sldIdLst>
     <p:sldId id="256" r:id="rId2"/>
@@ -36,13 +36,17 @@
     <p:sldId id="329" r:id="rId24"/>
     <p:sldId id="371" r:id="rId25"/>
     <p:sldId id="334" r:id="rId26"/>
-    <p:sldId id="287" r:id="rId27"/>
+    <p:sldId id="377" r:id="rId27"/>
     <p:sldId id="289" r:id="rId28"/>
-    <p:sldId id="344" r:id="rId29"/>
-    <p:sldId id="365" r:id="rId30"/>
-    <p:sldId id="345" r:id="rId31"/>
-    <p:sldId id="348" r:id="rId32"/>
-    <p:sldId id="376" r:id="rId33"/>
+    <p:sldId id="378" r:id="rId29"/>
+    <p:sldId id="344" r:id="rId30"/>
+    <p:sldId id="380" r:id="rId31"/>
+    <p:sldId id="365" r:id="rId32"/>
+    <p:sldId id="379" r:id="rId33"/>
+    <p:sldId id="381" r:id="rId34"/>
+    <p:sldId id="345" r:id="rId35"/>
+    <p:sldId id="348" r:id="rId36"/>
+    <p:sldId id="376" r:id="rId37"/>
   </p:sldIdLst>
   <p:sldSz cx="12192000" cy="6858000"/>
   <p:notesSz cx="6858000" cy="9144000"/>
@@ -254,7 +258,7 @@
           <a:p>
             <a:fld id="{5591E39A-28E5-5D4D-B97C-ECEB96F19817}" type="datetimeFigureOut">
               <a:rPr lang="en-IT" smtClean="0"/>
-              <a:t>01/10/21</a:t>
+              <a:t>04/10/21</a:t>
             </a:fld>
             <a:endParaRPr lang="en-IT"/>
           </a:p>
@@ -433,7 +437,7 @@
             <a:fld id="{BAEB7694-8561-4BE2-948D-EDF7A201F8BB}" type="datetimeFigureOut">
               <a:rPr lang="it-IT" smtClean="0"/>
               <a:pPr/>
-              <a:t>01/10/21</a:t>
+              <a:t>04/10/21</a:t>
             </a:fld>
             <a:endParaRPr lang="it-IT"/>
           </a:p>
@@ -10283,49 +10287,12 @@
       </p:grpSpPr>
       <p:sp>
         <p:nvSpPr>
-          <p:cNvPr id="45058" name="Rectangle 2"/>
+          <p:cNvPr id="2" name="Titolo 1"/>
           <p:cNvSpPr>
-            <a:spLocks noGrp="1" noChangeArrowheads="1"/>
+            <a:spLocks noGrp="1"/>
           </p:cNvSpPr>
           <p:nvPr>
-            <p:ph type="title"/>
-          </p:nvPr>
-        </p:nvSpPr>
-        <p:spPr bwMode="auto"/>
-        <p:txBody>
-          <a:bodyPr>
-            <a:normAutofit/>
-          </a:bodyPr>
-          <a:lstStyle/>
-          <a:p>
-            <a:r>
-              <a:rPr lang="it-IT" dirty="0"/>
-              <a:t>OOP </a:t>
-            </a:r>
-            <a:r>
-              <a:rPr lang="it-IT" dirty="0" err="1"/>
-              <a:t>Key</a:t>
-            </a:r>
-            <a:r>
-              <a:rPr lang="it-IT" dirty="0"/>
-              <a:t> </a:t>
-            </a:r>
-            <a:r>
-              <a:rPr lang="it-IT" dirty="0" err="1"/>
-              <a:t>Features</a:t>
-            </a:r>
-            <a:endParaRPr lang="it-IT" cap="none" dirty="0"/>
-          </a:p>
-        </p:txBody>
-      </p:sp>
-      <p:sp>
-        <p:nvSpPr>
-          <p:cNvPr id="45059" name="Rectangle 3"/>
-          <p:cNvSpPr>
-            <a:spLocks noGrp="1" noChangeArrowheads="1"/>
-          </p:cNvSpPr>
-          <p:nvPr>
-            <p:ph idx="1"/>
+            <p:ph type="ctrTitle"/>
           </p:nvPr>
         </p:nvSpPr>
         <p:spPr/>
@@ -10335,68 +10302,24 @@
           </a:bodyPr>
           <a:lstStyle/>
           <a:p>
-            <a:pPr eaLnBrk="1" hangingPunct="1"/>
-            <a:r>
-              <a:rPr lang="it-IT" sz="4000" dirty="0" err="1"/>
-              <a:t>Encapsulation</a:t>
-            </a:r>
-            <a:endParaRPr lang="it-IT" sz="4000" dirty="0"/>
-          </a:p>
-          <a:p>
-            <a:pPr eaLnBrk="1" hangingPunct="1"/>
-            <a:r>
-              <a:rPr lang="it-IT" sz="4000" dirty="0" err="1"/>
-              <a:t>Inheritance</a:t>
-            </a:r>
-            <a:endParaRPr lang="it-IT" sz="4000" dirty="0"/>
-          </a:p>
-          <a:p>
-            <a:pPr eaLnBrk="1" hangingPunct="1"/>
-            <a:r>
-              <a:rPr lang="it-IT" sz="4000" dirty="0" err="1"/>
-              <a:t>Polymorphism</a:t>
-            </a:r>
-            <a:endParaRPr lang="it-IT" sz="4000" dirty="0"/>
-          </a:p>
-        </p:txBody>
-      </p:sp>
-      <p:sp>
-        <p:nvSpPr>
-          <p:cNvPr id="45060" name="Segnaposto numero diapositiva 4"/>
-          <p:cNvSpPr>
-            <a:spLocks noGrp="1"/>
-          </p:cNvSpPr>
-          <p:nvPr>
-            <p:ph type="sldNum" sz="quarter" idx="12"/>
-          </p:nvPr>
-        </p:nvSpPr>
-        <p:spPr bwMode="auto">
-          <a:noFill/>
-          <a:ln>
-            <a:miter lim="800000"/>
-            <a:headEnd/>
-            <a:tailEnd/>
-          </a:ln>
-        </p:spPr>
-        <p:txBody>
-          <a:bodyPr/>
-          <a:lstStyle/>
-          <a:p>
-            <a:fld id="{97F98989-1DEE-4754-918A-499A8C85EF18}" type="slidenum">
-              <a:rPr lang="it-IT"/>
-              <a:pPr/>
-              <a:t>26</a:t>
-            </a:fld>
-            <a:endParaRPr lang="it-IT"/>
+            <a:r>
+              <a:rPr lang="en-US" dirty="0"/>
+              <a:t>OOP Key Features</a:t>
+            </a:r>
+            <a:endParaRPr lang="it-IT" dirty="0"/>
           </a:p>
         </p:txBody>
       </p:sp>
     </p:spTree>
+    <p:extLst>
+      <p:ext uri="{BB962C8B-B14F-4D97-AF65-F5344CB8AC3E}">
+        <p14:creationId xmlns:p14="http://schemas.microsoft.com/office/powerpoint/2010/main" val="428031102"/>
+      </p:ext>
+    </p:extLst>
   </p:cSld>
   <p:clrMapOvr>
     <a:masterClrMapping/>
   </p:clrMapOvr>
-  <p:transition/>
 </p:sld>
 </file>
 
@@ -10443,6 +10366,57 @@
       </p:sp>
       <p:sp>
         <p:nvSpPr>
+          <p:cNvPr id="2" name="Content Placeholder 1">
+            <a:extLst>
+              <a:ext uri="{FF2B5EF4-FFF2-40B4-BE49-F238E27FC236}">
+                <a16:creationId xmlns:a16="http://schemas.microsoft.com/office/drawing/2014/main" id="{844A27DF-B6AF-8E4F-80F7-EE255D5B2ECC}"/>
+              </a:ext>
+            </a:extLst>
+          </p:cNvPr>
+          <p:cNvSpPr>
+            <a:spLocks noGrp="1"/>
+          </p:cNvSpPr>
+          <p:nvPr>
+            <p:ph idx="1"/>
+          </p:nvPr>
+        </p:nvSpPr>
+        <p:spPr/>
+        <p:txBody>
+          <a:bodyPr>
+            <a:normAutofit/>
+          </a:bodyPr>
+          <a:lstStyle/>
+          <a:p>
+            <a:r>
+              <a:rPr lang="en-GB" sz="2600" dirty="0"/>
+              <a:t>Encapsulation is defined as</a:t>
+            </a:r>
+            <a:r>
+              <a:rPr lang="en-GB" sz="2600" dirty="0">
+                <a:solidFill>
+                  <a:schemeClr val="accent6">
+                    <a:lumMod val="75000"/>
+                  </a:schemeClr>
+                </a:solidFill>
+              </a:rPr>
+              <a:t> the wrapping up of data under a single unit</a:t>
+            </a:r>
+            <a:r>
+              <a:rPr lang="en-GB" sz="2600" dirty="0"/>
+              <a:t>. It is the mechanism that binds together code and the data it manipulates.</a:t>
+            </a:r>
+          </a:p>
+          <a:p>
+            <a:r>
+              <a:rPr lang="en-GB" sz="2600" dirty="0"/>
+              <a:t>Another way to think about encapsulation is, it is a protective shield that prevents the data from being accessed by the code outside this shield.</a:t>
+            </a:r>
+            <a:endParaRPr lang="en-IT" sz="2600" dirty="0"/>
+          </a:p>
+        </p:txBody>
+      </p:sp>
+      <p:sp>
+        <p:nvSpPr>
           <p:cNvPr id="47108" name="Segnaposto numero diapositiva 4"/>
           <p:cNvSpPr>
             <a:spLocks noGrp="1"/>
@@ -10493,8 +10467,8 @@
         </p:blipFill>
         <p:spPr>
           <a:xfrm>
-            <a:off x="243451" y="2276872"/>
-            <a:ext cx="11731424" cy="3312368"/>
+            <a:off x="609600" y="3284983"/>
+            <a:ext cx="10817428" cy="3054301"/>
           </a:xfrm>
           <a:prstGeom prst="rect">
             <a:avLst/>
@@ -10529,7 +10503,13 @@
       </p:grpSpPr>
       <p:sp>
         <p:nvSpPr>
-          <p:cNvPr id="2" name="Title 1"/>
+          <p:cNvPr id="2" name="Title 1">
+            <a:extLst>
+              <a:ext uri="{FF2B5EF4-FFF2-40B4-BE49-F238E27FC236}">
+                <a16:creationId xmlns:a16="http://schemas.microsoft.com/office/drawing/2014/main" id="{F19F323A-D03B-C547-90BB-44D26A593270}"/>
+              </a:ext>
+            </a:extLst>
+          </p:cNvPr>
           <p:cNvSpPr>
             <a:spLocks noGrp="1"/>
           </p:cNvSpPr>
@@ -10543,54 +10523,538 @@
           <a:lstStyle/>
           <a:p>
             <a:r>
-              <a:rPr lang="it-IT" dirty="0" err="1"/>
-              <a:t>Inheritance</a:t>
-            </a:r>
-            <a:endParaRPr lang="en-US" dirty="0"/>
+              <a:rPr lang="en-IT" dirty="0"/>
+              <a:t>What it possible before?</a:t>
+            </a:r>
           </a:p>
         </p:txBody>
       </p:sp>
-      <p:pic>
-        <p:nvPicPr>
-          <p:cNvPr id="4" name="Content Placeholder 3" descr="Screen Shot 2016-03-04 at 19.20.23.png"/>
-          <p:cNvPicPr>
-            <a:picLocks noGrp="1" noChangeAspect="1"/>
-          </p:cNvPicPr>
-          <p:nvPr>
-            <p:ph idx="1"/>
-          </p:nvPr>
-        </p:nvPicPr>
-        <p:blipFill>
-          <a:blip r:embed="rId2" cstate="print">
+      <p:sp>
+        <p:nvSpPr>
+          <p:cNvPr id="3" name="Content Placeholder 2">
             <a:extLst>
-              <a:ext uri="{28A0092B-C50C-407E-A947-70E740481C1C}">
-                <a14:useLocalDpi xmlns:a14="http://schemas.microsoft.com/office/drawing/2010/main"/>
+              <a:ext uri="{FF2B5EF4-FFF2-40B4-BE49-F238E27FC236}">
+                <a16:creationId xmlns:a16="http://schemas.microsoft.com/office/drawing/2014/main" id="{B94FFC29-9BA8-B94A-9590-F4E12F9AF880}"/>
               </a:ext>
             </a:extLst>
-          </a:blip>
-          <a:srcRect l="-3221" r="-3221"/>
-          <a:stretch>
-            <a:fillRect/>
-          </a:stretch>
-        </p:blipFill>
-        <p:spPr>
-          <a:xfrm>
-            <a:off x="1919536" y="1700808"/>
-            <a:ext cx="7675589" cy="4248472"/>
-          </a:xfrm>
-        </p:spPr>
-      </p:pic>
+          </p:cNvPr>
+          <p:cNvSpPr>
+            <a:spLocks noGrp="1"/>
+          </p:cNvSpPr>
+          <p:nvPr>
+            <p:ph idx="1"/>
+          </p:nvPr>
+        </p:nvSpPr>
+        <p:spPr/>
+        <p:txBody>
+          <a:bodyPr>
+            <a:normAutofit fontScale="92500" lnSpcReduction="20000"/>
+          </a:bodyPr>
+          <a:lstStyle/>
+          <a:p>
+            <a:pPr marL="0" indent="0">
+              <a:buNone/>
+            </a:pPr>
+            <a:r>
+              <a:rPr lang="en-GB" sz="1400" dirty="0">
+                <a:solidFill>
+                  <a:schemeClr val="accent6">
+                    <a:lumMod val="75000"/>
+                  </a:schemeClr>
+                </a:solidFill>
+                <a:latin typeface="Consolas" panose="020B0609020204030204" pitchFamily="49" charset="0"/>
+                <a:cs typeface="Consolas" panose="020B0609020204030204" pitchFamily="49" charset="0"/>
+              </a:rPr>
+              <a:t>// </a:t>
+            </a:r>
+            <a:r>
+              <a:rPr lang="en-GB" sz="1400" dirty="0" err="1">
+                <a:solidFill>
+                  <a:schemeClr val="accent6">
+                    <a:lumMod val="75000"/>
+                  </a:schemeClr>
+                </a:solidFill>
+                <a:latin typeface="Consolas" panose="020B0609020204030204" pitchFamily="49" charset="0"/>
+                <a:cs typeface="Consolas" panose="020B0609020204030204" pitchFamily="49" charset="0"/>
+              </a:rPr>
+              <a:t>point.h</a:t>
+            </a:r>
+            <a:r>
+              <a:rPr lang="en-GB" sz="1400" dirty="0">
+                <a:solidFill>
+                  <a:schemeClr val="accent6">
+                    <a:lumMod val="75000"/>
+                  </a:schemeClr>
+                </a:solidFill>
+                <a:latin typeface="Consolas" panose="020B0609020204030204" pitchFamily="49" charset="0"/>
+                <a:cs typeface="Consolas" panose="020B0609020204030204" pitchFamily="49" charset="0"/>
+              </a:rPr>
+              <a:t> </a:t>
+            </a:r>
+          </a:p>
+          <a:p>
+            <a:pPr marL="0" indent="0">
+              <a:buNone/>
+            </a:pPr>
+            <a:r>
+              <a:rPr lang="en-GB" sz="1400" dirty="0">
+                <a:solidFill>
+                  <a:schemeClr val="accent6">
+                    <a:lumMod val="75000"/>
+                  </a:schemeClr>
+                </a:solidFill>
+                <a:latin typeface="Consolas" panose="020B0609020204030204" pitchFamily="49" charset="0"/>
+                <a:cs typeface="Consolas" panose="020B0609020204030204" pitchFamily="49" charset="0"/>
+              </a:rPr>
+              <a:t>struct Point; </a:t>
+            </a:r>
+          </a:p>
+          <a:p>
+            <a:pPr marL="0" indent="0">
+              <a:buNone/>
+            </a:pPr>
+            <a:r>
+              <a:rPr lang="en-GB" sz="1400" dirty="0">
+                <a:solidFill>
+                  <a:schemeClr val="accent6">
+                    <a:lumMod val="75000"/>
+                  </a:schemeClr>
+                </a:solidFill>
+                <a:latin typeface="Consolas" panose="020B0609020204030204" pitchFamily="49" charset="0"/>
+                <a:cs typeface="Consolas" panose="020B0609020204030204" pitchFamily="49" charset="0"/>
+              </a:rPr>
+              <a:t>struct Point* </a:t>
+            </a:r>
+            <a:r>
+              <a:rPr lang="en-GB" sz="1400" dirty="0" err="1">
+                <a:solidFill>
+                  <a:schemeClr val="accent6">
+                    <a:lumMod val="75000"/>
+                  </a:schemeClr>
+                </a:solidFill>
+                <a:latin typeface="Consolas" panose="020B0609020204030204" pitchFamily="49" charset="0"/>
+                <a:cs typeface="Consolas" panose="020B0609020204030204" pitchFamily="49" charset="0"/>
+              </a:rPr>
+              <a:t>makePoint</a:t>
+            </a:r>
+            <a:r>
+              <a:rPr lang="en-GB" sz="1400" dirty="0">
+                <a:solidFill>
+                  <a:schemeClr val="accent6">
+                    <a:lumMod val="75000"/>
+                  </a:schemeClr>
+                </a:solidFill>
+                <a:latin typeface="Consolas" panose="020B0609020204030204" pitchFamily="49" charset="0"/>
+                <a:cs typeface="Consolas" panose="020B0609020204030204" pitchFamily="49" charset="0"/>
+              </a:rPr>
+              <a:t>(double x, double y); </a:t>
+            </a:r>
+          </a:p>
+          <a:p>
+            <a:pPr marL="0" indent="0">
+              <a:buNone/>
+            </a:pPr>
+            <a:r>
+              <a:rPr lang="en-GB" sz="1400" dirty="0">
+                <a:solidFill>
+                  <a:schemeClr val="accent6">
+                    <a:lumMod val="75000"/>
+                  </a:schemeClr>
+                </a:solidFill>
+                <a:latin typeface="Consolas" panose="020B0609020204030204" pitchFamily="49" charset="0"/>
+                <a:cs typeface="Consolas" panose="020B0609020204030204" pitchFamily="49" charset="0"/>
+              </a:rPr>
+              <a:t>double distance (struct Point *p1, struct Point *p2); </a:t>
+            </a:r>
+          </a:p>
+          <a:p>
+            <a:pPr marL="0" indent="0">
+              <a:buNone/>
+            </a:pPr>
+            <a:endParaRPr lang="en-GB" sz="1400" dirty="0">
+              <a:latin typeface="Consolas" panose="020B0609020204030204" pitchFamily="49" charset="0"/>
+              <a:cs typeface="Consolas" panose="020B0609020204030204" pitchFamily="49" charset="0"/>
+            </a:endParaRPr>
+          </a:p>
+          <a:p>
+            <a:pPr marL="0" indent="0">
+              <a:buNone/>
+            </a:pPr>
+            <a:r>
+              <a:rPr lang="en-GB" sz="1400" dirty="0">
+                <a:latin typeface="Consolas" panose="020B0609020204030204" pitchFamily="49" charset="0"/>
+                <a:cs typeface="Consolas" panose="020B0609020204030204" pitchFamily="49" charset="0"/>
+              </a:rPr>
+              <a:t>// </a:t>
+            </a:r>
+            <a:r>
+              <a:rPr lang="en-GB" sz="1400" dirty="0" err="1">
+                <a:latin typeface="Consolas" panose="020B0609020204030204" pitchFamily="49" charset="0"/>
+                <a:cs typeface="Consolas" panose="020B0609020204030204" pitchFamily="49" charset="0"/>
+              </a:rPr>
+              <a:t>point.c</a:t>
+            </a:r>
+            <a:endParaRPr lang="en-GB" sz="1400" dirty="0">
+              <a:latin typeface="Consolas" panose="020B0609020204030204" pitchFamily="49" charset="0"/>
+              <a:cs typeface="Consolas" panose="020B0609020204030204" pitchFamily="49" charset="0"/>
+            </a:endParaRPr>
+          </a:p>
+          <a:p>
+            <a:pPr marL="0" indent="0">
+              <a:buNone/>
+            </a:pPr>
+            <a:r>
+              <a:rPr lang="en-GB" sz="1400" dirty="0">
+                <a:latin typeface="Consolas" panose="020B0609020204030204" pitchFamily="49" charset="0"/>
+                <a:cs typeface="Consolas" panose="020B0609020204030204" pitchFamily="49" charset="0"/>
+              </a:rPr>
+              <a:t>#include "</a:t>
+            </a:r>
+            <a:r>
+              <a:rPr lang="en-GB" sz="1400" dirty="0" err="1">
+                <a:latin typeface="Consolas" panose="020B0609020204030204" pitchFamily="49" charset="0"/>
+                <a:cs typeface="Consolas" panose="020B0609020204030204" pitchFamily="49" charset="0"/>
+              </a:rPr>
+              <a:t>point.h</a:t>
+            </a:r>
+            <a:r>
+              <a:rPr lang="en-GB" sz="1400" dirty="0">
+                <a:latin typeface="Consolas" panose="020B0609020204030204" pitchFamily="49" charset="0"/>
+                <a:cs typeface="Consolas" panose="020B0609020204030204" pitchFamily="49" charset="0"/>
+              </a:rPr>
+              <a:t>"</a:t>
+            </a:r>
+          </a:p>
+          <a:p>
+            <a:pPr marL="0" indent="0">
+              <a:buNone/>
+            </a:pPr>
+            <a:r>
+              <a:rPr lang="en-GB" sz="1400" dirty="0">
+                <a:latin typeface="Consolas" panose="020B0609020204030204" pitchFamily="49" charset="0"/>
+                <a:cs typeface="Consolas" panose="020B0609020204030204" pitchFamily="49" charset="0"/>
+              </a:rPr>
+              <a:t>struct Point {</a:t>
+            </a:r>
+          </a:p>
+          <a:p>
+            <a:pPr marL="0" indent="0">
+              <a:buNone/>
+            </a:pPr>
+            <a:r>
+              <a:rPr lang="en-GB" sz="1400" dirty="0">
+                <a:latin typeface="Consolas" panose="020B0609020204030204" pitchFamily="49" charset="0"/>
+                <a:cs typeface="Consolas" panose="020B0609020204030204" pitchFamily="49" charset="0"/>
+              </a:rPr>
+              <a:t>  double </a:t>
+            </a:r>
+            <a:r>
+              <a:rPr lang="en-GB" sz="1400" dirty="0" err="1">
+                <a:latin typeface="Consolas" panose="020B0609020204030204" pitchFamily="49" charset="0"/>
+                <a:cs typeface="Consolas" panose="020B0609020204030204" pitchFamily="49" charset="0"/>
+              </a:rPr>
+              <a:t>x,y</a:t>
+            </a:r>
+            <a:r>
+              <a:rPr lang="en-GB" sz="1400" dirty="0">
+                <a:latin typeface="Consolas" panose="020B0609020204030204" pitchFamily="49" charset="0"/>
+                <a:cs typeface="Consolas" panose="020B0609020204030204" pitchFamily="49" charset="0"/>
+              </a:rPr>
+              <a:t>;</a:t>
+            </a:r>
+          </a:p>
+          <a:p>
+            <a:pPr marL="0" indent="0">
+              <a:buNone/>
+            </a:pPr>
+            <a:r>
+              <a:rPr lang="en-GB" sz="1400" dirty="0">
+                <a:latin typeface="Consolas" panose="020B0609020204030204" pitchFamily="49" charset="0"/>
+                <a:cs typeface="Consolas" panose="020B0609020204030204" pitchFamily="49" charset="0"/>
+              </a:rPr>
+              <a:t>};</a:t>
+            </a:r>
+          </a:p>
+          <a:p>
+            <a:pPr marL="0" indent="0">
+              <a:buNone/>
+            </a:pPr>
+            <a:endParaRPr lang="en-GB" sz="1400" dirty="0">
+              <a:latin typeface="Consolas" panose="020B0609020204030204" pitchFamily="49" charset="0"/>
+              <a:cs typeface="Consolas" panose="020B0609020204030204" pitchFamily="49" charset="0"/>
+            </a:endParaRPr>
+          </a:p>
+          <a:p>
+            <a:pPr marL="0" indent="0">
+              <a:buNone/>
+            </a:pPr>
+            <a:r>
+              <a:rPr lang="en-GB" sz="1400" dirty="0">
+                <a:latin typeface="Consolas" panose="020B0609020204030204" pitchFamily="49" charset="0"/>
+                <a:cs typeface="Consolas" panose="020B0609020204030204" pitchFamily="49" charset="0"/>
+              </a:rPr>
+              <a:t>struct Point* </a:t>
+            </a:r>
+            <a:r>
+              <a:rPr lang="en-GB" sz="1400" dirty="0" err="1">
+                <a:latin typeface="Consolas" panose="020B0609020204030204" pitchFamily="49" charset="0"/>
+                <a:cs typeface="Consolas" panose="020B0609020204030204" pitchFamily="49" charset="0"/>
+              </a:rPr>
+              <a:t>makepoint</a:t>
+            </a:r>
+            <a:r>
+              <a:rPr lang="en-GB" sz="1400" dirty="0">
+                <a:latin typeface="Consolas" panose="020B0609020204030204" pitchFamily="49" charset="0"/>
+                <a:cs typeface="Consolas" panose="020B0609020204030204" pitchFamily="49" charset="0"/>
+              </a:rPr>
+              <a:t>(double x, double y) {    </a:t>
+            </a:r>
+          </a:p>
+          <a:p>
+            <a:pPr marL="0" indent="0">
+              <a:buNone/>
+            </a:pPr>
+            <a:r>
+              <a:rPr lang="en-GB" sz="1400" dirty="0">
+                <a:latin typeface="Consolas" panose="020B0609020204030204" pitchFamily="49" charset="0"/>
+                <a:cs typeface="Consolas" panose="020B0609020204030204" pitchFamily="49" charset="0"/>
+              </a:rPr>
+              <a:t>  struct Point* p = malloc(</a:t>
+            </a:r>
+            <a:r>
+              <a:rPr lang="en-GB" sz="1400" dirty="0" err="1">
+                <a:latin typeface="Consolas" panose="020B0609020204030204" pitchFamily="49" charset="0"/>
+                <a:cs typeface="Consolas" panose="020B0609020204030204" pitchFamily="49" charset="0"/>
+              </a:rPr>
+              <a:t>sizeof</a:t>
+            </a:r>
+            <a:r>
+              <a:rPr lang="en-GB" sz="1400" dirty="0">
+                <a:latin typeface="Consolas" panose="020B0609020204030204" pitchFamily="49" charset="0"/>
+                <a:cs typeface="Consolas" panose="020B0609020204030204" pitchFamily="49" charset="0"/>
+              </a:rPr>
+              <a:t>(struct Point));</a:t>
+            </a:r>
+          </a:p>
+          <a:p>
+            <a:pPr marL="0" indent="0">
+              <a:buNone/>
+            </a:pPr>
+            <a:r>
+              <a:rPr lang="en-GB" sz="1400" dirty="0">
+                <a:latin typeface="Consolas" panose="020B0609020204030204" pitchFamily="49" charset="0"/>
+                <a:cs typeface="Consolas" panose="020B0609020204030204" pitchFamily="49" charset="0"/>
+              </a:rPr>
+              <a:t>  p-&gt;x = x;</a:t>
+            </a:r>
+          </a:p>
+          <a:p>
+            <a:pPr marL="0" indent="0">
+              <a:buNone/>
+            </a:pPr>
+            <a:r>
+              <a:rPr lang="en-GB" sz="1400" dirty="0">
+                <a:latin typeface="Consolas" panose="020B0609020204030204" pitchFamily="49" charset="0"/>
+                <a:cs typeface="Consolas" panose="020B0609020204030204" pitchFamily="49" charset="0"/>
+              </a:rPr>
+              <a:t>  p-&gt;y = y;</a:t>
+            </a:r>
+          </a:p>
+          <a:p>
+            <a:pPr marL="0" indent="0">
+              <a:buNone/>
+            </a:pPr>
+            <a:r>
+              <a:rPr lang="en-GB" sz="1400" dirty="0">
+                <a:latin typeface="Consolas" panose="020B0609020204030204" pitchFamily="49" charset="0"/>
+                <a:cs typeface="Consolas" panose="020B0609020204030204" pitchFamily="49" charset="0"/>
+              </a:rPr>
+              <a:t>  return p;</a:t>
+            </a:r>
+          </a:p>
+          <a:p>
+            <a:pPr marL="0" indent="0">
+              <a:buNone/>
+            </a:pPr>
+            <a:r>
+              <a:rPr lang="en-GB" sz="1400" dirty="0">
+                <a:latin typeface="Consolas" panose="020B0609020204030204" pitchFamily="49" charset="0"/>
+                <a:cs typeface="Consolas" panose="020B0609020204030204" pitchFamily="49" charset="0"/>
+              </a:rPr>
+              <a:t>}</a:t>
+            </a:r>
+          </a:p>
+          <a:p>
+            <a:pPr marL="0" indent="0">
+              <a:buNone/>
+            </a:pPr>
+            <a:r>
+              <a:rPr lang="en-GB" sz="1400" dirty="0">
+                <a:latin typeface="Consolas" panose="020B0609020204030204" pitchFamily="49" charset="0"/>
+                <a:cs typeface="Consolas" panose="020B0609020204030204" pitchFamily="49" charset="0"/>
+              </a:rPr>
+              <a:t>double distance(struct Point* p1, struct Point* p2) {</a:t>
+            </a:r>
+          </a:p>
+          <a:p>
+            <a:pPr marL="0" indent="0">
+              <a:buNone/>
+            </a:pPr>
+            <a:r>
+              <a:rPr lang="en-GB" sz="1400" dirty="0">
+                <a:latin typeface="Consolas" panose="020B0609020204030204" pitchFamily="49" charset="0"/>
+                <a:cs typeface="Consolas" panose="020B0609020204030204" pitchFamily="49" charset="0"/>
+              </a:rPr>
+              <a:t>  double dx = p1-&gt;x - p2-&gt;x;</a:t>
+            </a:r>
+          </a:p>
+          <a:p>
+            <a:pPr marL="0" indent="0">
+              <a:buNone/>
+            </a:pPr>
+            <a:r>
+              <a:rPr lang="en-GB" sz="1400" dirty="0">
+                <a:latin typeface="Consolas" panose="020B0609020204030204" pitchFamily="49" charset="0"/>
+                <a:cs typeface="Consolas" panose="020B0609020204030204" pitchFamily="49" charset="0"/>
+              </a:rPr>
+              <a:t>  double </a:t>
+            </a:r>
+            <a:r>
+              <a:rPr lang="en-GB" sz="1400" dirty="0" err="1">
+                <a:latin typeface="Consolas" panose="020B0609020204030204" pitchFamily="49" charset="0"/>
+                <a:cs typeface="Consolas" panose="020B0609020204030204" pitchFamily="49" charset="0"/>
+              </a:rPr>
+              <a:t>dy</a:t>
+            </a:r>
+            <a:r>
+              <a:rPr lang="en-GB" sz="1400" dirty="0">
+                <a:latin typeface="Consolas" panose="020B0609020204030204" pitchFamily="49" charset="0"/>
+                <a:cs typeface="Consolas" panose="020B0609020204030204" pitchFamily="49" charset="0"/>
+              </a:rPr>
+              <a:t> = p1-&gt;y - p2-&gt;y;</a:t>
+            </a:r>
+          </a:p>
+          <a:p>
+            <a:pPr marL="0" indent="0">
+              <a:buNone/>
+            </a:pPr>
+            <a:r>
+              <a:rPr lang="en-GB" sz="1400" dirty="0">
+                <a:latin typeface="Consolas" panose="020B0609020204030204" pitchFamily="49" charset="0"/>
+                <a:cs typeface="Consolas" panose="020B0609020204030204" pitchFamily="49" charset="0"/>
+              </a:rPr>
+              <a:t>  return sqrt(dx*</a:t>
+            </a:r>
+            <a:r>
+              <a:rPr lang="en-GB" sz="1400" dirty="0" err="1">
+                <a:latin typeface="Consolas" panose="020B0609020204030204" pitchFamily="49" charset="0"/>
+                <a:cs typeface="Consolas" panose="020B0609020204030204" pitchFamily="49" charset="0"/>
+              </a:rPr>
+              <a:t>dx+dy</a:t>
+            </a:r>
+            <a:r>
+              <a:rPr lang="en-GB" sz="1400" dirty="0">
+                <a:latin typeface="Consolas" panose="020B0609020204030204" pitchFamily="49" charset="0"/>
+                <a:cs typeface="Consolas" panose="020B0609020204030204" pitchFamily="49" charset="0"/>
+              </a:rPr>
+              <a:t>*</a:t>
+            </a:r>
+            <a:r>
+              <a:rPr lang="en-GB" sz="1400" dirty="0" err="1">
+                <a:latin typeface="Consolas" panose="020B0609020204030204" pitchFamily="49" charset="0"/>
+                <a:cs typeface="Consolas" panose="020B0609020204030204" pitchFamily="49" charset="0"/>
+              </a:rPr>
+              <a:t>dy</a:t>
+            </a:r>
+            <a:r>
+              <a:rPr lang="en-GB" sz="1400" dirty="0">
+                <a:latin typeface="Consolas" panose="020B0609020204030204" pitchFamily="49" charset="0"/>
+                <a:cs typeface="Consolas" panose="020B0609020204030204" pitchFamily="49" charset="0"/>
+              </a:rPr>
+              <a:t>);</a:t>
+            </a:r>
+          </a:p>
+          <a:p>
+            <a:pPr marL="0" indent="0">
+              <a:buNone/>
+            </a:pPr>
+            <a:r>
+              <a:rPr lang="en-GB" sz="1400" dirty="0">
+                <a:latin typeface="Consolas" panose="020B0609020204030204" pitchFamily="49" charset="0"/>
+                <a:cs typeface="Consolas" panose="020B0609020204030204" pitchFamily="49" charset="0"/>
+              </a:rPr>
+              <a:t>}</a:t>
+            </a:r>
+          </a:p>
+          <a:p>
+            <a:pPr marL="0" indent="0">
+              <a:buNone/>
+            </a:pPr>
+            <a:endParaRPr lang="en-GB" sz="1400" dirty="0">
+              <a:latin typeface="Consolas" panose="020B0609020204030204" pitchFamily="49" charset="0"/>
+              <a:cs typeface="Consolas" panose="020B0609020204030204" pitchFamily="49" charset="0"/>
+            </a:endParaRPr>
+          </a:p>
+          <a:p>
+            <a:pPr marL="0" indent="0">
+              <a:buNone/>
+            </a:pPr>
+            <a:endParaRPr lang="en-GB" sz="1400" dirty="0">
+              <a:latin typeface="Consolas" panose="020B0609020204030204" pitchFamily="49" charset="0"/>
+              <a:cs typeface="Consolas" panose="020B0609020204030204" pitchFamily="49" charset="0"/>
+            </a:endParaRPr>
+          </a:p>
+          <a:p>
+            <a:pPr marL="0" indent="0">
+              <a:buNone/>
+            </a:pPr>
+            <a:endParaRPr lang="en-IT" sz="1400" dirty="0">
+              <a:latin typeface="Consolas" panose="020B0609020204030204" pitchFamily="49" charset="0"/>
+              <a:cs typeface="Consolas" panose="020B0609020204030204" pitchFamily="49" charset="0"/>
+            </a:endParaRPr>
+          </a:p>
+        </p:txBody>
+      </p:sp>
+      <p:sp>
+        <p:nvSpPr>
+          <p:cNvPr id="4" name="Slide Number Placeholder 3">
+            <a:extLst>
+              <a:ext uri="{FF2B5EF4-FFF2-40B4-BE49-F238E27FC236}">
+                <a16:creationId xmlns:a16="http://schemas.microsoft.com/office/drawing/2014/main" id="{6855C1AD-B484-F647-A36B-1930BA7428AB}"/>
+              </a:ext>
+            </a:extLst>
+          </p:cNvPr>
+          <p:cNvSpPr>
+            <a:spLocks noGrp="1"/>
+          </p:cNvSpPr>
+          <p:nvPr>
+            <p:ph type="sldNum" sz="quarter" idx="12"/>
+          </p:nvPr>
+        </p:nvSpPr>
+        <p:spPr/>
+        <p:txBody>
+          <a:bodyPr/>
+          <a:lstStyle/>
+          <a:p>
+            <a:fld id="{D2040F39-7941-49A4-B48D-F201B18B6351}" type="slidenum">
+              <a:rPr lang="it-IT" smtClean="0"/>
+              <a:pPr/>
+              <a:t>28</a:t>
+            </a:fld>
+            <a:endParaRPr lang="it-IT" dirty="0"/>
+          </a:p>
+        </p:txBody>
+      </p:sp>
     </p:spTree>
     <p:extLst>
       <p:ext uri="{BB962C8B-B14F-4D97-AF65-F5344CB8AC3E}">
-        <p14:creationId xmlns:p14="http://schemas.microsoft.com/office/powerpoint/2010/main" val="2068826258"/>
+        <p14:creationId xmlns:p14="http://schemas.microsoft.com/office/powerpoint/2010/main" val="3423869673"/>
       </p:ext>
     </p:extLst>
   </p:cSld>
   <p:clrMapOvr>
     <a:masterClrMapping/>
   </p:clrMapOvr>
-  <p:transition/>
 </p:sld>
 </file>
 
@@ -10628,18 +11092,63 @@
           <a:p>
             <a:r>
               <a:rPr lang="it-IT" dirty="0" err="1"/>
-              <a:t>Polymorphism</a:t>
+              <a:t>Inheritance</a:t>
             </a:r>
             <a:endParaRPr lang="en-US" dirty="0"/>
+          </a:p>
+        </p:txBody>
+      </p:sp>
+      <p:sp>
+        <p:nvSpPr>
+          <p:cNvPr id="9" name="Content Placeholder 8">
+            <a:extLst>
+              <a:ext uri="{FF2B5EF4-FFF2-40B4-BE49-F238E27FC236}">
+                <a16:creationId xmlns:a16="http://schemas.microsoft.com/office/drawing/2014/main" id="{5AFC2C0C-96F6-3741-AACA-3B56CA69015D}"/>
+              </a:ext>
+            </a:extLst>
+          </p:cNvPr>
+          <p:cNvSpPr>
+            <a:spLocks noGrp="1"/>
+          </p:cNvSpPr>
+          <p:nvPr>
+            <p:ph sz="half" idx="1"/>
+          </p:nvPr>
+        </p:nvSpPr>
+        <p:spPr/>
+        <p:txBody>
+          <a:bodyPr>
+            <a:normAutofit fontScale="92500" lnSpcReduction="10000"/>
+          </a:bodyPr>
+          <a:lstStyle/>
+          <a:p>
+            <a:r>
+              <a:rPr lang="en-GB" dirty="0"/>
+              <a:t>In Java, a class can inherit attributes and methods from another class.</a:t>
+            </a:r>
+          </a:p>
+          <a:p>
+            <a:r>
+              <a:rPr lang="en-GB" dirty="0"/>
+              <a:t>The class that inherits the properties is known as the sub-class or the child class. The class from which the properties are inherited is known as the superclass or the parent class.</a:t>
+            </a:r>
+          </a:p>
+          <a:p>
+            <a:r>
+              <a:rPr lang="en-GB" dirty="0"/>
+              <a:t>In Inheritance, the properties of the parent class are acquired by the derived classes.</a:t>
+            </a:r>
+          </a:p>
+          <a:p>
+            <a:endParaRPr lang="en-IT" dirty="0"/>
           </a:p>
         </p:txBody>
       </p:sp>
       <p:pic>
         <p:nvPicPr>
-          <p:cNvPr id="6" name="Content Placeholder 5">
+          <p:cNvPr id="11" name="Content Placeholder 3" descr="Screen Shot 2016-03-04 at 19.20.23.png">
             <a:extLst>
               <a:ext uri="{FF2B5EF4-FFF2-40B4-BE49-F238E27FC236}">
-                <a16:creationId xmlns:a16="http://schemas.microsoft.com/office/drawing/2014/main" id="{297D071B-D37F-CD49-B13C-92D9B3ABEECB}"/>
+                <a16:creationId xmlns:a16="http://schemas.microsoft.com/office/drawing/2014/main" id="{2668D778-C7B2-D44B-9B7A-3B33AED78F17}"/>
               </a:ext>
             </a:extLst>
           </p:cNvPr>
@@ -10647,17 +11156,14 @@
             <a:picLocks noGrp="1" noChangeAspect="1"/>
           </p:cNvPicPr>
           <p:nvPr>
-            <p:ph idx="1"/>
+            <p:ph sz="half" idx="2"/>
           </p:nvPr>
         </p:nvPicPr>
         <p:blipFill>
-          <a:blip r:embed="rId2">
+          <a:blip r:embed="rId2" cstate="print">
             <a:extLst>
               <a:ext uri="{28A0092B-C50C-407E-A947-70E740481C1C}">
-                <a14:useLocalDpi xmlns:a14="http://schemas.microsoft.com/office/drawing/2010/main" val="0"/>
-              </a:ext>
-              <a:ext uri="{96DAC541-7B7A-43D3-8B79-37D633B846F1}">
-                <asvg:svgBlip xmlns:asvg="http://schemas.microsoft.com/office/drawing/2016/SVG/main" r:embed="rId3"/>
+                <a14:useLocalDpi xmlns:a14="http://schemas.microsoft.com/office/drawing/2010/main"/>
               </a:ext>
             </a:extLst>
           </a:blip>
@@ -10667,45 +11173,22 @@
         </p:blipFill>
         <p:spPr>
           <a:xfrm>
-            <a:off x="3119584" y="2053965"/>
-            <a:ext cx="5952832" cy="3672408"/>
+            <a:off x="6197600" y="2287075"/>
+            <a:ext cx="5384800" cy="3152213"/>
           </a:xfrm>
         </p:spPr>
       </p:pic>
-      <p:sp>
-        <p:nvSpPr>
-          <p:cNvPr id="4" name="Slide Number Placeholder 3"/>
-          <p:cNvSpPr>
-            <a:spLocks noGrp="1"/>
-          </p:cNvSpPr>
-          <p:nvPr>
-            <p:ph type="sldNum" sz="quarter" idx="12"/>
-          </p:nvPr>
-        </p:nvSpPr>
-        <p:spPr/>
-        <p:txBody>
-          <a:bodyPr/>
-          <a:lstStyle/>
-          <a:p>
-            <a:fld id="{D2040F39-7941-49A4-B48D-F201B18B6351}" type="slidenum">
-              <a:rPr lang="it-IT" smtClean="0"/>
-              <a:pPr/>
-              <a:t>29</a:t>
-            </a:fld>
-            <a:endParaRPr lang="it-IT" dirty="0"/>
-          </a:p>
-        </p:txBody>
-      </p:sp>
     </p:spTree>
     <p:extLst>
       <p:ext uri="{BB962C8B-B14F-4D97-AF65-F5344CB8AC3E}">
-        <p14:creationId xmlns:p14="http://schemas.microsoft.com/office/powerpoint/2010/main" val="1876767147"/>
+        <p14:creationId xmlns:p14="http://schemas.microsoft.com/office/powerpoint/2010/main" val="2068826258"/>
       </p:ext>
     </p:extLst>
   </p:cSld>
   <p:clrMapOvr>
     <a:masterClrMapping/>
   </p:clrMapOvr>
+  <p:transition/>
 </p:sld>
 </file>
 
@@ -10839,7 +11322,13 @@
       </p:grpSpPr>
       <p:sp>
         <p:nvSpPr>
-          <p:cNvPr id="2" name="Titolo 1"/>
+          <p:cNvPr id="2" name="Title 1">
+            <a:extLst>
+              <a:ext uri="{FF2B5EF4-FFF2-40B4-BE49-F238E27FC236}">
+                <a16:creationId xmlns:a16="http://schemas.microsoft.com/office/drawing/2014/main" id="{F19F323A-D03B-C547-90BB-44D26A593270}"/>
+              </a:ext>
+            </a:extLst>
+          </p:cNvPr>
           <p:cNvSpPr>
             <a:spLocks noGrp="1"/>
           </p:cNvSpPr>
@@ -10853,379 +11342,986 @@
           <a:lstStyle/>
           <a:p>
             <a:r>
-              <a:rPr lang="it-IT" dirty="0" err="1"/>
-              <a:t>Advantages</a:t>
-            </a:r>
-            <a:r>
-              <a:rPr lang="it-IT" dirty="0"/>
-              <a:t> of OOP</a:t>
+              <a:rPr lang="en-IT" dirty="0"/>
+              <a:t>What it possible before?</a:t>
             </a:r>
           </a:p>
         </p:txBody>
       </p:sp>
       <p:sp>
         <p:nvSpPr>
-          <p:cNvPr id="4" name="Segnaposto contenuto 3"/>
+          <p:cNvPr id="3" name="Content Placeholder 2">
+            <a:extLst>
+              <a:ext uri="{FF2B5EF4-FFF2-40B4-BE49-F238E27FC236}">
+                <a16:creationId xmlns:a16="http://schemas.microsoft.com/office/drawing/2014/main" id="{B94FFC29-9BA8-B94A-9590-F4E12F9AF880}"/>
+              </a:ext>
+            </a:extLst>
+          </p:cNvPr>
           <p:cNvSpPr>
             <a:spLocks noGrp="1"/>
           </p:cNvSpPr>
           <p:nvPr>
-            <p:ph idx="1"/>
+            <p:ph sz="half" idx="1"/>
           </p:nvPr>
         </p:nvSpPr>
         <p:spPr/>
         <p:txBody>
           <a:bodyPr>
-            <a:normAutofit lnSpcReduction="10000"/>
+            <a:normAutofit fontScale="77500" lnSpcReduction="20000"/>
           </a:bodyPr>
           <a:lstStyle/>
           <a:p>
-            <a:r>
-              <a:rPr lang="it-IT" dirty="0">
-                <a:solidFill>
-                  <a:schemeClr val="accent6">
-                    <a:lumMod val="75000"/>
-                  </a:schemeClr>
-                </a:solidFill>
-              </a:rPr>
-              <a:t>Cooperative </a:t>
-            </a:r>
-            <a:r>
-              <a:rPr lang="it-IT" dirty="0" err="1">
-                <a:solidFill>
-                  <a:schemeClr val="accent6">
-                    <a:lumMod val="75000"/>
-                  </a:schemeClr>
-                </a:solidFill>
-              </a:rPr>
-              <a:t>development</a:t>
-            </a:r>
-            <a:r>
-              <a:rPr lang="it-IT" dirty="0">
-                <a:solidFill>
-                  <a:schemeClr val="accent6">
-                    <a:lumMod val="75000"/>
-                  </a:schemeClr>
-                </a:solidFill>
-              </a:rPr>
-              <a:t> </a:t>
-            </a:r>
-          </a:p>
-          <a:p>
-            <a:pPr lvl="1"/>
-            <a:r>
-              <a:rPr lang="it-IT" dirty="0" err="1"/>
-              <a:t>Different</a:t>
-            </a:r>
-            <a:r>
-              <a:rPr lang="it-IT" dirty="0"/>
-              <a:t> </a:t>
-            </a:r>
-            <a:r>
-              <a:rPr lang="it-IT" dirty="0" err="1"/>
-              <a:t>people</a:t>
-            </a:r>
-            <a:r>
-              <a:rPr lang="it-IT" dirty="0"/>
-              <a:t> </a:t>
-            </a:r>
-            <a:r>
-              <a:rPr lang="it-IT" dirty="0" err="1"/>
-              <a:t>working</a:t>
-            </a:r>
-            <a:r>
-              <a:rPr lang="it-IT" dirty="0"/>
-              <a:t> on </a:t>
-            </a:r>
-            <a:r>
-              <a:rPr lang="it-IT" dirty="0" err="1"/>
-              <a:t>different</a:t>
-            </a:r>
-            <a:r>
-              <a:rPr lang="it-IT" dirty="0"/>
-              <a:t> </a:t>
-            </a:r>
-            <a:r>
-              <a:rPr lang="it-IT" dirty="0" err="1"/>
-              <a:t>classes</a:t>
-            </a:r>
-            <a:endParaRPr lang="it-IT" dirty="0"/>
-          </a:p>
-          <a:p>
-            <a:r>
-              <a:rPr lang="it-IT" dirty="0">
-                <a:solidFill>
-                  <a:srgbClr val="E46C0A"/>
-                </a:solidFill>
-              </a:rPr>
-              <a:t>Code management</a:t>
-            </a:r>
-          </a:p>
-          <a:p>
-            <a:pPr lvl="1"/>
-            <a:r>
-              <a:rPr lang="it-IT" dirty="0"/>
-              <a:t>Bugs on </a:t>
-            </a:r>
-            <a:r>
-              <a:rPr lang="it-IT" dirty="0" err="1"/>
-              <a:t>object</a:t>
-            </a:r>
-            <a:r>
-              <a:rPr lang="it-IT" dirty="0"/>
-              <a:t> data are easy to spot. </a:t>
-            </a:r>
-            <a:r>
-              <a:rPr lang="it-IT" dirty="0" err="1"/>
-              <a:t>Since</a:t>
-            </a:r>
-            <a:r>
-              <a:rPr lang="it-IT" dirty="0"/>
-              <a:t> data are </a:t>
-            </a:r>
-            <a:r>
-              <a:rPr lang="it-IT" dirty="0" err="1"/>
-              <a:t>not</a:t>
-            </a:r>
-            <a:r>
-              <a:rPr lang="it-IT" dirty="0"/>
-              <a:t> </a:t>
-            </a:r>
-            <a:r>
-              <a:rPr lang="it-IT" dirty="0" err="1"/>
-              <a:t>visible</a:t>
-            </a:r>
-            <a:r>
-              <a:rPr lang="it-IT" dirty="0"/>
-              <a:t> from the </a:t>
-            </a:r>
-            <a:r>
-              <a:rPr lang="it-IT" dirty="0" err="1"/>
-              <a:t>outside</a:t>
-            </a:r>
-            <a:r>
-              <a:rPr lang="it-IT" dirty="0"/>
-              <a:t>, </a:t>
-            </a:r>
-            <a:r>
-              <a:rPr lang="it-IT" dirty="0" err="1"/>
-              <a:t>errors</a:t>
-            </a:r>
-            <a:r>
-              <a:rPr lang="it-IT" dirty="0"/>
-              <a:t> </a:t>
-            </a:r>
-            <a:r>
-              <a:rPr lang="it-IT" dirty="0" err="1"/>
-              <a:t>mostly</a:t>
-            </a:r>
-            <a:r>
-              <a:rPr lang="it-IT" dirty="0"/>
-              <a:t> </a:t>
-            </a:r>
-            <a:r>
-              <a:rPr lang="it-IT" dirty="0" err="1"/>
-              <a:t>occurs</a:t>
-            </a:r>
-            <a:r>
-              <a:rPr lang="it-IT" dirty="0"/>
-              <a:t> in the </a:t>
-            </a:r>
-            <a:r>
-              <a:rPr lang="it-IT" dirty="0" err="1"/>
-              <a:t>object</a:t>
-            </a:r>
-            <a:r>
-              <a:rPr lang="it-IT" dirty="0"/>
-              <a:t> </a:t>
-            </a:r>
-            <a:r>
-              <a:rPr lang="it-IT" dirty="0" err="1"/>
-              <a:t>handling</a:t>
-            </a:r>
-            <a:r>
-              <a:rPr lang="it-IT" dirty="0"/>
-              <a:t> the data </a:t>
-            </a:r>
-          </a:p>
-          <a:p>
-            <a:pPr lvl="1"/>
-            <a:r>
-              <a:rPr lang="it-IT" dirty="0" err="1"/>
-              <a:t>Changes</a:t>
-            </a:r>
-            <a:r>
-              <a:rPr lang="it-IT" dirty="0"/>
-              <a:t> on a </a:t>
-            </a:r>
-            <a:r>
-              <a:rPr lang="it-IT" dirty="0" err="1"/>
-              <a:t>specific</a:t>
-            </a:r>
-            <a:r>
-              <a:rPr lang="it-IT" dirty="0"/>
-              <a:t> </a:t>
-            </a:r>
-            <a:r>
-              <a:rPr lang="it-IT" dirty="0" err="1"/>
-              <a:t>class</a:t>
-            </a:r>
-            <a:r>
-              <a:rPr lang="it-IT" dirty="0"/>
-              <a:t> do </a:t>
-            </a:r>
-            <a:r>
-              <a:rPr lang="it-IT" dirty="0" err="1"/>
-              <a:t>not</a:t>
-            </a:r>
-            <a:r>
-              <a:rPr lang="it-IT" dirty="0"/>
-              <a:t> impact </a:t>
-            </a:r>
-            <a:r>
-              <a:rPr lang="it-IT" dirty="0" err="1"/>
-              <a:t>other</a:t>
-            </a:r>
-            <a:r>
-              <a:rPr lang="it-IT" dirty="0"/>
-              <a:t> </a:t>
-            </a:r>
-            <a:r>
-              <a:rPr lang="it-IT" dirty="0" err="1"/>
-              <a:t>classes</a:t>
-            </a:r>
-            <a:r>
-              <a:rPr lang="it-IT" dirty="0"/>
-              <a:t> (</a:t>
-            </a:r>
-            <a:r>
-              <a:rPr lang="it-IT" dirty="0" err="1"/>
-              <a:t>unless</a:t>
-            </a:r>
-            <a:r>
-              <a:rPr lang="it-IT" dirty="0"/>
-              <a:t> </a:t>
-            </a:r>
-            <a:r>
-              <a:rPr lang="it-IT" dirty="0" err="1"/>
-              <a:t>external</a:t>
-            </a:r>
-            <a:r>
-              <a:rPr lang="it-IT" dirty="0"/>
-              <a:t> </a:t>
-            </a:r>
-            <a:r>
-              <a:rPr lang="it-IT" dirty="0" err="1"/>
-              <a:t>interface</a:t>
-            </a:r>
-            <a:r>
-              <a:rPr lang="it-IT" dirty="0"/>
-              <a:t> </a:t>
-            </a:r>
-            <a:r>
-              <a:rPr lang="it-IT" dirty="0" err="1"/>
-              <a:t>is</a:t>
-            </a:r>
-            <a:r>
-              <a:rPr lang="it-IT" dirty="0"/>
-              <a:t> </a:t>
-            </a:r>
-            <a:r>
-              <a:rPr lang="it-IT" dirty="0" err="1"/>
-              <a:t>modified</a:t>
-            </a:r>
-            <a:r>
-              <a:rPr lang="it-IT" dirty="0"/>
-              <a:t>)</a:t>
-            </a:r>
-          </a:p>
-          <a:p>
-            <a:r>
-              <a:rPr lang="it-IT" dirty="0" err="1">
-                <a:solidFill>
-                  <a:srgbClr val="E46C0A"/>
-                </a:solidFill>
-              </a:rPr>
-              <a:t>Incremental</a:t>
-            </a:r>
-            <a:r>
-              <a:rPr lang="it-IT" dirty="0">
-                <a:solidFill>
-                  <a:srgbClr val="E46C0A"/>
-                </a:solidFill>
-              </a:rPr>
-              <a:t> design and </a:t>
-            </a:r>
-            <a:r>
-              <a:rPr lang="it-IT" dirty="0" err="1">
-                <a:solidFill>
-                  <a:srgbClr val="E46C0A"/>
-                </a:solidFill>
-              </a:rPr>
-              <a:t>development</a:t>
-            </a:r>
-            <a:endParaRPr lang="it-IT" dirty="0">
+            <a:pPr marL="0" indent="0">
+              <a:buNone/>
+            </a:pPr>
+            <a:r>
+              <a:rPr lang="en-GB" sz="1400" dirty="0">
+                <a:latin typeface="Consolas" panose="020B0609020204030204" pitchFamily="49" charset="0"/>
+                <a:cs typeface="Consolas" panose="020B0609020204030204" pitchFamily="49" charset="0"/>
+              </a:rPr>
+              <a:t>// </a:t>
+            </a:r>
+            <a:r>
+              <a:rPr lang="en-GB" sz="1400" dirty="0" err="1">
+                <a:latin typeface="Consolas" panose="020B0609020204030204" pitchFamily="49" charset="0"/>
+                <a:cs typeface="Consolas" panose="020B0609020204030204" pitchFamily="49" charset="0"/>
+              </a:rPr>
+              <a:t>namedPoint.h</a:t>
+            </a:r>
+            <a:endParaRPr lang="en-GB" sz="1400" dirty="0">
+              <a:latin typeface="Consolas" panose="020B0609020204030204" pitchFamily="49" charset="0"/>
+              <a:cs typeface="Consolas" panose="020B0609020204030204" pitchFamily="49" charset="0"/>
+            </a:endParaRPr>
+          </a:p>
+          <a:p>
+            <a:pPr marL="0" indent="0">
+              <a:buNone/>
+            </a:pPr>
+            <a:r>
+              <a:rPr lang="en-GB" sz="1400" dirty="0">
+                <a:latin typeface="Consolas" panose="020B0609020204030204" pitchFamily="49" charset="0"/>
+                <a:cs typeface="Consolas" panose="020B0609020204030204" pitchFamily="49" charset="0"/>
+              </a:rPr>
+              <a:t>struct </a:t>
+            </a:r>
+            <a:r>
+              <a:rPr lang="en-GB" sz="1400" dirty="0" err="1">
+                <a:latin typeface="Consolas" panose="020B0609020204030204" pitchFamily="49" charset="0"/>
+                <a:cs typeface="Consolas" panose="020B0609020204030204" pitchFamily="49" charset="0"/>
+              </a:rPr>
+              <a:t>NamedPoint</a:t>
+            </a:r>
+            <a:r>
+              <a:rPr lang="en-GB" sz="1400" dirty="0">
+                <a:latin typeface="Consolas" panose="020B0609020204030204" pitchFamily="49" charset="0"/>
+                <a:cs typeface="Consolas" panose="020B0609020204030204" pitchFamily="49" charset="0"/>
+              </a:rPr>
+              <a:t>;</a:t>
+            </a:r>
+          </a:p>
+          <a:p>
+            <a:pPr marL="0" indent="0">
+              <a:buNone/>
+            </a:pPr>
+            <a:r>
+              <a:rPr lang="en-GB" sz="1400" dirty="0">
+                <a:latin typeface="Consolas" panose="020B0609020204030204" pitchFamily="49" charset="0"/>
+                <a:cs typeface="Consolas" panose="020B0609020204030204" pitchFamily="49" charset="0"/>
+              </a:rPr>
+              <a:t>struct </a:t>
+            </a:r>
+            <a:r>
+              <a:rPr lang="en-GB" sz="1400" dirty="0" err="1">
+                <a:latin typeface="Consolas" panose="020B0609020204030204" pitchFamily="49" charset="0"/>
+                <a:cs typeface="Consolas" panose="020B0609020204030204" pitchFamily="49" charset="0"/>
+              </a:rPr>
+              <a:t>NamedPoint</a:t>
+            </a:r>
+            <a:r>
+              <a:rPr lang="en-GB" sz="1400" dirty="0">
+                <a:latin typeface="Consolas" panose="020B0609020204030204" pitchFamily="49" charset="0"/>
+                <a:cs typeface="Consolas" panose="020B0609020204030204" pitchFamily="49" charset="0"/>
+              </a:rPr>
+              <a:t>* </a:t>
+            </a:r>
+            <a:r>
+              <a:rPr lang="en-GB" sz="1400" dirty="0" err="1">
+                <a:latin typeface="Consolas" panose="020B0609020204030204" pitchFamily="49" charset="0"/>
+                <a:cs typeface="Consolas" panose="020B0609020204030204" pitchFamily="49" charset="0"/>
+              </a:rPr>
+              <a:t>makeNamedPoint</a:t>
+            </a:r>
+            <a:r>
+              <a:rPr lang="en-GB" sz="1400" dirty="0">
+                <a:latin typeface="Consolas" panose="020B0609020204030204" pitchFamily="49" charset="0"/>
+                <a:cs typeface="Consolas" panose="020B0609020204030204" pitchFamily="49" charset="0"/>
+              </a:rPr>
+              <a:t>(double x, double y, char* name);</a:t>
+            </a:r>
+          </a:p>
+          <a:p>
+            <a:pPr marL="0" indent="0">
+              <a:buNone/>
+            </a:pPr>
+            <a:r>
+              <a:rPr lang="en-GB" sz="1400" dirty="0">
+                <a:latin typeface="Consolas" panose="020B0609020204030204" pitchFamily="49" charset="0"/>
+                <a:cs typeface="Consolas" panose="020B0609020204030204" pitchFamily="49" charset="0"/>
+              </a:rPr>
+              <a:t>void </a:t>
+            </a:r>
+            <a:r>
+              <a:rPr lang="en-GB" sz="1400" dirty="0" err="1">
+                <a:latin typeface="Consolas" panose="020B0609020204030204" pitchFamily="49" charset="0"/>
+                <a:cs typeface="Consolas" panose="020B0609020204030204" pitchFamily="49" charset="0"/>
+              </a:rPr>
+              <a:t>setName</a:t>
+            </a:r>
+            <a:r>
+              <a:rPr lang="en-GB" sz="1400" dirty="0">
+                <a:latin typeface="Consolas" panose="020B0609020204030204" pitchFamily="49" charset="0"/>
+                <a:cs typeface="Consolas" panose="020B0609020204030204" pitchFamily="49" charset="0"/>
+              </a:rPr>
+              <a:t>(struct </a:t>
+            </a:r>
+            <a:r>
+              <a:rPr lang="en-GB" sz="1400" dirty="0" err="1">
+                <a:latin typeface="Consolas" panose="020B0609020204030204" pitchFamily="49" charset="0"/>
+                <a:cs typeface="Consolas" panose="020B0609020204030204" pitchFamily="49" charset="0"/>
+              </a:rPr>
+              <a:t>NamedPoint</a:t>
+            </a:r>
+            <a:r>
+              <a:rPr lang="en-GB" sz="1400" dirty="0">
+                <a:latin typeface="Consolas" panose="020B0609020204030204" pitchFamily="49" charset="0"/>
+                <a:cs typeface="Consolas" panose="020B0609020204030204" pitchFamily="49" charset="0"/>
+              </a:rPr>
+              <a:t>* np, char* name);</a:t>
+            </a:r>
+          </a:p>
+          <a:p>
+            <a:pPr marL="0" indent="0">
+              <a:buNone/>
+            </a:pPr>
+            <a:r>
+              <a:rPr lang="en-GB" sz="1400" dirty="0">
+                <a:latin typeface="Consolas" panose="020B0609020204030204" pitchFamily="49" charset="0"/>
+                <a:cs typeface="Consolas" panose="020B0609020204030204" pitchFamily="49" charset="0"/>
+              </a:rPr>
+              <a:t>char* </a:t>
+            </a:r>
+            <a:r>
+              <a:rPr lang="en-GB" sz="1400" dirty="0" err="1">
+                <a:latin typeface="Consolas" panose="020B0609020204030204" pitchFamily="49" charset="0"/>
+                <a:cs typeface="Consolas" panose="020B0609020204030204" pitchFamily="49" charset="0"/>
+              </a:rPr>
+              <a:t>getName</a:t>
+            </a:r>
+            <a:r>
+              <a:rPr lang="en-GB" sz="1400" dirty="0">
+                <a:latin typeface="Consolas" panose="020B0609020204030204" pitchFamily="49" charset="0"/>
+                <a:cs typeface="Consolas" panose="020B0609020204030204" pitchFamily="49" charset="0"/>
+              </a:rPr>
+              <a:t>(struct </a:t>
+            </a:r>
+            <a:r>
+              <a:rPr lang="en-GB" sz="1400" dirty="0" err="1">
+                <a:latin typeface="Consolas" panose="020B0609020204030204" pitchFamily="49" charset="0"/>
+                <a:cs typeface="Consolas" panose="020B0609020204030204" pitchFamily="49" charset="0"/>
+              </a:rPr>
+              <a:t>NamedPoint</a:t>
+            </a:r>
+            <a:r>
+              <a:rPr lang="en-GB" sz="1400" dirty="0">
+                <a:latin typeface="Consolas" panose="020B0609020204030204" pitchFamily="49" charset="0"/>
+                <a:cs typeface="Consolas" panose="020B0609020204030204" pitchFamily="49" charset="0"/>
+              </a:rPr>
+              <a:t>* np);</a:t>
+            </a:r>
+          </a:p>
+          <a:p>
+            <a:pPr marL="0" indent="0">
+              <a:buNone/>
+            </a:pPr>
+            <a:endParaRPr lang="en-GB" sz="1400" dirty="0">
               <a:solidFill>
-                <a:srgbClr val="E46C0A"/>
+                <a:schemeClr val="accent6">
+                  <a:lumMod val="75000"/>
+                </a:schemeClr>
               </a:solidFill>
+              <a:latin typeface="Consolas" panose="020B0609020204030204" pitchFamily="49" charset="0"/>
+              <a:cs typeface="Consolas" panose="020B0609020204030204" pitchFamily="49" charset="0"/>
             </a:endParaRPr>
           </a:p>
           <a:p>
-            <a:pPr lvl="1"/>
-            <a:r>
-              <a:rPr lang="it-IT" dirty="0" err="1"/>
-              <a:t>Define</a:t>
-            </a:r>
-            <a:r>
-              <a:rPr lang="it-IT" dirty="0"/>
-              <a:t> new </a:t>
-            </a:r>
-            <a:r>
-              <a:rPr lang="it-IT" dirty="0" err="1"/>
-              <a:t>classes</a:t>
-            </a:r>
-            <a:r>
-              <a:rPr lang="it-IT" dirty="0"/>
-              <a:t> by </a:t>
-            </a:r>
-            <a:r>
-              <a:rPr lang="it-IT" dirty="0" err="1"/>
-              <a:t>extending</a:t>
-            </a:r>
-            <a:r>
-              <a:rPr lang="it-IT" dirty="0"/>
-              <a:t> the </a:t>
-            </a:r>
-            <a:r>
-              <a:rPr lang="it-IT" dirty="0" err="1"/>
-              <a:t>exsisting</a:t>
-            </a:r>
-            <a:r>
-              <a:rPr lang="it-IT" dirty="0"/>
-              <a:t> </a:t>
-            </a:r>
-            <a:r>
-              <a:rPr lang="it-IT" dirty="0" err="1"/>
-              <a:t>ones</a:t>
-            </a:r>
-            <a:r>
-              <a:rPr lang="it-IT" dirty="0"/>
-              <a:t> </a:t>
-            </a:r>
-          </a:p>
-          <a:p>
-            <a:pPr lvl="1"/>
-            <a:endParaRPr lang="it-IT" dirty="0"/>
-          </a:p>
-          <a:p>
-            <a:pPr lvl="1"/>
-            <a:endParaRPr lang="it-IT" dirty="0"/>
+            <a:pPr marL="0" indent="0">
+              <a:buNone/>
+            </a:pPr>
+            <a:r>
+              <a:rPr lang="en-GB" sz="1400" dirty="0">
+                <a:latin typeface="Consolas" panose="020B0609020204030204" pitchFamily="49" charset="0"/>
+                <a:cs typeface="Consolas" panose="020B0609020204030204" pitchFamily="49" charset="0"/>
+              </a:rPr>
+              <a:t>// </a:t>
+            </a:r>
+            <a:r>
+              <a:rPr lang="en-GB" sz="1400" dirty="0" err="1">
+                <a:latin typeface="Consolas" panose="020B0609020204030204" pitchFamily="49" charset="0"/>
+                <a:cs typeface="Consolas" panose="020B0609020204030204" pitchFamily="49" charset="0"/>
+              </a:rPr>
+              <a:t>namedPoint.c</a:t>
+            </a:r>
+            <a:endParaRPr lang="en-GB" sz="1400" dirty="0">
+              <a:latin typeface="Consolas" panose="020B0609020204030204" pitchFamily="49" charset="0"/>
+              <a:cs typeface="Consolas" panose="020B0609020204030204" pitchFamily="49" charset="0"/>
+            </a:endParaRPr>
+          </a:p>
+          <a:p>
+            <a:pPr marL="0" indent="0">
+              <a:buNone/>
+            </a:pPr>
+            <a:r>
+              <a:rPr lang="en-GB" sz="1400" dirty="0">
+                <a:latin typeface="Consolas" panose="020B0609020204030204" pitchFamily="49" charset="0"/>
+                <a:cs typeface="Consolas" panose="020B0609020204030204" pitchFamily="49" charset="0"/>
+              </a:rPr>
+              <a:t>#include "</a:t>
+            </a:r>
+            <a:r>
+              <a:rPr lang="en-GB" sz="1400" dirty="0" err="1">
+                <a:latin typeface="Consolas" panose="020B0609020204030204" pitchFamily="49" charset="0"/>
+                <a:cs typeface="Consolas" panose="020B0609020204030204" pitchFamily="49" charset="0"/>
+              </a:rPr>
+              <a:t>namedPoint.h</a:t>
+            </a:r>
+            <a:r>
+              <a:rPr lang="en-GB" sz="1400" dirty="0">
+                <a:latin typeface="Consolas" panose="020B0609020204030204" pitchFamily="49" charset="0"/>
+                <a:cs typeface="Consolas" panose="020B0609020204030204" pitchFamily="49" charset="0"/>
+              </a:rPr>
+              <a:t>"</a:t>
+            </a:r>
+          </a:p>
+          <a:p>
+            <a:pPr marL="0" indent="0">
+              <a:buNone/>
+            </a:pPr>
+            <a:r>
+              <a:rPr lang="en-GB" sz="1400" dirty="0">
+                <a:latin typeface="Consolas" panose="020B0609020204030204" pitchFamily="49" charset="0"/>
+                <a:cs typeface="Consolas" panose="020B0609020204030204" pitchFamily="49" charset="0"/>
+              </a:rPr>
+              <a:t>struct </a:t>
+            </a:r>
+            <a:r>
+              <a:rPr lang="en-GB" sz="1400" dirty="0" err="1">
+                <a:latin typeface="Consolas" panose="020B0609020204030204" pitchFamily="49" charset="0"/>
+                <a:cs typeface="Consolas" panose="020B0609020204030204" pitchFamily="49" charset="0"/>
+              </a:rPr>
+              <a:t>NamedPoint</a:t>
+            </a:r>
+            <a:r>
+              <a:rPr lang="en-GB" sz="1400" dirty="0">
+                <a:latin typeface="Consolas" panose="020B0609020204030204" pitchFamily="49" charset="0"/>
+                <a:cs typeface="Consolas" panose="020B0609020204030204" pitchFamily="49" charset="0"/>
+              </a:rPr>
+              <a:t> {</a:t>
+            </a:r>
+          </a:p>
+          <a:p>
+            <a:pPr marL="0" indent="0">
+              <a:buNone/>
+            </a:pPr>
+            <a:r>
+              <a:rPr lang="en-GB" sz="1400" dirty="0">
+                <a:latin typeface="Consolas" panose="020B0609020204030204" pitchFamily="49" charset="0"/>
+                <a:cs typeface="Consolas" panose="020B0609020204030204" pitchFamily="49" charset="0"/>
+              </a:rPr>
+              <a:t>  double </a:t>
+            </a:r>
+            <a:r>
+              <a:rPr lang="en-GB" sz="1400" dirty="0" err="1">
+                <a:latin typeface="Consolas" panose="020B0609020204030204" pitchFamily="49" charset="0"/>
+                <a:cs typeface="Consolas" panose="020B0609020204030204" pitchFamily="49" charset="0"/>
+              </a:rPr>
+              <a:t>x,y</a:t>
+            </a:r>
+            <a:r>
+              <a:rPr lang="en-GB" sz="1400" dirty="0">
+                <a:latin typeface="Consolas" panose="020B0609020204030204" pitchFamily="49" charset="0"/>
+                <a:cs typeface="Consolas" panose="020B0609020204030204" pitchFamily="49" charset="0"/>
+              </a:rPr>
+              <a:t>;</a:t>
+            </a:r>
+          </a:p>
+          <a:p>
+            <a:pPr marL="0" indent="0">
+              <a:buNone/>
+            </a:pPr>
+            <a:r>
+              <a:rPr lang="en-GB" sz="1400" dirty="0">
+                <a:latin typeface="Consolas" panose="020B0609020204030204" pitchFamily="49" charset="0"/>
+                <a:cs typeface="Consolas" panose="020B0609020204030204" pitchFamily="49" charset="0"/>
+              </a:rPr>
+              <a:t>  char* name;</a:t>
+            </a:r>
+          </a:p>
+          <a:p>
+            <a:pPr marL="0" indent="0">
+              <a:buNone/>
+            </a:pPr>
+            <a:r>
+              <a:rPr lang="en-GB" sz="1400" dirty="0">
+                <a:latin typeface="Consolas" panose="020B0609020204030204" pitchFamily="49" charset="0"/>
+                <a:cs typeface="Consolas" panose="020B0609020204030204" pitchFamily="49" charset="0"/>
+              </a:rPr>
+              <a:t>};</a:t>
+            </a:r>
+          </a:p>
+          <a:p>
+            <a:pPr marL="0" indent="0">
+              <a:buNone/>
+            </a:pPr>
+            <a:r>
+              <a:rPr lang="en-GB" sz="1400" dirty="0">
+                <a:latin typeface="Consolas" panose="020B0609020204030204" pitchFamily="49" charset="0"/>
+                <a:cs typeface="Consolas" panose="020B0609020204030204" pitchFamily="49" charset="0"/>
+              </a:rPr>
+              <a:t>struct </a:t>
+            </a:r>
+            <a:r>
+              <a:rPr lang="en-GB" sz="1400" dirty="0" err="1">
+                <a:latin typeface="Consolas" panose="020B0609020204030204" pitchFamily="49" charset="0"/>
+                <a:cs typeface="Consolas" panose="020B0609020204030204" pitchFamily="49" charset="0"/>
+              </a:rPr>
+              <a:t>NamedPoint</a:t>
+            </a:r>
+            <a:r>
+              <a:rPr lang="en-GB" sz="1400" dirty="0">
+                <a:latin typeface="Consolas" panose="020B0609020204030204" pitchFamily="49" charset="0"/>
+                <a:cs typeface="Consolas" panose="020B0609020204030204" pitchFamily="49" charset="0"/>
+              </a:rPr>
+              <a:t>* </a:t>
+            </a:r>
+            <a:r>
+              <a:rPr lang="en-GB" sz="1400" dirty="0" err="1">
+                <a:latin typeface="Consolas" panose="020B0609020204030204" pitchFamily="49" charset="0"/>
+                <a:cs typeface="Consolas" panose="020B0609020204030204" pitchFamily="49" charset="0"/>
+              </a:rPr>
+              <a:t>makeNamedPoint</a:t>
+            </a:r>
+            <a:r>
+              <a:rPr lang="en-GB" sz="1400" dirty="0">
+                <a:latin typeface="Consolas" panose="020B0609020204030204" pitchFamily="49" charset="0"/>
+                <a:cs typeface="Consolas" panose="020B0609020204030204" pitchFamily="49" charset="0"/>
+              </a:rPr>
+              <a:t>(double x, double y, char* name) {</a:t>
+            </a:r>
+          </a:p>
+          <a:p>
+            <a:pPr marL="0" indent="0">
+              <a:buNone/>
+            </a:pPr>
+            <a:r>
+              <a:rPr lang="en-GB" sz="1400" dirty="0">
+                <a:latin typeface="Consolas" panose="020B0609020204030204" pitchFamily="49" charset="0"/>
+                <a:cs typeface="Consolas" panose="020B0609020204030204" pitchFamily="49" charset="0"/>
+              </a:rPr>
+              <a:t>  struct </a:t>
+            </a:r>
+            <a:r>
+              <a:rPr lang="en-GB" sz="1400" dirty="0" err="1">
+                <a:latin typeface="Consolas" panose="020B0609020204030204" pitchFamily="49" charset="0"/>
+                <a:cs typeface="Consolas" panose="020B0609020204030204" pitchFamily="49" charset="0"/>
+              </a:rPr>
+              <a:t>NamedPoint</a:t>
+            </a:r>
+            <a:r>
+              <a:rPr lang="en-GB" sz="1400" dirty="0">
+                <a:latin typeface="Consolas" panose="020B0609020204030204" pitchFamily="49" charset="0"/>
+                <a:cs typeface="Consolas" panose="020B0609020204030204" pitchFamily="49" charset="0"/>
+              </a:rPr>
+              <a:t>* p = malloc(</a:t>
+            </a:r>
+            <a:r>
+              <a:rPr lang="en-GB" sz="1400" dirty="0" err="1">
+                <a:latin typeface="Consolas" panose="020B0609020204030204" pitchFamily="49" charset="0"/>
+                <a:cs typeface="Consolas" panose="020B0609020204030204" pitchFamily="49" charset="0"/>
+              </a:rPr>
+              <a:t>sizeof</a:t>
+            </a:r>
+            <a:r>
+              <a:rPr lang="en-GB" sz="1400" dirty="0">
+                <a:latin typeface="Consolas" panose="020B0609020204030204" pitchFamily="49" charset="0"/>
+                <a:cs typeface="Consolas" panose="020B0609020204030204" pitchFamily="49" charset="0"/>
+              </a:rPr>
+              <a:t>(struct </a:t>
+            </a:r>
+            <a:r>
+              <a:rPr lang="en-GB" sz="1400" dirty="0" err="1">
+                <a:latin typeface="Consolas" panose="020B0609020204030204" pitchFamily="49" charset="0"/>
+                <a:cs typeface="Consolas" panose="020B0609020204030204" pitchFamily="49" charset="0"/>
+              </a:rPr>
+              <a:t>NamedPoint</a:t>
+            </a:r>
+            <a:r>
+              <a:rPr lang="en-GB" sz="1400" dirty="0">
+                <a:latin typeface="Consolas" panose="020B0609020204030204" pitchFamily="49" charset="0"/>
+                <a:cs typeface="Consolas" panose="020B0609020204030204" pitchFamily="49" charset="0"/>
+              </a:rPr>
+              <a:t>));</a:t>
+            </a:r>
+          </a:p>
+          <a:p>
+            <a:pPr marL="0" indent="0">
+              <a:buNone/>
+            </a:pPr>
+            <a:r>
+              <a:rPr lang="en-GB" sz="1400" dirty="0">
+                <a:latin typeface="Consolas" panose="020B0609020204030204" pitchFamily="49" charset="0"/>
+                <a:cs typeface="Consolas" panose="020B0609020204030204" pitchFamily="49" charset="0"/>
+              </a:rPr>
+              <a:t>  p-&gt;x = x;</a:t>
+            </a:r>
+          </a:p>
+          <a:p>
+            <a:pPr marL="0" indent="0">
+              <a:buNone/>
+            </a:pPr>
+            <a:r>
+              <a:rPr lang="en-GB" sz="1400" dirty="0">
+                <a:latin typeface="Consolas" panose="020B0609020204030204" pitchFamily="49" charset="0"/>
+                <a:cs typeface="Consolas" panose="020B0609020204030204" pitchFamily="49" charset="0"/>
+              </a:rPr>
+              <a:t>  p-&gt;y = y;</a:t>
+            </a:r>
+          </a:p>
+          <a:p>
+            <a:pPr marL="0" indent="0">
+              <a:buNone/>
+            </a:pPr>
+            <a:r>
+              <a:rPr lang="en-GB" sz="1400" dirty="0">
+                <a:latin typeface="Consolas" panose="020B0609020204030204" pitchFamily="49" charset="0"/>
+                <a:cs typeface="Consolas" panose="020B0609020204030204" pitchFamily="49" charset="0"/>
+              </a:rPr>
+              <a:t>  p-&gt;name = name;</a:t>
+            </a:r>
+          </a:p>
+          <a:p>
+            <a:pPr marL="0" indent="0">
+              <a:buNone/>
+            </a:pPr>
+            <a:r>
+              <a:rPr lang="en-GB" sz="1400" dirty="0">
+                <a:latin typeface="Consolas" panose="020B0609020204030204" pitchFamily="49" charset="0"/>
+                <a:cs typeface="Consolas" panose="020B0609020204030204" pitchFamily="49" charset="0"/>
+              </a:rPr>
+              <a:t>  return p; </a:t>
+            </a:r>
+          </a:p>
+          <a:p>
+            <a:pPr marL="0" indent="0">
+              <a:buNone/>
+            </a:pPr>
+            <a:r>
+              <a:rPr lang="en-GB" sz="1400" dirty="0">
+                <a:latin typeface="Consolas" panose="020B0609020204030204" pitchFamily="49" charset="0"/>
+                <a:cs typeface="Consolas" panose="020B0609020204030204" pitchFamily="49" charset="0"/>
+              </a:rPr>
+              <a:t>}</a:t>
+            </a:r>
+          </a:p>
+          <a:p>
+            <a:pPr marL="0" indent="0">
+              <a:buNone/>
+            </a:pPr>
+            <a:r>
+              <a:rPr lang="en-GB" sz="1400" dirty="0">
+                <a:latin typeface="Consolas" panose="020B0609020204030204" pitchFamily="49" charset="0"/>
+                <a:cs typeface="Consolas" panose="020B0609020204030204" pitchFamily="49" charset="0"/>
+              </a:rPr>
+              <a:t>void </a:t>
+            </a:r>
+            <a:r>
+              <a:rPr lang="en-GB" sz="1400" dirty="0" err="1">
+                <a:latin typeface="Consolas" panose="020B0609020204030204" pitchFamily="49" charset="0"/>
+                <a:cs typeface="Consolas" panose="020B0609020204030204" pitchFamily="49" charset="0"/>
+              </a:rPr>
+              <a:t>setName</a:t>
+            </a:r>
+            <a:r>
+              <a:rPr lang="en-GB" sz="1400" dirty="0">
+                <a:latin typeface="Consolas" panose="020B0609020204030204" pitchFamily="49" charset="0"/>
+                <a:cs typeface="Consolas" panose="020B0609020204030204" pitchFamily="49" charset="0"/>
+              </a:rPr>
+              <a:t>(struct </a:t>
+            </a:r>
+            <a:r>
+              <a:rPr lang="en-GB" sz="1400" dirty="0" err="1">
+                <a:latin typeface="Consolas" panose="020B0609020204030204" pitchFamily="49" charset="0"/>
+                <a:cs typeface="Consolas" panose="020B0609020204030204" pitchFamily="49" charset="0"/>
+              </a:rPr>
+              <a:t>NamedPoint</a:t>
+            </a:r>
+            <a:r>
+              <a:rPr lang="en-GB" sz="1400" dirty="0">
+                <a:latin typeface="Consolas" panose="020B0609020204030204" pitchFamily="49" charset="0"/>
+                <a:cs typeface="Consolas" panose="020B0609020204030204" pitchFamily="49" charset="0"/>
+              </a:rPr>
+              <a:t>* np, char* name) {</a:t>
+            </a:r>
+          </a:p>
+          <a:p>
+            <a:pPr marL="0" indent="0">
+              <a:buNone/>
+            </a:pPr>
+            <a:r>
+              <a:rPr lang="en-GB" sz="1400" dirty="0">
+                <a:latin typeface="Consolas" panose="020B0609020204030204" pitchFamily="49" charset="0"/>
+                <a:cs typeface="Consolas" panose="020B0609020204030204" pitchFamily="49" charset="0"/>
+              </a:rPr>
+              <a:t>  np-&gt;name = name;</a:t>
+            </a:r>
+          </a:p>
+          <a:p>
+            <a:pPr marL="0" indent="0">
+              <a:buNone/>
+            </a:pPr>
+            <a:r>
+              <a:rPr lang="en-GB" sz="1400" dirty="0">
+                <a:latin typeface="Consolas" panose="020B0609020204030204" pitchFamily="49" charset="0"/>
+                <a:cs typeface="Consolas" panose="020B0609020204030204" pitchFamily="49" charset="0"/>
+              </a:rPr>
+              <a:t>}</a:t>
+            </a:r>
+          </a:p>
+          <a:p>
+            <a:pPr marL="0" indent="0">
+              <a:buNone/>
+            </a:pPr>
+            <a:r>
+              <a:rPr lang="en-GB" sz="1400" dirty="0">
+                <a:latin typeface="Consolas" panose="020B0609020204030204" pitchFamily="49" charset="0"/>
+                <a:cs typeface="Consolas" panose="020B0609020204030204" pitchFamily="49" charset="0"/>
+              </a:rPr>
+              <a:t>char* </a:t>
+            </a:r>
+            <a:r>
+              <a:rPr lang="en-GB" sz="1400" dirty="0" err="1">
+                <a:latin typeface="Consolas" panose="020B0609020204030204" pitchFamily="49" charset="0"/>
+                <a:cs typeface="Consolas" panose="020B0609020204030204" pitchFamily="49" charset="0"/>
+              </a:rPr>
+              <a:t>getName</a:t>
+            </a:r>
+            <a:r>
+              <a:rPr lang="en-GB" sz="1400" dirty="0">
+                <a:latin typeface="Consolas" panose="020B0609020204030204" pitchFamily="49" charset="0"/>
+                <a:cs typeface="Consolas" panose="020B0609020204030204" pitchFamily="49" charset="0"/>
+              </a:rPr>
+              <a:t>(struct </a:t>
+            </a:r>
+            <a:r>
+              <a:rPr lang="en-GB" sz="1400" dirty="0" err="1">
+                <a:latin typeface="Consolas" panose="020B0609020204030204" pitchFamily="49" charset="0"/>
+                <a:cs typeface="Consolas" panose="020B0609020204030204" pitchFamily="49" charset="0"/>
+              </a:rPr>
+              <a:t>NamedPoint</a:t>
+            </a:r>
+            <a:r>
+              <a:rPr lang="en-GB" sz="1400" dirty="0">
+                <a:latin typeface="Consolas" panose="020B0609020204030204" pitchFamily="49" charset="0"/>
+                <a:cs typeface="Consolas" panose="020B0609020204030204" pitchFamily="49" charset="0"/>
+              </a:rPr>
+              <a:t>* np) {</a:t>
+            </a:r>
+          </a:p>
+          <a:p>
+            <a:pPr marL="0" indent="0">
+              <a:buNone/>
+            </a:pPr>
+            <a:r>
+              <a:rPr lang="en-GB" sz="1400" dirty="0">
+                <a:latin typeface="Consolas" panose="020B0609020204030204" pitchFamily="49" charset="0"/>
+                <a:cs typeface="Consolas" panose="020B0609020204030204" pitchFamily="49" charset="0"/>
+              </a:rPr>
+              <a:t>  return np-&gt;name;</a:t>
+            </a:r>
+          </a:p>
+          <a:p>
+            <a:pPr marL="0" indent="0">
+              <a:buNone/>
+            </a:pPr>
+            <a:r>
+              <a:rPr lang="en-GB" sz="1400" dirty="0">
+                <a:latin typeface="Consolas" panose="020B0609020204030204" pitchFamily="49" charset="0"/>
+                <a:cs typeface="Consolas" panose="020B0609020204030204" pitchFamily="49" charset="0"/>
+              </a:rPr>
+              <a:t>}</a:t>
+            </a:r>
+            <a:endParaRPr lang="en-IT" sz="1400" dirty="0">
+              <a:latin typeface="Consolas" panose="020B0609020204030204" pitchFamily="49" charset="0"/>
+              <a:cs typeface="Consolas" panose="020B0609020204030204" pitchFamily="49" charset="0"/>
+            </a:endParaRPr>
           </a:p>
         </p:txBody>
       </p:sp>
       <p:sp>
         <p:nvSpPr>
-          <p:cNvPr id="3" name="Segnaposto numero diapositiva 2"/>
+          <p:cNvPr id="5" name="Content Placeholder 4">
+            <a:extLst>
+              <a:ext uri="{FF2B5EF4-FFF2-40B4-BE49-F238E27FC236}">
+                <a16:creationId xmlns:a16="http://schemas.microsoft.com/office/drawing/2014/main" id="{0661F14D-C9D1-2F4B-B654-47FFF70DCC18}"/>
+              </a:ext>
+            </a:extLst>
+          </p:cNvPr>
+          <p:cNvSpPr>
+            <a:spLocks noGrp="1"/>
+          </p:cNvSpPr>
+          <p:nvPr>
+            <p:ph sz="half" idx="2"/>
+          </p:nvPr>
+        </p:nvSpPr>
+        <p:spPr/>
+        <p:txBody>
+          <a:bodyPr>
+            <a:noAutofit/>
+          </a:bodyPr>
+          <a:lstStyle/>
+          <a:p>
+            <a:pPr marL="0" indent="0">
+              <a:buNone/>
+            </a:pPr>
+            <a:r>
+              <a:rPr lang="en-GB" sz="1400" dirty="0">
+                <a:latin typeface="Consolas" panose="020B0609020204030204" pitchFamily="49" charset="0"/>
+                <a:cs typeface="Consolas" panose="020B0609020204030204" pitchFamily="49" charset="0"/>
+              </a:rPr>
+              <a:t>#include "</a:t>
+            </a:r>
+            <a:r>
+              <a:rPr lang="en-GB" sz="1400" dirty="0" err="1">
+                <a:latin typeface="Consolas" panose="020B0609020204030204" pitchFamily="49" charset="0"/>
+                <a:cs typeface="Consolas" panose="020B0609020204030204" pitchFamily="49" charset="0"/>
+              </a:rPr>
+              <a:t>point.h</a:t>
+            </a:r>
+            <a:r>
+              <a:rPr lang="en-GB" sz="1400" dirty="0">
+                <a:latin typeface="Consolas" panose="020B0609020204030204" pitchFamily="49" charset="0"/>
+                <a:cs typeface="Consolas" panose="020B0609020204030204" pitchFamily="49" charset="0"/>
+              </a:rPr>
+              <a:t>"</a:t>
+            </a:r>
+          </a:p>
+          <a:p>
+            <a:pPr marL="0" indent="0">
+              <a:buNone/>
+            </a:pPr>
+            <a:r>
+              <a:rPr lang="en-GB" sz="1400" dirty="0">
+                <a:latin typeface="Consolas" panose="020B0609020204030204" pitchFamily="49" charset="0"/>
+                <a:cs typeface="Consolas" panose="020B0609020204030204" pitchFamily="49" charset="0"/>
+              </a:rPr>
+              <a:t>#include "</a:t>
+            </a:r>
+            <a:r>
+              <a:rPr lang="en-GB" sz="1400" dirty="0" err="1">
+                <a:latin typeface="Consolas" panose="020B0609020204030204" pitchFamily="49" charset="0"/>
+                <a:cs typeface="Consolas" panose="020B0609020204030204" pitchFamily="49" charset="0"/>
+              </a:rPr>
+              <a:t>namedPoint.h</a:t>
+            </a:r>
+            <a:r>
+              <a:rPr lang="en-GB" sz="1400" dirty="0">
+                <a:latin typeface="Consolas" panose="020B0609020204030204" pitchFamily="49" charset="0"/>
+                <a:cs typeface="Consolas" panose="020B0609020204030204" pitchFamily="49" charset="0"/>
+              </a:rPr>
+              <a:t>"</a:t>
+            </a:r>
+          </a:p>
+          <a:p>
+            <a:pPr marL="0" indent="0">
+              <a:buNone/>
+            </a:pPr>
+            <a:r>
+              <a:rPr lang="en-GB" sz="1400" dirty="0">
+                <a:latin typeface="Consolas" panose="020B0609020204030204" pitchFamily="49" charset="0"/>
+                <a:cs typeface="Consolas" panose="020B0609020204030204" pitchFamily="49" charset="0"/>
+              </a:rPr>
+              <a:t>#include &lt;</a:t>
+            </a:r>
+            <a:r>
+              <a:rPr lang="en-GB" sz="1400" dirty="0" err="1">
+                <a:latin typeface="Consolas" panose="020B0609020204030204" pitchFamily="49" charset="0"/>
+                <a:cs typeface="Consolas" panose="020B0609020204030204" pitchFamily="49" charset="0"/>
+              </a:rPr>
+              <a:t>stdio.h</a:t>
+            </a:r>
+            <a:r>
+              <a:rPr lang="en-GB" sz="1400" dirty="0">
+                <a:latin typeface="Consolas" panose="020B0609020204030204" pitchFamily="49" charset="0"/>
+                <a:cs typeface="Consolas" panose="020B0609020204030204" pitchFamily="49" charset="0"/>
+              </a:rPr>
+              <a:t>&gt;</a:t>
+            </a:r>
+          </a:p>
+          <a:p>
+            <a:pPr marL="0" indent="0">
+              <a:buNone/>
+            </a:pPr>
+            <a:r>
+              <a:rPr lang="en-GB" sz="1400" dirty="0">
+                <a:latin typeface="Consolas" panose="020B0609020204030204" pitchFamily="49" charset="0"/>
+                <a:cs typeface="Consolas" panose="020B0609020204030204" pitchFamily="49" charset="0"/>
+              </a:rPr>
+              <a:t>int main(int ac, char** </a:t>
+            </a:r>
+            <a:r>
+              <a:rPr lang="en-GB" sz="1400" dirty="0" err="1">
+                <a:latin typeface="Consolas" panose="020B0609020204030204" pitchFamily="49" charset="0"/>
+                <a:cs typeface="Consolas" panose="020B0609020204030204" pitchFamily="49" charset="0"/>
+              </a:rPr>
+              <a:t>av</a:t>
+            </a:r>
+            <a:r>
+              <a:rPr lang="en-GB" sz="1400" dirty="0">
+                <a:latin typeface="Consolas" panose="020B0609020204030204" pitchFamily="49" charset="0"/>
+                <a:cs typeface="Consolas" panose="020B0609020204030204" pitchFamily="49" charset="0"/>
+              </a:rPr>
+              <a:t>) {</a:t>
+            </a:r>
+          </a:p>
+          <a:p>
+            <a:pPr marL="0" indent="0">
+              <a:buNone/>
+            </a:pPr>
+            <a:r>
+              <a:rPr lang="en-GB" sz="1400" dirty="0">
+                <a:latin typeface="Consolas" panose="020B0609020204030204" pitchFamily="49" charset="0"/>
+                <a:cs typeface="Consolas" panose="020B0609020204030204" pitchFamily="49" charset="0"/>
+              </a:rPr>
+              <a:t>  struct </a:t>
+            </a:r>
+            <a:r>
+              <a:rPr lang="en-GB" sz="1400" dirty="0" err="1">
+                <a:latin typeface="Consolas" panose="020B0609020204030204" pitchFamily="49" charset="0"/>
+                <a:cs typeface="Consolas" panose="020B0609020204030204" pitchFamily="49" charset="0"/>
+              </a:rPr>
+              <a:t>NamedPoint</a:t>
+            </a:r>
+            <a:r>
+              <a:rPr lang="en-GB" sz="1400" dirty="0">
+                <a:latin typeface="Consolas" panose="020B0609020204030204" pitchFamily="49" charset="0"/>
+                <a:cs typeface="Consolas" panose="020B0609020204030204" pitchFamily="49" charset="0"/>
+              </a:rPr>
+              <a:t>* origin = </a:t>
+            </a:r>
+            <a:r>
+              <a:rPr lang="en-GB" sz="1400" dirty="0" err="1">
+                <a:latin typeface="Consolas" panose="020B0609020204030204" pitchFamily="49" charset="0"/>
+                <a:cs typeface="Consolas" panose="020B0609020204030204" pitchFamily="49" charset="0"/>
+              </a:rPr>
+              <a:t>makeNamedPoint</a:t>
+            </a:r>
+            <a:r>
+              <a:rPr lang="en-GB" sz="1400" dirty="0">
+                <a:latin typeface="Consolas" panose="020B0609020204030204" pitchFamily="49" charset="0"/>
+                <a:cs typeface="Consolas" panose="020B0609020204030204" pitchFamily="49" charset="0"/>
+              </a:rPr>
+              <a:t>(0.0, 0.0, "origin");</a:t>
+            </a:r>
+          </a:p>
+          <a:p>
+            <a:pPr marL="0" indent="0">
+              <a:buNone/>
+            </a:pPr>
+            <a:r>
+              <a:rPr lang="en-GB" sz="1400" dirty="0">
+                <a:latin typeface="Consolas" panose="020B0609020204030204" pitchFamily="49" charset="0"/>
+                <a:cs typeface="Consolas" panose="020B0609020204030204" pitchFamily="49" charset="0"/>
+              </a:rPr>
+              <a:t>  struct </a:t>
+            </a:r>
+            <a:r>
+              <a:rPr lang="en-GB" sz="1400" dirty="0" err="1">
+                <a:latin typeface="Consolas" panose="020B0609020204030204" pitchFamily="49" charset="0"/>
+                <a:cs typeface="Consolas" panose="020B0609020204030204" pitchFamily="49" charset="0"/>
+              </a:rPr>
+              <a:t>NamedPoint</a:t>
+            </a:r>
+            <a:r>
+              <a:rPr lang="en-GB" sz="1400" dirty="0">
+                <a:latin typeface="Consolas" panose="020B0609020204030204" pitchFamily="49" charset="0"/>
+                <a:cs typeface="Consolas" panose="020B0609020204030204" pitchFamily="49" charset="0"/>
+              </a:rPr>
+              <a:t>* </a:t>
+            </a:r>
+            <a:r>
+              <a:rPr lang="en-GB" sz="1400" dirty="0" err="1">
+                <a:latin typeface="Consolas" panose="020B0609020204030204" pitchFamily="49" charset="0"/>
+                <a:cs typeface="Consolas" panose="020B0609020204030204" pitchFamily="49" charset="0"/>
+              </a:rPr>
+              <a:t>upperRight</a:t>
+            </a:r>
+            <a:r>
+              <a:rPr lang="en-GB" sz="1400" dirty="0">
+                <a:latin typeface="Consolas" panose="020B0609020204030204" pitchFamily="49" charset="0"/>
+                <a:cs typeface="Consolas" panose="020B0609020204030204" pitchFamily="49" charset="0"/>
+              </a:rPr>
+              <a:t> = </a:t>
+            </a:r>
+            <a:r>
+              <a:rPr lang="en-GB" sz="1400" dirty="0" err="1">
+                <a:latin typeface="Consolas" panose="020B0609020204030204" pitchFamily="49" charset="0"/>
+                <a:cs typeface="Consolas" panose="020B0609020204030204" pitchFamily="49" charset="0"/>
+              </a:rPr>
+              <a:t>makeNamedPoint</a:t>
+            </a:r>
+            <a:r>
+              <a:rPr lang="en-GB" sz="1400" dirty="0">
+                <a:latin typeface="Consolas" panose="020B0609020204030204" pitchFamily="49" charset="0"/>
+                <a:cs typeface="Consolas" panose="020B0609020204030204" pitchFamily="49" charset="0"/>
+              </a:rPr>
+              <a:t> (1.0, 1.0, "</a:t>
+            </a:r>
+            <a:r>
+              <a:rPr lang="en-GB" sz="1400" dirty="0" err="1">
+                <a:latin typeface="Consolas" panose="020B0609020204030204" pitchFamily="49" charset="0"/>
+                <a:cs typeface="Consolas" panose="020B0609020204030204" pitchFamily="49" charset="0"/>
+              </a:rPr>
+              <a:t>upperRight</a:t>
+            </a:r>
+            <a:r>
+              <a:rPr lang="en-GB" sz="1400" dirty="0">
+                <a:latin typeface="Consolas" panose="020B0609020204030204" pitchFamily="49" charset="0"/>
+                <a:cs typeface="Consolas" panose="020B0609020204030204" pitchFamily="49" charset="0"/>
+              </a:rPr>
+              <a:t>");</a:t>
+            </a:r>
+          </a:p>
+          <a:p>
+            <a:pPr marL="0" indent="0">
+              <a:buNone/>
+            </a:pPr>
+            <a:r>
+              <a:rPr lang="en-GB" sz="1400" dirty="0">
+                <a:latin typeface="Consolas" panose="020B0609020204030204" pitchFamily="49" charset="0"/>
+                <a:cs typeface="Consolas" panose="020B0609020204030204" pitchFamily="49" charset="0"/>
+              </a:rPr>
+              <a:t>  </a:t>
+            </a:r>
+            <a:r>
+              <a:rPr lang="en-GB" sz="1400" dirty="0" err="1">
+                <a:latin typeface="Consolas" panose="020B0609020204030204" pitchFamily="49" charset="0"/>
+                <a:cs typeface="Consolas" panose="020B0609020204030204" pitchFamily="49" charset="0"/>
+              </a:rPr>
+              <a:t>printf</a:t>
+            </a:r>
+            <a:r>
+              <a:rPr lang="en-GB" sz="1400" dirty="0">
+                <a:latin typeface="Consolas" panose="020B0609020204030204" pitchFamily="49" charset="0"/>
+                <a:cs typeface="Consolas" panose="020B0609020204030204" pitchFamily="49" charset="0"/>
+              </a:rPr>
+              <a:t>("distance=%f\n", distance(</a:t>
+            </a:r>
+          </a:p>
+          <a:p>
+            <a:pPr marL="0" indent="0">
+              <a:buNone/>
+            </a:pPr>
+            <a:r>
+              <a:rPr lang="en-GB" sz="1400" dirty="0">
+                <a:latin typeface="Consolas" panose="020B0609020204030204" pitchFamily="49" charset="0"/>
+                <a:cs typeface="Consolas" panose="020B0609020204030204" pitchFamily="49" charset="0"/>
+              </a:rPr>
+              <a:t>             </a:t>
+            </a:r>
+            <a:r>
+              <a:rPr lang="en-GB" sz="1400" dirty="0">
+                <a:solidFill>
+                  <a:schemeClr val="accent6">
+                    <a:lumMod val="75000"/>
+                  </a:schemeClr>
+                </a:solidFill>
+                <a:latin typeface="Consolas" panose="020B0609020204030204" pitchFamily="49" charset="0"/>
+                <a:cs typeface="Consolas" panose="020B0609020204030204" pitchFamily="49" charset="0"/>
+              </a:rPr>
+              <a:t>(struct Point*) origin,</a:t>
+            </a:r>
+          </a:p>
+          <a:p>
+            <a:pPr marL="0" indent="0">
+              <a:buNone/>
+            </a:pPr>
+            <a:r>
+              <a:rPr lang="en-GB" sz="1400" dirty="0">
+                <a:solidFill>
+                  <a:schemeClr val="accent6">
+                    <a:lumMod val="75000"/>
+                  </a:schemeClr>
+                </a:solidFill>
+                <a:latin typeface="Consolas" panose="020B0609020204030204" pitchFamily="49" charset="0"/>
+                <a:cs typeface="Consolas" panose="020B0609020204030204" pitchFamily="49" charset="0"/>
+              </a:rPr>
+              <a:t>             (struct Point*) </a:t>
+            </a:r>
+            <a:r>
+              <a:rPr lang="en-GB" sz="1400" dirty="0" err="1">
+                <a:solidFill>
+                  <a:schemeClr val="accent6">
+                    <a:lumMod val="75000"/>
+                  </a:schemeClr>
+                </a:solidFill>
+                <a:latin typeface="Consolas" panose="020B0609020204030204" pitchFamily="49" charset="0"/>
+                <a:cs typeface="Consolas" panose="020B0609020204030204" pitchFamily="49" charset="0"/>
+              </a:rPr>
+              <a:t>upperRight</a:t>
+            </a:r>
+            <a:r>
+              <a:rPr lang="en-GB" sz="1400" dirty="0">
+                <a:solidFill>
+                  <a:schemeClr val="accent6">
+                    <a:lumMod val="75000"/>
+                  </a:schemeClr>
+                </a:solidFill>
+                <a:latin typeface="Consolas" panose="020B0609020204030204" pitchFamily="49" charset="0"/>
+                <a:cs typeface="Consolas" panose="020B0609020204030204" pitchFamily="49" charset="0"/>
+              </a:rPr>
+              <a:t>)</a:t>
+            </a:r>
+            <a:r>
+              <a:rPr lang="en-GB" sz="1400" dirty="0">
+                <a:latin typeface="Consolas" panose="020B0609020204030204" pitchFamily="49" charset="0"/>
+                <a:cs typeface="Consolas" panose="020B0609020204030204" pitchFamily="49" charset="0"/>
+              </a:rPr>
+              <a:t>);</a:t>
+            </a:r>
+          </a:p>
+          <a:p>
+            <a:pPr marL="0" indent="0">
+              <a:buNone/>
+            </a:pPr>
+            <a:r>
+              <a:rPr lang="en-GB" sz="1400" dirty="0">
+                <a:latin typeface="Consolas" panose="020B0609020204030204" pitchFamily="49" charset="0"/>
+                <a:cs typeface="Consolas" panose="020B0609020204030204" pitchFamily="49" charset="0"/>
+              </a:rPr>
+              <a:t>}</a:t>
+            </a:r>
+            <a:endParaRPr lang="en-IT" sz="1400" dirty="0"/>
+          </a:p>
+        </p:txBody>
+      </p:sp>
+      <p:sp>
+        <p:nvSpPr>
+          <p:cNvPr id="4" name="Slide Number Placeholder 3">
+            <a:extLst>
+              <a:ext uri="{FF2B5EF4-FFF2-40B4-BE49-F238E27FC236}">
+                <a16:creationId xmlns:a16="http://schemas.microsoft.com/office/drawing/2014/main" id="{6855C1AD-B484-F647-A36B-1930BA7428AB}"/>
+              </a:ext>
+            </a:extLst>
+          </p:cNvPr>
           <p:cNvSpPr>
             <a:spLocks noGrp="1"/>
           </p:cNvSpPr>
@@ -11243,14 +12339,14 @@
               <a:pPr/>
               <a:t>30</a:t>
             </a:fld>
-            <a:endParaRPr lang="it-IT"/>
+            <a:endParaRPr lang="it-IT" dirty="0"/>
           </a:p>
         </p:txBody>
       </p:sp>
     </p:spTree>
     <p:extLst>
       <p:ext uri="{BB962C8B-B14F-4D97-AF65-F5344CB8AC3E}">
-        <p14:creationId xmlns:p14="http://schemas.microsoft.com/office/powerpoint/2010/main" val="1567186671"/>
+        <p14:creationId xmlns:p14="http://schemas.microsoft.com/office/powerpoint/2010/main" val="20537022"/>
       </p:ext>
     </p:extLst>
   </p:cSld>
@@ -11279,6 +12375,1134 @@
       </p:grpSpPr>
       <p:sp>
         <p:nvSpPr>
+          <p:cNvPr id="2" name="Title 1"/>
+          <p:cNvSpPr>
+            <a:spLocks noGrp="1"/>
+          </p:cNvSpPr>
+          <p:nvPr>
+            <p:ph type="title"/>
+          </p:nvPr>
+        </p:nvSpPr>
+        <p:spPr/>
+        <p:txBody>
+          <a:bodyPr/>
+          <a:lstStyle/>
+          <a:p>
+            <a:r>
+              <a:rPr lang="it-IT" dirty="0" err="1"/>
+              <a:t>Polymorphism</a:t>
+            </a:r>
+            <a:endParaRPr lang="en-US" dirty="0"/>
+          </a:p>
+        </p:txBody>
+      </p:sp>
+      <p:sp>
+        <p:nvSpPr>
+          <p:cNvPr id="4" name="Slide Number Placeholder 3"/>
+          <p:cNvSpPr>
+            <a:spLocks noGrp="1"/>
+          </p:cNvSpPr>
+          <p:nvPr>
+            <p:ph type="sldNum" sz="quarter" idx="12"/>
+          </p:nvPr>
+        </p:nvSpPr>
+        <p:spPr/>
+        <p:txBody>
+          <a:bodyPr/>
+          <a:lstStyle/>
+          <a:p>
+            <a:fld id="{D2040F39-7941-49A4-B48D-F201B18B6351}" type="slidenum">
+              <a:rPr lang="it-IT" smtClean="0"/>
+              <a:pPr/>
+              <a:t>31</a:t>
+            </a:fld>
+            <a:endParaRPr lang="it-IT" dirty="0"/>
+          </a:p>
+        </p:txBody>
+      </p:sp>
+      <p:sp>
+        <p:nvSpPr>
+          <p:cNvPr id="7" name="Content Placeholder 6">
+            <a:extLst>
+              <a:ext uri="{FF2B5EF4-FFF2-40B4-BE49-F238E27FC236}">
+                <a16:creationId xmlns:a16="http://schemas.microsoft.com/office/drawing/2014/main" id="{9014AD74-08C7-6744-8B43-BFA37682C74E}"/>
+              </a:ext>
+            </a:extLst>
+          </p:cNvPr>
+          <p:cNvSpPr>
+            <a:spLocks noGrp="1"/>
+          </p:cNvSpPr>
+          <p:nvPr>
+            <p:ph sz="half" idx="1"/>
+          </p:nvPr>
+        </p:nvSpPr>
+        <p:spPr/>
+        <p:txBody>
+          <a:bodyPr>
+            <a:normAutofit fontScale="92500" lnSpcReduction="10000"/>
+          </a:bodyPr>
+          <a:lstStyle/>
+          <a:p>
+            <a:r>
+              <a:rPr lang="en-GB" dirty="0"/>
+              <a:t>Inheritance lets us inherit attributes and methods from another class.</a:t>
+            </a:r>
+          </a:p>
+          <a:p>
+            <a:r>
+              <a:rPr lang="en-GB" dirty="0"/>
+              <a:t>Polymorphism uses inherited methods to perform the same action in different ways.</a:t>
+            </a:r>
+          </a:p>
+          <a:p>
+            <a:r>
+              <a:rPr lang="en-GB" i="1" dirty="0"/>
+              <a:t>Tell-Don’t-Ask</a:t>
+            </a:r>
+            <a:r>
+              <a:rPr lang="en-GB" dirty="0"/>
+              <a:t> principle: instead of asking an object about its state and then performing actions, it’s much easier to simply tell the object what it needs to do and let it decide for itself how to do that.</a:t>
+            </a:r>
+          </a:p>
+        </p:txBody>
+      </p:sp>
+      <p:pic>
+        <p:nvPicPr>
+          <p:cNvPr id="8" name="Content Placeholder 5">
+            <a:extLst>
+              <a:ext uri="{FF2B5EF4-FFF2-40B4-BE49-F238E27FC236}">
+                <a16:creationId xmlns:a16="http://schemas.microsoft.com/office/drawing/2014/main" id="{EE39E2FB-7506-3843-B8CA-86A9F2CFAD08}"/>
+              </a:ext>
+            </a:extLst>
+          </p:cNvPr>
+          <p:cNvPicPr>
+            <a:picLocks noGrp="1" noChangeAspect="1"/>
+          </p:cNvPicPr>
+          <p:nvPr>
+            <p:ph sz="half" idx="2"/>
+          </p:nvPr>
+        </p:nvPicPr>
+        <p:blipFill>
+          <a:blip r:embed="rId2">
+            <a:extLst>
+              <a:ext uri="{28A0092B-C50C-407E-A947-70E740481C1C}">
+                <a14:useLocalDpi xmlns:a14="http://schemas.microsoft.com/office/drawing/2010/main" val="0"/>
+              </a:ext>
+              <a:ext uri="{96DAC541-7B7A-43D3-8B79-37D633B846F1}">
+                <asvg:svgBlip xmlns:asvg="http://schemas.microsoft.com/office/drawing/2016/SVG/main" r:embed="rId3"/>
+              </a:ext>
+            </a:extLst>
+          </a:blip>
+          <a:stretch>
+            <a:fillRect/>
+          </a:stretch>
+        </p:blipFill>
+        <p:spPr>
+          <a:xfrm>
+            <a:off x="6416593" y="2060848"/>
+            <a:ext cx="5573419" cy="3240360"/>
+          </a:xfrm>
+        </p:spPr>
+      </p:pic>
+    </p:spTree>
+    <p:extLst>
+      <p:ext uri="{BB962C8B-B14F-4D97-AF65-F5344CB8AC3E}">
+        <p14:creationId xmlns:p14="http://schemas.microsoft.com/office/powerpoint/2010/main" val="1876767147"/>
+      </p:ext>
+    </p:extLst>
+  </p:cSld>
+  <p:clrMapOvr>
+    <a:masterClrMapping/>
+  </p:clrMapOvr>
+</p:sld>
+</file>
+
+<file path=ppt/slides/slide32.xml><?xml version="1.0" encoding="utf-8"?>
+<p:sld xmlns:a="http://schemas.openxmlformats.org/drawingml/2006/main" xmlns:r="http://schemas.openxmlformats.org/officeDocument/2006/relationships" xmlns:p="http://schemas.openxmlformats.org/presentationml/2006/main">
+  <p:cSld>
+    <p:spTree>
+      <p:nvGrpSpPr>
+        <p:cNvPr id="1" name=""/>
+        <p:cNvGrpSpPr/>
+        <p:nvPr/>
+      </p:nvGrpSpPr>
+      <p:grpSpPr>
+        <a:xfrm>
+          <a:off x="0" y="0"/>
+          <a:ext cx="0" cy="0"/>
+          <a:chOff x="0" y="0"/>
+          <a:chExt cx="0" cy="0"/>
+        </a:xfrm>
+      </p:grpSpPr>
+      <p:sp>
+        <p:nvSpPr>
+          <p:cNvPr id="2" name="Title 1">
+            <a:extLst>
+              <a:ext uri="{FF2B5EF4-FFF2-40B4-BE49-F238E27FC236}">
+                <a16:creationId xmlns:a16="http://schemas.microsoft.com/office/drawing/2014/main" id="{F19F323A-D03B-C547-90BB-44D26A593270}"/>
+              </a:ext>
+            </a:extLst>
+          </p:cNvPr>
+          <p:cNvSpPr>
+            <a:spLocks noGrp="1"/>
+          </p:cNvSpPr>
+          <p:nvPr>
+            <p:ph type="title"/>
+          </p:nvPr>
+        </p:nvSpPr>
+        <p:spPr/>
+        <p:txBody>
+          <a:bodyPr/>
+          <a:lstStyle/>
+          <a:p>
+            <a:r>
+              <a:rPr lang="en-IT" dirty="0"/>
+              <a:t>What it possible before?</a:t>
+            </a:r>
+          </a:p>
+        </p:txBody>
+      </p:sp>
+      <p:sp>
+        <p:nvSpPr>
+          <p:cNvPr id="3" name="Content Placeholder 2">
+            <a:extLst>
+              <a:ext uri="{FF2B5EF4-FFF2-40B4-BE49-F238E27FC236}">
+                <a16:creationId xmlns:a16="http://schemas.microsoft.com/office/drawing/2014/main" id="{B94FFC29-9BA8-B94A-9590-F4E12F9AF880}"/>
+              </a:ext>
+            </a:extLst>
+          </p:cNvPr>
+          <p:cNvSpPr>
+            <a:spLocks noGrp="1"/>
+          </p:cNvSpPr>
+          <p:nvPr>
+            <p:ph idx="1"/>
+          </p:nvPr>
+        </p:nvSpPr>
+        <p:spPr/>
+        <p:txBody>
+          <a:bodyPr>
+            <a:normAutofit/>
+          </a:bodyPr>
+          <a:lstStyle/>
+          <a:p>
+            <a:pPr marL="0" indent="0">
+              <a:buNone/>
+            </a:pPr>
+            <a:r>
+              <a:rPr lang="en-GB" sz="1400" dirty="0">
+                <a:latin typeface="Consolas" panose="020B0609020204030204" pitchFamily="49" charset="0"/>
+                <a:cs typeface="Consolas" panose="020B0609020204030204" pitchFamily="49" charset="0"/>
+              </a:rPr>
+              <a:t>#include &lt;</a:t>
+            </a:r>
+            <a:r>
+              <a:rPr lang="en-GB" sz="1400" dirty="0" err="1">
+                <a:latin typeface="Consolas" panose="020B0609020204030204" pitchFamily="49" charset="0"/>
+                <a:cs typeface="Consolas" panose="020B0609020204030204" pitchFamily="49" charset="0"/>
+              </a:rPr>
+              <a:t>stdio.h</a:t>
+            </a:r>
+            <a:r>
+              <a:rPr lang="en-GB" sz="1400" dirty="0">
+                <a:latin typeface="Consolas" panose="020B0609020204030204" pitchFamily="49" charset="0"/>
+                <a:cs typeface="Consolas" panose="020B0609020204030204" pitchFamily="49" charset="0"/>
+              </a:rPr>
+              <a:t>&gt;</a:t>
+            </a:r>
+          </a:p>
+          <a:p>
+            <a:pPr marL="0" indent="0">
+              <a:buNone/>
+            </a:pPr>
+            <a:r>
+              <a:rPr lang="en-GB" sz="1400" dirty="0">
+                <a:latin typeface="Consolas" panose="020B0609020204030204" pitchFamily="49" charset="0"/>
+                <a:cs typeface="Consolas" panose="020B0609020204030204" pitchFamily="49" charset="0"/>
+              </a:rPr>
+              <a:t>void copy() {</a:t>
+            </a:r>
+          </a:p>
+          <a:p>
+            <a:pPr marL="0" indent="0">
+              <a:buNone/>
+            </a:pPr>
+            <a:r>
+              <a:rPr lang="en-GB" sz="1400" dirty="0">
+                <a:latin typeface="Consolas" panose="020B0609020204030204" pitchFamily="49" charset="0"/>
+                <a:cs typeface="Consolas" panose="020B0609020204030204" pitchFamily="49" charset="0"/>
+              </a:rPr>
+              <a:t>  int c;</a:t>
+            </a:r>
+          </a:p>
+          <a:p>
+            <a:pPr marL="0" indent="0">
+              <a:buNone/>
+            </a:pPr>
+            <a:r>
+              <a:rPr lang="en-GB" sz="1400" dirty="0">
+                <a:latin typeface="Consolas" panose="020B0609020204030204" pitchFamily="49" charset="0"/>
+                <a:cs typeface="Consolas" panose="020B0609020204030204" pitchFamily="49" charset="0"/>
+              </a:rPr>
+              <a:t>  while ((c = </a:t>
+            </a:r>
+            <a:r>
+              <a:rPr lang="en-GB" sz="1400" dirty="0" err="1">
+                <a:latin typeface="Consolas" panose="020B0609020204030204" pitchFamily="49" charset="0"/>
+                <a:cs typeface="Consolas" panose="020B0609020204030204" pitchFamily="49" charset="0"/>
+              </a:rPr>
+              <a:t>getchar</a:t>
+            </a:r>
+            <a:r>
+              <a:rPr lang="en-GB" sz="1400" dirty="0">
+                <a:latin typeface="Consolas" panose="020B0609020204030204" pitchFamily="49" charset="0"/>
+                <a:cs typeface="Consolas" panose="020B0609020204030204" pitchFamily="49" charset="0"/>
+              </a:rPr>
+              <a:t>()) != EOF)</a:t>
+            </a:r>
+          </a:p>
+          <a:p>
+            <a:pPr marL="0" indent="0">
+              <a:buNone/>
+            </a:pPr>
+            <a:r>
+              <a:rPr lang="en-GB" sz="1400" dirty="0">
+                <a:latin typeface="Consolas" panose="020B0609020204030204" pitchFamily="49" charset="0"/>
+                <a:cs typeface="Consolas" panose="020B0609020204030204" pitchFamily="49" charset="0"/>
+              </a:rPr>
+              <a:t>    </a:t>
+            </a:r>
+            <a:r>
+              <a:rPr lang="en-GB" sz="1400" dirty="0" err="1">
+                <a:latin typeface="Consolas" panose="020B0609020204030204" pitchFamily="49" charset="0"/>
+                <a:cs typeface="Consolas" panose="020B0609020204030204" pitchFamily="49" charset="0"/>
+              </a:rPr>
+              <a:t>putchar</a:t>
+            </a:r>
+            <a:r>
+              <a:rPr lang="en-GB" sz="1400" dirty="0">
+                <a:latin typeface="Consolas" panose="020B0609020204030204" pitchFamily="49" charset="0"/>
+                <a:cs typeface="Consolas" panose="020B0609020204030204" pitchFamily="49" charset="0"/>
+              </a:rPr>
+              <a:t>(c);</a:t>
+            </a:r>
+          </a:p>
+          <a:p>
+            <a:pPr marL="0" indent="0">
+              <a:buNone/>
+            </a:pPr>
+            <a:r>
+              <a:rPr lang="en-GB" sz="1400" dirty="0">
+                <a:latin typeface="Consolas" panose="020B0609020204030204" pitchFamily="49" charset="0"/>
+                <a:cs typeface="Consolas" panose="020B0609020204030204" pitchFamily="49" charset="0"/>
+              </a:rPr>
+              <a:t>}</a:t>
+            </a:r>
+          </a:p>
+          <a:p>
+            <a:pPr marL="0" indent="0">
+              <a:buNone/>
+            </a:pPr>
+            <a:endParaRPr lang="en-GB" sz="1400" dirty="0">
+              <a:latin typeface="Consolas" panose="020B0609020204030204" pitchFamily="49" charset="0"/>
+              <a:cs typeface="Consolas" panose="020B0609020204030204" pitchFamily="49" charset="0"/>
+            </a:endParaRPr>
+          </a:p>
+          <a:p>
+            <a:pPr marL="0" indent="0">
+              <a:buNone/>
+            </a:pPr>
+            <a:r>
+              <a:rPr lang="en-GB" sz="1400" dirty="0">
+                <a:latin typeface="Consolas" panose="020B0609020204030204" pitchFamily="49" charset="0"/>
+                <a:cs typeface="Consolas" panose="020B0609020204030204" pitchFamily="49" charset="0"/>
+              </a:rPr>
+              <a:t>struct FILE {</a:t>
+            </a:r>
+          </a:p>
+          <a:p>
+            <a:pPr marL="0" indent="0">
+              <a:buNone/>
+            </a:pPr>
+            <a:r>
+              <a:rPr lang="en-GB" sz="1400" dirty="0">
+                <a:latin typeface="Consolas" panose="020B0609020204030204" pitchFamily="49" charset="0"/>
+                <a:cs typeface="Consolas" panose="020B0609020204030204" pitchFamily="49" charset="0"/>
+              </a:rPr>
+              <a:t>  void (*open)(char* name, int mode);</a:t>
+            </a:r>
+          </a:p>
+          <a:p>
+            <a:pPr marL="0" indent="0">
+              <a:buNone/>
+            </a:pPr>
+            <a:r>
+              <a:rPr lang="en-GB" sz="1400" dirty="0">
+                <a:latin typeface="Consolas" panose="020B0609020204030204" pitchFamily="49" charset="0"/>
+                <a:cs typeface="Consolas" panose="020B0609020204030204" pitchFamily="49" charset="0"/>
+              </a:rPr>
+              <a:t>  void (*close)();</a:t>
+            </a:r>
+          </a:p>
+          <a:p>
+            <a:pPr marL="0" indent="0">
+              <a:buNone/>
+            </a:pPr>
+            <a:r>
+              <a:rPr lang="en-GB" sz="1400" dirty="0">
+                <a:latin typeface="Consolas" panose="020B0609020204030204" pitchFamily="49" charset="0"/>
+                <a:cs typeface="Consolas" panose="020B0609020204030204" pitchFamily="49" charset="0"/>
+              </a:rPr>
+              <a:t>  int (*read)();</a:t>
+            </a:r>
+          </a:p>
+          <a:p>
+            <a:pPr marL="0" indent="0">
+              <a:buNone/>
+            </a:pPr>
+            <a:r>
+              <a:rPr lang="en-GB" sz="1400" dirty="0">
+                <a:latin typeface="Consolas" panose="020B0609020204030204" pitchFamily="49" charset="0"/>
+                <a:cs typeface="Consolas" panose="020B0609020204030204" pitchFamily="49" charset="0"/>
+              </a:rPr>
+              <a:t>  void (*write)(char);</a:t>
+            </a:r>
+          </a:p>
+          <a:p>
+            <a:pPr marL="0" indent="0">
+              <a:buNone/>
+            </a:pPr>
+            <a:r>
+              <a:rPr lang="en-GB" sz="1400" dirty="0">
+                <a:latin typeface="Consolas" panose="020B0609020204030204" pitchFamily="49" charset="0"/>
+                <a:cs typeface="Consolas" panose="020B0609020204030204" pitchFamily="49" charset="0"/>
+              </a:rPr>
+              <a:t>  void (*seek)(long index, int mode);</a:t>
+            </a:r>
+          </a:p>
+          <a:p>
+            <a:pPr marL="0" indent="0">
+              <a:buNone/>
+            </a:pPr>
+            <a:r>
+              <a:rPr lang="en-GB" sz="1400" dirty="0">
+                <a:latin typeface="Consolas" panose="020B0609020204030204" pitchFamily="49" charset="0"/>
+                <a:cs typeface="Consolas" panose="020B0609020204030204" pitchFamily="49" charset="0"/>
+              </a:rPr>
+              <a:t>};</a:t>
+            </a:r>
+          </a:p>
+        </p:txBody>
+      </p:sp>
+      <p:sp>
+        <p:nvSpPr>
+          <p:cNvPr id="4" name="Slide Number Placeholder 3">
+            <a:extLst>
+              <a:ext uri="{FF2B5EF4-FFF2-40B4-BE49-F238E27FC236}">
+                <a16:creationId xmlns:a16="http://schemas.microsoft.com/office/drawing/2014/main" id="{6855C1AD-B484-F647-A36B-1930BA7428AB}"/>
+              </a:ext>
+            </a:extLst>
+          </p:cNvPr>
+          <p:cNvSpPr>
+            <a:spLocks noGrp="1"/>
+          </p:cNvSpPr>
+          <p:nvPr>
+            <p:ph type="sldNum" sz="quarter" idx="12"/>
+          </p:nvPr>
+        </p:nvSpPr>
+        <p:spPr/>
+        <p:txBody>
+          <a:bodyPr/>
+          <a:lstStyle/>
+          <a:p>
+            <a:fld id="{D2040F39-7941-49A4-B48D-F201B18B6351}" type="slidenum">
+              <a:rPr lang="it-IT" smtClean="0"/>
+              <a:pPr/>
+              <a:t>32</a:t>
+            </a:fld>
+            <a:endParaRPr lang="it-IT" dirty="0"/>
+          </a:p>
+        </p:txBody>
+      </p:sp>
+    </p:spTree>
+    <p:extLst>
+      <p:ext uri="{BB962C8B-B14F-4D97-AF65-F5344CB8AC3E}">
+        <p14:creationId xmlns:p14="http://schemas.microsoft.com/office/powerpoint/2010/main" val="3584654155"/>
+      </p:ext>
+    </p:extLst>
+  </p:cSld>
+  <p:clrMapOvr>
+    <a:masterClrMapping/>
+  </p:clrMapOvr>
+</p:sld>
+</file>
+
+<file path=ppt/slides/slide33.xml><?xml version="1.0" encoding="utf-8"?>
+<p:sld xmlns:a="http://schemas.openxmlformats.org/drawingml/2006/main" xmlns:r="http://schemas.openxmlformats.org/officeDocument/2006/relationships" xmlns:p="http://schemas.openxmlformats.org/presentationml/2006/main">
+  <p:cSld>
+    <p:spTree>
+      <p:nvGrpSpPr>
+        <p:cNvPr id="1" name=""/>
+        <p:cNvGrpSpPr/>
+        <p:nvPr/>
+      </p:nvGrpSpPr>
+      <p:grpSpPr>
+        <a:xfrm>
+          <a:off x="0" y="0"/>
+          <a:ext cx="0" cy="0"/>
+          <a:chOff x="0" y="0"/>
+          <a:chExt cx="0" cy="0"/>
+        </a:xfrm>
+      </p:grpSpPr>
+      <p:sp>
+        <p:nvSpPr>
+          <p:cNvPr id="9" name="Title 8">
+            <a:extLst>
+              <a:ext uri="{FF2B5EF4-FFF2-40B4-BE49-F238E27FC236}">
+                <a16:creationId xmlns:a16="http://schemas.microsoft.com/office/drawing/2014/main" id="{6D178F5B-EA92-724B-A457-8A1DECE4098C}"/>
+              </a:ext>
+            </a:extLst>
+          </p:cNvPr>
+          <p:cNvSpPr>
+            <a:spLocks noGrp="1"/>
+          </p:cNvSpPr>
+          <p:nvPr>
+            <p:ph type="title"/>
+          </p:nvPr>
+        </p:nvSpPr>
+        <p:spPr/>
+        <p:txBody>
+          <a:bodyPr/>
+          <a:lstStyle/>
+          <a:p>
+            <a:r>
+              <a:rPr lang="en-IT" dirty="0"/>
+              <a:t>So What?</a:t>
+            </a:r>
+          </a:p>
+        </p:txBody>
+      </p:sp>
+      <p:sp>
+        <p:nvSpPr>
+          <p:cNvPr id="4" name="Slide Number Placeholder 3">
+            <a:extLst>
+              <a:ext uri="{FF2B5EF4-FFF2-40B4-BE49-F238E27FC236}">
+                <a16:creationId xmlns:a16="http://schemas.microsoft.com/office/drawing/2014/main" id="{5DFA67C2-2A04-F94B-B6D5-F209EE28F4FA}"/>
+              </a:ext>
+            </a:extLst>
+          </p:cNvPr>
+          <p:cNvSpPr>
+            <a:spLocks noGrp="1"/>
+          </p:cNvSpPr>
+          <p:nvPr>
+            <p:ph type="sldNum" sz="quarter" idx="12"/>
+          </p:nvPr>
+        </p:nvSpPr>
+        <p:spPr/>
+        <p:txBody>
+          <a:bodyPr/>
+          <a:lstStyle/>
+          <a:p>
+            <a:fld id="{D2040F39-7941-49A4-B48D-F201B18B6351}" type="slidenum">
+              <a:rPr lang="it-IT" smtClean="0"/>
+              <a:pPr/>
+              <a:t>33</a:t>
+            </a:fld>
+            <a:endParaRPr lang="it-IT" dirty="0"/>
+          </a:p>
+        </p:txBody>
+      </p:sp>
+      <p:sp>
+        <p:nvSpPr>
+          <p:cNvPr id="13" name="Content Placeholder 12">
+            <a:extLst>
+              <a:ext uri="{FF2B5EF4-FFF2-40B4-BE49-F238E27FC236}">
+                <a16:creationId xmlns:a16="http://schemas.microsoft.com/office/drawing/2014/main" id="{95F4A739-7DD9-7445-B4A1-B930DB6B3802}"/>
+              </a:ext>
+            </a:extLst>
+          </p:cNvPr>
+          <p:cNvSpPr>
+            <a:spLocks noGrp="1"/>
+          </p:cNvSpPr>
+          <p:nvPr>
+            <p:ph sz="half" idx="1"/>
+          </p:nvPr>
+        </p:nvSpPr>
+        <p:spPr/>
+        <p:txBody>
+          <a:bodyPr>
+            <a:normAutofit fontScale="85000" lnSpcReduction="20000"/>
+          </a:bodyPr>
+          <a:lstStyle/>
+          <a:p>
+            <a:r>
+              <a:rPr lang="en-GB" dirty="0"/>
+              <a:t>OO is the ability, through the use of polymorphism, to gain absolute control over every source code dependency in the system. </a:t>
+            </a:r>
+          </a:p>
+          <a:p>
+            <a:r>
+              <a:rPr lang="en-GB" dirty="0"/>
+              <a:t>It allows the architect to create a plugin architecture, in which modules that contain high-level policies are independent of modules that contain low-level details. </a:t>
+            </a:r>
+          </a:p>
+          <a:p>
+            <a:r>
+              <a:rPr lang="en-GB" dirty="0"/>
+              <a:t>The low-level details are relegated to plugin modules that can be deployed and developed independently from the modules that contain high-level policies. </a:t>
+            </a:r>
+          </a:p>
+          <a:p>
+            <a:pPr marL="0" indent="0">
+              <a:buNone/>
+            </a:pPr>
+            <a:endParaRPr lang="en-IT" dirty="0"/>
+          </a:p>
+        </p:txBody>
+      </p:sp>
+      <p:pic>
+        <p:nvPicPr>
+          <p:cNvPr id="14" name="Content Placeholder 5">
+            <a:extLst>
+              <a:ext uri="{FF2B5EF4-FFF2-40B4-BE49-F238E27FC236}">
+                <a16:creationId xmlns:a16="http://schemas.microsoft.com/office/drawing/2014/main" id="{93C22326-2436-FA45-82ED-F54A320AA3A0}"/>
+              </a:ext>
+            </a:extLst>
+          </p:cNvPr>
+          <p:cNvPicPr>
+            <a:picLocks noChangeAspect="1"/>
+          </p:cNvPicPr>
+          <p:nvPr/>
+        </p:nvPicPr>
+        <p:blipFill>
+          <a:blip r:embed="rId2">
+            <a:extLst>
+              <a:ext uri="{28A0092B-C50C-407E-A947-70E740481C1C}">
+                <a14:useLocalDpi xmlns:a14="http://schemas.microsoft.com/office/drawing/2010/main" val="0"/>
+              </a:ext>
+            </a:extLst>
+          </a:blip>
+          <a:stretch>
+            <a:fillRect/>
+          </a:stretch>
+        </p:blipFill>
+        <p:spPr>
+          <a:xfrm>
+            <a:off x="6197600" y="1600201"/>
+            <a:ext cx="5384800" cy="2592935"/>
+          </a:xfrm>
+          <a:prstGeom prst="rect">
+            <a:avLst/>
+          </a:prstGeom>
+        </p:spPr>
+      </p:pic>
+      <p:pic>
+        <p:nvPicPr>
+          <p:cNvPr id="15" name="Picture 14">
+            <a:extLst>
+              <a:ext uri="{FF2B5EF4-FFF2-40B4-BE49-F238E27FC236}">
+                <a16:creationId xmlns:a16="http://schemas.microsoft.com/office/drawing/2014/main" id="{DB0655E5-68B1-5841-8E0A-5AD8F38BE0EC}"/>
+              </a:ext>
+            </a:extLst>
+          </p:cNvPr>
+          <p:cNvPicPr>
+            <a:picLocks noChangeAspect="1"/>
+          </p:cNvPicPr>
+          <p:nvPr/>
+        </p:nvPicPr>
+        <p:blipFill>
+          <a:blip r:embed="rId3">
+            <a:extLst>
+              <a:ext uri="{28A0092B-C50C-407E-A947-70E740481C1C}">
+                <a14:useLocalDpi xmlns:a14="http://schemas.microsoft.com/office/drawing/2010/main" val="0"/>
+              </a:ext>
+            </a:extLst>
+          </a:blip>
+          <a:stretch>
+            <a:fillRect/>
+          </a:stretch>
+        </p:blipFill>
+        <p:spPr>
+          <a:xfrm>
+            <a:off x="7075266" y="4333488"/>
+            <a:ext cx="3629467" cy="1888860"/>
+          </a:xfrm>
+          <a:prstGeom prst="rect">
+            <a:avLst/>
+          </a:prstGeom>
+        </p:spPr>
+      </p:pic>
+    </p:spTree>
+    <p:extLst>
+      <p:ext uri="{BB962C8B-B14F-4D97-AF65-F5344CB8AC3E}">
+        <p14:creationId xmlns:p14="http://schemas.microsoft.com/office/powerpoint/2010/main" val="3202176058"/>
+      </p:ext>
+    </p:extLst>
+  </p:cSld>
+  <p:clrMapOvr>
+    <a:masterClrMapping/>
+  </p:clrMapOvr>
+</p:sld>
+</file>
+
+<file path=ppt/slides/slide34.xml><?xml version="1.0" encoding="utf-8"?>
+<p:sld xmlns:a="http://schemas.openxmlformats.org/drawingml/2006/main" xmlns:r="http://schemas.openxmlformats.org/officeDocument/2006/relationships" xmlns:p="http://schemas.openxmlformats.org/presentationml/2006/main">
+  <p:cSld>
+    <p:spTree>
+      <p:nvGrpSpPr>
+        <p:cNvPr id="1" name=""/>
+        <p:cNvGrpSpPr/>
+        <p:nvPr/>
+      </p:nvGrpSpPr>
+      <p:grpSpPr>
+        <a:xfrm>
+          <a:off x="0" y="0"/>
+          <a:ext cx="0" cy="0"/>
+          <a:chOff x="0" y="0"/>
+          <a:chExt cx="0" cy="0"/>
+        </a:xfrm>
+      </p:grpSpPr>
+      <p:sp>
+        <p:nvSpPr>
+          <p:cNvPr id="2" name="Titolo 1"/>
+          <p:cNvSpPr>
+            <a:spLocks noGrp="1"/>
+          </p:cNvSpPr>
+          <p:nvPr>
+            <p:ph type="title"/>
+          </p:nvPr>
+        </p:nvSpPr>
+        <p:spPr/>
+        <p:txBody>
+          <a:bodyPr/>
+          <a:lstStyle/>
+          <a:p>
+            <a:r>
+              <a:rPr lang="it-IT" dirty="0" err="1"/>
+              <a:t>Advantages</a:t>
+            </a:r>
+            <a:r>
+              <a:rPr lang="it-IT" dirty="0"/>
+              <a:t> of OOP</a:t>
+            </a:r>
+          </a:p>
+        </p:txBody>
+      </p:sp>
+      <p:sp>
+        <p:nvSpPr>
+          <p:cNvPr id="4" name="Segnaposto contenuto 3"/>
+          <p:cNvSpPr>
+            <a:spLocks noGrp="1"/>
+          </p:cNvSpPr>
+          <p:nvPr>
+            <p:ph idx="1"/>
+          </p:nvPr>
+        </p:nvSpPr>
+        <p:spPr/>
+        <p:txBody>
+          <a:bodyPr>
+            <a:normAutofit lnSpcReduction="10000"/>
+          </a:bodyPr>
+          <a:lstStyle/>
+          <a:p>
+            <a:r>
+              <a:rPr lang="it-IT" dirty="0">
+                <a:solidFill>
+                  <a:schemeClr val="accent6">
+                    <a:lumMod val="75000"/>
+                  </a:schemeClr>
+                </a:solidFill>
+              </a:rPr>
+              <a:t>Cooperative </a:t>
+            </a:r>
+            <a:r>
+              <a:rPr lang="it-IT" dirty="0" err="1">
+                <a:solidFill>
+                  <a:schemeClr val="accent6">
+                    <a:lumMod val="75000"/>
+                  </a:schemeClr>
+                </a:solidFill>
+              </a:rPr>
+              <a:t>development</a:t>
+            </a:r>
+            <a:r>
+              <a:rPr lang="it-IT" dirty="0">
+                <a:solidFill>
+                  <a:schemeClr val="accent6">
+                    <a:lumMod val="75000"/>
+                  </a:schemeClr>
+                </a:solidFill>
+              </a:rPr>
+              <a:t> </a:t>
+            </a:r>
+          </a:p>
+          <a:p>
+            <a:pPr lvl="1"/>
+            <a:r>
+              <a:rPr lang="it-IT" dirty="0" err="1"/>
+              <a:t>Different</a:t>
+            </a:r>
+            <a:r>
+              <a:rPr lang="it-IT" dirty="0"/>
+              <a:t> </a:t>
+            </a:r>
+            <a:r>
+              <a:rPr lang="it-IT" dirty="0" err="1"/>
+              <a:t>people</a:t>
+            </a:r>
+            <a:r>
+              <a:rPr lang="it-IT" dirty="0"/>
+              <a:t> </a:t>
+            </a:r>
+            <a:r>
+              <a:rPr lang="it-IT" dirty="0" err="1"/>
+              <a:t>working</a:t>
+            </a:r>
+            <a:r>
+              <a:rPr lang="it-IT" dirty="0"/>
+              <a:t> on </a:t>
+            </a:r>
+            <a:r>
+              <a:rPr lang="it-IT" dirty="0" err="1"/>
+              <a:t>different</a:t>
+            </a:r>
+            <a:r>
+              <a:rPr lang="it-IT" dirty="0"/>
+              <a:t> </a:t>
+            </a:r>
+            <a:r>
+              <a:rPr lang="it-IT" dirty="0" err="1"/>
+              <a:t>classes</a:t>
+            </a:r>
+            <a:endParaRPr lang="it-IT" dirty="0"/>
+          </a:p>
+          <a:p>
+            <a:r>
+              <a:rPr lang="it-IT" dirty="0" err="1">
+                <a:solidFill>
+                  <a:srgbClr val="E46C0A"/>
+                </a:solidFill>
+              </a:rPr>
+              <a:t>Incremental</a:t>
+            </a:r>
+            <a:r>
+              <a:rPr lang="it-IT" dirty="0">
+                <a:solidFill>
+                  <a:srgbClr val="E46C0A"/>
+                </a:solidFill>
+              </a:rPr>
+              <a:t> design and </a:t>
+            </a:r>
+            <a:r>
+              <a:rPr lang="it-IT" dirty="0" err="1">
+                <a:solidFill>
+                  <a:srgbClr val="E46C0A"/>
+                </a:solidFill>
+              </a:rPr>
+              <a:t>development</a:t>
+            </a:r>
+            <a:endParaRPr lang="it-IT" dirty="0">
+              <a:solidFill>
+                <a:srgbClr val="E46C0A"/>
+              </a:solidFill>
+            </a:endParaRPr>
+          </a:p>
+          <a:p>
+            <a:pPr lvl="1"/>
+            <a:r>
+              <a:rPr lang="it-IT" dirty="0" err="1"/>
+              <a:t>Define</a:t>
+            </a:r>
+            <a:r>
+              <a:rPr lang="it-IT" dirty="0"/>
+              <a:t> new </a:t>
+            </a:r>
+            <a:r>
+              <a:rPr lang="it-IT" dirty="0" err="1"/>
+              <a:t>classes</a:t>
+            </a:r>
+            <a:r>
+              <a:rPr lang="it-IT" dirty="0"/>
+              <a:t> by </a:t>
+            </a:r>
+            <a:r>
+              <a:rPr lang="it-IT" dirty="0" err="1"/>
+              <a:t>extending</a:t>
+            </a:r>
+            <a:r>
+              <a:rPr lang="it-IT" dirty="0"/>
+              <a:t> the </a:t>
+            </a:r>
+            <a:r>
+              <a:rPr lang="it-IT" dirty="0" err="1"/>
+              <a:t>exsisting</a:t>
+            </a:r>
+            <a:r>
+              <a:rPr lang="it-IT" dirty="0"/>
+              <a:t> </a:t>
+            </a:r>
+            <a:r>
+              <a:rPr lang="it-IT" dirty="0" err="1"/>
+              <a:t>ones</a:t>
+            </a:r>
+            <a:r>
+              <a:rPr lang="it-IT" dirty="0"/>
+              <a:t> </a:t>
+            </a:r>
+          </a:p>
+          <a:p>
+            <a:r>
+              <a:rPr lang="it-IT" dirty="0">
+                <a:solidFill>
+                  <a:srgbClr val="E46C0A"/>
+                </a:solidFill>
+              </a:rPr>
+              <a:t>Code management</a:t>
+            </a:r>
+          </a:p>
+          <a:p>
+            <a:pPr lvl="1"/>
+            <a:r>
+              <a:rPr lang="it-IT" dirty="0"/>
+              <a:t>Bugs on </a:t>
+            </a:r>
+            <a:r>
+              <a:rPr lang="it-IT" dirty="0" err="1"/>
+              <a:t>object</a:t>
+            </a:r>
+            <a:r>
+              <a:rPr lang="it-IT" dirty="0"/>
+              <a:t> data are easy to spot. </a:t>
+            </a:r>
+            <a:r>
+              <a:rPr lang="it-IT" dirty="0" err="1"/>
+              <a:t>Since</a:t>
+            </a:r>
+            <a:r>
+              <a:rPr lang="it-IT" dirty="0"/>
+              <a:t> data are </a:t>
+            </a:r>
+            <a:r>
+              <a:rPr lang="it-IT" dirty="0" err="1"/>
+              <a:t>not</a:t>
+            </a:r>
+            <a:r>
+              <a:rPr lang="it-IT" dirty="0"/>
+              <a:t> </a:t>
+            </a:r>
+            <a:r>
+              <a:rPr lang="it-IT" dirty="0" err="1"/>
+              <a:t>visible</a:t>
+            </a:r>
+            <a:r>
+              <a:rPr lang="it-IT" dirty="0"/>
+              <a:t> from the </a:t>
+            </a:r>
+            <a:r>
+              <a:rPr lang="it-IT" dirty="0" err="1"/>
+              <a:t>outside</a:t>
+            </a:r>
+            <a:r>
+              <a:rPr lang="it-IT" dirty="0"/>
+              <a:t>, </a:t>
+            </a:r>
+            <a:r>
+              <a:rPr lang="it-IT" dirty="0" err="1"/>
+              <a:t>errors</a:t>
+            </a:r>
+            <a:r>
+              <a:rPr lang="it-IT" dirty="0"/>
+              <a:t> </a:t>
+            </a:r>
+            <a:r>
+              <a:rPr lang="it-IT" dirty="0" err="1"/>
+              <a:t>mostly</a:t>
+            </a:r>
+            <a:r>
+              <a:rPr lang="it-IT" dirty="0"/>
+              <a:t> </a:t>
+            </a:r>
+            <a:r>
+              <a:rPr lang="it-IT" dirty="0" err="1"/>
+              <a:t>occurs</a:t>
+            </a:r>
+            <a:r>
+              <a:rPr lang="it-IT" dirty="0"/>
+              <a:t> in the </a:t>
+            </a:r>
+            <a:r>
+              <a:rPr lang="it-IT" dirty="0" err="1"/>
+              <a:t>object</a:t>
+            </a:r>
+            <a:r>
+              <a:rPr lang="it-IT" dirty="0"/>
+              <a:t> </a:t>
+            </a:r>
+            <a:r>
+              <a:rPr lang="it-IT" dirty="0" err="1"/>
+              <a:t>handling</a:t>
+            </a:r>
+            <a:r>
+              <a:rPr lang="it-IT" dirty="0"/>
+              <a:t> the data </a:t>
+            </a:r>
+          </a:p>
+          <a:p>
+            <a:pPr lvl="1"/>
+            <a:r>
+              <a:rPr lang="it-IT" dirty="0" err="1"/>
+              <a:t>Changes</a:t>
+            </a:r>
+            <a:r>
+              <a:rPr lang="it-IT" dirty="0"/>
+              <a:t> on a </a:t>
+            </a:r>
+            <a:r>
+              <a:rPr lang="it-IT" dirty="0" err="1"/>
+              <a:t>specific</a:t>
+            </a:r>
+            <a:r>
+              <a:rPr lang="it-IT" dirty="0"/>
+              <a:t> </a:t>
+            </a:r>
+            <a:r>
+              <a:rPr lang="it-IT" dirty="0" err="1"/>
+              <a:t>class</a:t>
+            </a:r>
+            <a:r>
+              <a:rPr lang="it-IT" dirty="0"/>
+              <a:t> do </a:t>
+            </a:r>
+            <a:r>
+              <a:rPr lang="it-IT" dirty="0" err="1"/>
+              <a:t>not</a:t>
+            </a:r>
+            <a:r>
+              <a:rPr lang="it-IT" dirty="0"/>
+              <a:t> impact </a:t>
+            </a:r>
+            <a:r>
+              <a:rPr lang="it-IT" dirty="0" err="1"/>
+              <a:t>other</a:t>
+            </a:r>
+            <a:r>
+              <a:rPr lang="it-IT" dirty="0"/>
+              <a:t> </a:t>
+            </a:r>
+            <a:r>
+              <a:rPr lang="it-IT" dirty="0" err="1"/>
+              <a:t>classes</a:t>
+            </a:r>
+            <a:r>
+              <a:rPr lang="it-IT" dirty="0"/>
+              <a:t> (</a:t>
+            </a:r>
+            <a:r>
+              <a:rPr lang="it-IT" dirty="0" err="1"/>
+              <a:t>unless</a:t>
+            </a:r>
+            <a:r>
+              <a:rPr lang="it-IT" dirty="0"/>
+              <a:t> </a:t>
+            </a:r>
+            <a:r>
+              <a:rPr lang="it-IT" dirty="0" err="1"/>
+              <a:t>external</a:t>
+            </a:r>
+            <a:r>
+              <a:rPr lang="it-IT" dirty="0"/>
+              <a:t> </a:t>
+            </a:r>
+            <a:r>
+              <a:rPr lang="it-IT" dirty="0" err="1"/>
+              <a:t>interface</a:t>
+            </a:r>
+            <a:r>
+              <a:rPr lang="it-IT" dirty="0"/>
+              <a:t> </a:t>
+            </a:r>
+            <a:r>
+              <a:rPr lang="it-IT" dirty="0" err="1"/>
+              <a:t>is</a:t>
+            </a:r>
+            <a:r>
+              <a:rPr lang="it-IT" dirty="0"/>
+              <a:t> </a:t>
+            </a:r>
+            <a:r>
+              <a:rPr lang="it-IT" dirty="0" err="1"/>
+              <a:t>modified</a:t>
+            </a:r>
+            <a:r>
+              <a:rPr lang="it-IT" dirty="0"/>
+              <a:t>)</a:t>
+            </a:r>
+          </a:p>
+          <a:p>
+            <a:pPr lvl="1"/>
+            <a:endParaRPr lang="it-IT" dirty="0"/>
+          </a:p>
+          <a:p>
+            <a:pPr lvl="1"/>
+            <a:endParaRPr lang="it-IT" dirty="0"/>
+          </a:p>
+        </p:txBody>
+      </p:sp>
+      <p:sp>
+        <p:nvSpPr>
+          <p:cNvPr id="3" name="Segnaposto numero diapositiva 2"/>
+          <p:cNvSpPr>
+            <a:spLocks noGrp="1"/>
+          </p:cNvSpPr>
+          <p:nvPr>
+            <p:ph type="sldNum" sz="quarter" idx="12"/>
+          </p:nvPr>
+        </p:nvSpPr>
+        <p:spPr/>
+        <p:txBody>
+          <a:bodyPr/>
+          <a:lstStyle/>
+          <a:p>
+            <a:fld id="{D2040F39-7941-49A4-B48D-F201B18B6351}" type="slidenum">
+              <a:rPr lang="it-IT" smtClean="0"/>
+              <a:pPr/>
+              <a:t>34</a:t>
+            </a:fld>
+            <a:endParaRPr lang="it-IT"/>
+          </a:p>
+        </p:txBody>
+      </p:sp>
+    </p:spTree>
+    <p:extLst>
+      <p:ext uri="{BB962C8B-B14F-4D97-AF65-F5344CB8AC3E}">
+        <p14:creationId xmlns:p14="http://schemas.microsoft.com/office/powerpoint/2010/main" val="1567186671"/>
+      </p:ext>
+    </p:extLst>
+  </p:cSld>
+  <p:clrMapOvr>
+    <a:masterClrMapping/>
+  </p:clrMapOvr>
+</p:sld>
+</file>
+
+<file path=ppt/slides/slide35.xml><?xml version="1.0" encoding="utf-8"?>
+<p:sld xmlns:a="http://schemas.openxmlformats.org/drawingml/2006/main" xmlns:r="http://schemas.openxmlformats.org/officeDocument/2006/relationships" xmlns:p="http://schemas.openxmlformats.org/presentationml/2006/main">
+  <p:cSld>
+    <p:spTree>
+      <p:nvGrpSpPr>
+        <p:cNvPr id="1" name=""/>
+        <p:cNvGrpSpPr/>
+        <p:nvPr/>
+      </p:nvGrpSpPr>
+      <p:grpSpPr>
+        <a:xfrm>
+          <a:off x="0" y="0"/>
+          <a:ext cx="0" cy="0"/>
+          <a:chOff x="0" y="0"/>
+          <a:chExt cx="0" cy="0"/>
+        </a:xfrm>
+      </p:grpSpPr>
+      <p:sp>
+        <p:nvSpPr>
           <p:cNvPr id="72706" name="Rectangle 2"/>
           <p:cNvSpPr>
             <a:spLocks noGrp="1" noChangeArrowheads="1"/>
@@ -11323,7 +13547,7 @@
           <a:p>
             <a:pPr eaLnBrk="1" hangingPunct="1"/>
             <a:r>
-              <a:rPr lang="it-IT" dirty="0" err="1">
+              <a:rPr lang="it-IT" sz="2800" dirty="0" err="1">
                 <a:solidFill>
                   <a:schemeClr val="accent6">
                     <a:lumMod val="75000"/>
@@ -11333,7 +13557,7 @@
               <a:t>Needs</a:t>
             </a:r>
             <a:r>
-              <a:rPr lang="it-IT" dirty="0">
+              <a:rPr lang="it-IT" sz="2800" dirty="0">
                 <a:solidFill>
                   <a:schemeClr val="accent6">
                     <a:lumMod val="75000"/>
@@ -11343,7 +13567,7 @@
               <a:t> a Object </a:t>
             </a:r>
             <a:r>
-              <a:rPr lang="it-IT" dirty="0" err="1">
+              <a:rPr lang="it-IT" sz="2800" dirty="0" err="1">
                 <a:solidFill>
                   <a:schemeClr val="accent6">
                     <a:lumMod val="75000"/>
@@ -11353,7 +13577,7 @@
               <a:t>Oriented</a:t>
             </a:r>
             <a:r>
-              <a:rPr lang="it-IT" dirty="0">
+              <a:rPr lang="it-IT" sz="2800" dirty="0">
                 <a:solidFill>
                   <a:schemeClr val="accent6">
                     <a:lumMod val="75000"/>
@@ -11363,7 +13587,7 @@
               <a:t> way of </a:t>
             </a:r>
             <a:r>
-              <a:rPr lang="it-IT" dirty="0" err="1">
+              <a:rPr lang="it-IT" sz="2800" dirty="0" err="1">
                 <a:solidFill>
                   <a:schemeClr val="accent6">
                     <a:lumMod val="75000"/>
@@ -11372,7 +13596,7 @@
               </a:rPr>
               <a:t>thinking</a:t>
             </a:r>
-            <a:endParaRPr lang="it-IT" dirty="0">
+            <a:endParaRPr lang="it-IT" sz="2800" dirty="0">
               <a:solidFill>
                 <a:schemeClr val="accent6">
                   <a:lumMod val="75000"/>
@@ -11382,7 +13606,7 @@
           </a:p>
           <a:p>
             <a:r>
-              <a:rPr lang="it-IT" dirty="0" err="1">
+              <a:rPr lang="it-IT" sz="2800" dirty="0" err="1">
                 <a:solidFill>
                   <a:schemeClr val="accent6">
                     <a:lumMod val="75000"/>
@@ -11392,7 +13616,7 @@
               <a:t>Complex</a:t>
             </a:r>
             <a:r>
-              <a:rPr lang="it-IT" dirty="0">
+              <a:rPr lang="it-IT" sz="2800" dirty="0">
                 <a:solidFill>
                   <a:schemeClr val="accent6">
                     <a:lumMod val="75000"/>
@@ -11402,45 +13626,45 @@
               <a:t> design </a:t>
             </a:r>
             <a:r>
-              <a:rPr lang="it-IT" dirty="0"/>
+              <a:rPr lang="it-IT" sz="2800" dirty="0"/>
               <a:t>(e.g., </a:t>
             </a:r>
             <a:r>
-              <a:rPr lang="it-IT" dirty="0" err="1"/>
+              <a:rPr lang="it-IT" sz="2800" dirty="0" err="1"/>
               <a:t>Which</a:t>
             </a:r>
             <a:r>
-              <a:rPr lang="it-IT" dirty="0"/>
+              <a:rPr lang="it-IT" sz="2800" dirty="0"/>
               <a:t> </a:t>
             </a:r>
             <a:r>
-              <a:rPr lang="it-IT" dirty="0" err="1"/>
+              <a:rPr lang="it-IT" sz="2800" dirty="0" err="1"/>
               <a:t>classes</a:t>
             </a:r>
             <a:r>
-              <a:rPr lang="it-IT" dirty="0"/>
+              <a:rPr lang="it-IT" sz="2800" dirty="0"/>
               <a:t>?, How </a:t>
             </a:r>
             <a:r>
-              <a:rPr lang="it-IT" dirty="0" err="1"/>
+              <a:rPr lang="it-IT" sz="2800" dirty="0" err="1"/>
               <a:t>many</a:t>
             </a:r>
             <a:r>
-              <a:rPr lang="it-IT" dirty="0"/>
+              <a:rPr lang="it-IT" sz="2800" dirty="0"/>
               <a:t> </a:t>
             </a:r>
             <a:r>
-              <a:rPr lang="it-IT" dirty="0" err="1"/>
+              <a:rPr lang="it-IT" sz="2800" dirty="0" err="1"/>
               <a:t>classes</a:t>
             </a:r>
             <a:r>
-              <a:rPr lang="it-IT" dirty="0"/>
+              <a:rPr lang="it-IT" sz="2800" dirty="0"/>
               <a:t>?)</a:t>
             </a:r>
           </a:p>
           <a:p>
             <a:r>
-              <a:rPr lang="en-US" dirty="0">
+              <a:rPr lang="en-US" sz="2800" dirty="0">
                 <a:solidFill>
                   <a:schemeClr val="accent6">
                     <a:lumMod val="75000"/>
@@ -11453,19 +13677,19 @@
           <a:p>
             <a:pPr lvl="1"/>
             <a:r>
-              <a:rPr lang="en-US" dirty="0"/>
-              <a:t>Programs &lt; 100 lines, spaghetti is understandable and faster to write</a:t>
+              <a:rPr lang="en-US" sz="2400" dirty="0"/>
+              <a:t>Programs &lt; 1K lines, spaghetti code is still understandable and fast to write</a:t>
             </a:r>
           </a:p>
           <a:p>
             <a:pPr lvl="1"/>
             <a:r>
-              <a:rPr lang="en-US" dirty="0"/>
-              <a:t>Programs &gt; 1K lines, spaghetti is incomprehensible, not maintainable</a:t>
-            </a:r>
-          </a:p>
-          <a:p>
-            <a:endParaRPr lang="it-IT" dirty="0"/>
+              <a:rPr lang="en-US" sz="2400" dirty="0"/>
+              <a:t>Programs &gt; 10K lines, spaghetti code is no more comprehensible and, thus, not maintainable</a:t>
+            </a:r>
+          </a:p>
+          <a:p>
+            <a:endParaRPr lang="it-IT" sz="2800" dirty="0"/>
           </a:p>
         </p:txBody>
       </p:sp>
@@ -11494,7 +13718,7 @@
             <a:fld id="{11DA8C90-8F23-42AC-87C7-16989F4327FF}" type="slidenum">
               <a:rPr lang="it-IT"/>
               <a:pPr/>
-              <a:t>31</a:t>
+              <a:t>35</a:t>
             </a:fld>
             <a:endParaRPr lang="it-IT"/>
           </a:p>
@@ -11514,7 +13738,7 @@
 </p:sld>
 </file>
 
-<file path=ppt/slides/slide32.xml><?xml version="1.0" encoding="utf-8"?>
+<file path=ppt/slides/slide36.xml><?xml version="1.0" encoding="utf-8"?>
 <p:sld xmlns:a="http://schemas.openxmlformats.org/drawingml/2006/main" xmlns:r="http://schemas.openxmlformats.org/officeDocument/2006/relationships" xmlns:p="http://schemas.openxmlformats.org/presentationml/2006/main">
   <p:cSld>
     <p:spTree>
@@ -11626,7 +13850,7 @@
             <a:fld id="{D2040F39-7941-49A4-B48D-F201B18B6351}" type="slidenum">
               <a:rPr lang="it-IT" smtClean="0"/>
               <a:pPr/>
-              <a:t>32</a:t>
+              <a:t>36</a:t>
             </a:fld>
             <a:endParaRPr lang="it-IT" dirty="0"/>
           </a:p>
@@ -11844,14 +14068,13 @@
           <a:lstStyle/>
           <a:p>
             <a:r>
+              <a:rPr lang="it-IT" dirty="0" err="1"/>
+              <a:t>Why</a:t>
+            </a:r>
+            <a:r>
               <a:rPr lang="it-IT" dirty="0"/>
-              <a:t>Software </a:t>
-            </a:r>
-            <a:r>
-              <a:rPr lang="it-IT" dirty="0" err="1"/>
-              <a:t>Size</a:t>
-            </a:r>
-            <a:endParaRPr lang="it-IT" dirty="0"/>
+              <a:t> OOP?</a:t>
+            </a:r>
           </a:p>
         </p:txBody>
       </p:sp>
@@ -12008,14 +14231,13 @@
           <a:lstStyle/>
           <a:p>
             <a:r>
+              <a:rPr lang="it-IT" dirty="0" err="1"/>
+              <a:t>Why</a:t>
+            </a:r>
+            <a:r>
               <a:rPr lang="it-IT" dirty="0"/>
-              <a:t>Software </a:t>
-            </a:r>
-            <a:r>
-              <a:rPr lang="it-IT" dirty="0" err="1"/>
-              <a:t>Size</a:t>
-            </a:r>
-            <a:endParaRPr lang="it-IT" dirty="0"/>
+              <a:t> OOP?</a:t>
+            </a:r>
           </a:p>
         </p:txBody>
       </p:sp>

--- a/java/slides/ppt/01 - Java From Functions to Objects.pptx
+++ b/java/slides/ppt/01 - Java From Functions to Objects.pptx
@@ -258,7 +258,7 @@
           <a:p>
             <a:fld id="{5591E39A-28E5-5D4D-B97C-ECEB96F19817}" type="datetimeFigureOut">
               <a:rPr lang="en-IT" smtClean="0"/>
-              <a:t>04/10/21</a:t>
+              <a:t>11/10/21</a:t>
             </a:fld>
             <a:endParaRPr lang="en-IT"/>
           </a:p>
@@ -437,7 +437,7 @@
             <a:fld id="{BAEB7694-8561-4BE2-948D-EDF7A201F8BB}" type="datetimeFigureOut">
               <a:rPr lang="it-IT" smtClean="0"/>
               <a:pPr/>
-              <a:t>04/10/21</a:t>
+              <a:t>11/10/21</a:t>
             </a:fld>
             <a:endParaRPr lang="it-IT"/>
           </a:p>
@@ -8300,8 +8300,8 @@
         </p:blipFill>
         <p:spPr>
           <a:xfrm>
-            <a:off x="2493422" y="1628800"/>
-            <a:ext cx="7205156" cy="4457590"/>
+            <a:off x="2268055" y="1500868"/>
+            <a:ext cx="7655890" cy="4736444"/>
           </a:xfrm>
         </p:spPr>
       </p:pic>
@@ -11285,11 +11285,46 @@
         </p:blipFill>
         <p:spPr>
           <a:xfrm>
-            <a:off x="3287688" y="1525530"/>
+            <a:off x="2711624" y="1513499"/>
             <a:ext cx="6768752" cy="5231886"/>
           </a:xfrm>
         </p:spPr>
       </p:pic>
+      <p:sp>
+        <p:nvSpPr>
+          <p:cNvPr id="5" name="TextBox 4">
+            <a:extLst>
+              <a:ext uri="{FF2B5EF4-FFF2-40B4-BE49-F238E27FC236}">
+                <a16:creationId xmlns:a16="http://schemas.microsoft.com/office/drawing/2014/main" id="{77B79B1A-0F01-1340-B8E5-DD8EAD85C837}"/>
+              </a:ext>
+            </a:extLst>
+          </p:cNvPr>
+          <p:cNvSpPr txBox="1"/>
+          <p:nvPr/>
+        </p:nvSpPr>
+        <p:spPr>
+          <a:xfrm>
+            <a:off x="7248128" y="1513499"/>
+            <a:ext cx="6179344" cy="369332"/>
+          </a:xfrm>
+          <a:prstGeom prst="rect">
+            <a:avLst/>
+          </a:prstGeom>
+          <a:noFill/>
+        </p:spPr>
+        <p:txBody>
+          <a:bodyPr wrap="square">
+            <a:spAutoFit/>
+          </a:bodyPr>
+          <a:lstStyle/>
+          <a:p>
+            <a:r>
+              <a:rPr lang="en-IT" dirty="0"/>
+              <a:t>https://www.youtube.com/watch?v=YqxeLodyyqA</a:t>
+            </a:r>
+          </a:p>
+        </p:txBody>
+      </p:sp>
     </p:spTree>
     <p:extLst>
       <p:ext uri="{BB962C8B-B14F-4D97-AF65-F5344CB8AC3E}">

--- a/java/slides/ppt/01 - Java From Functions to Objects.pptx
+++ b/java/slides/ppt/01 - Java From Functions to Objects.pptx
@@ -258,7 +258,7 @@
           <a:p>
             <a:fld id="{5591E39A-28E5-5D4D-B97C-ECEB96F19817}" type="datetimeFigureOut">
               <a:rPr lang="en-IT" smtClean="0"/>
-              <a:t>11/10/21</a:t>
+              <a:t>14/10/21</a:t>
             </a:fld>
             <a:endParaRPr lang="en-IT"/>
           </a:p>
@@ -437,7 +437,7 @@
             <a:fld id="{BAEB7694-8561-4BE2-948D-EDF7A201F8BB}" type="datetimeFigureOut">
               <a:rPr lang="it-IT" smtClean="0"/>
               <a:pPr/>
-              <a:t>11/10/21</a:t>
+              <a:t>14/10/21</a:t>
             </a:fld>
             <a:endParaRPr lang="it-IT"/>
           </a:p>
@@ -13944,7 +13944,7 @@
           <a:p>
             <a:r>
               <a:rPr lang="en-IT" dirty="0"/>
-              <a:t>The Future</a:t>
+              <a:t>The Future?</a:t>
             </a:r>
           </a:p>
         </p:txBody>

--- a/java/slides/ppt/01 - Java From Functions to Objects.pptx
+++ b/java/slides/ppt/01 - Java From Functions to Objects.pptx
@@ -258,7 +258,7 @@
           <a:p>
             <a:fld id="{5591E39A-28E5-5D4D-B97C-ECEB96F19817}" type="datetimeFigureOut">
               <a:rPr lang="en-IT" smtClean="0"/>
-              <a:t>14/10/21</a:t>
+              <a:t>10/02/22</a:t>
             </a:fld>
             <a:endParaRPr lang="en-IT"/>
           </a:p>
@@ -437,7 +437,7 @@
             <a:fld id="{BAEB7694-8561-4BE2-948D-EDF7A201F8BB}" type="datetimeFigureOut">
               <a:rPr lang="it-IT" smtClean="0"/>
               <a:pPr/>
-              <a:t>14/10/21</a:t>
+              <a:t>10/02/22</a:t>
             </a:fld>
             <a:endParaRPr lang="it-IT"/>
           </a:p>
@@ -10548,7 +10548,7 @@
         <p:spPr/>
         <p:txBody>
           <a:bodyPr>
-            <a:normAutofit fontScale="92500" lnSpcReduction="20000"/>
+            <a:normAutofit fontScale="85000" lnSpcReduction="20000"/>
           </a:bodyPr>
           <a:lstStyle/>
           <a:p>
@@ -10883,6 +10883,15 @@
               </a:rPr>
               <a:t>}</a:t>
             </a:r>
+          </a:p>
+          <a:p>
+            <a:pPr marL="0" indent="0">
+              <a:buNone/>
+            </a:pPr>
+            <a:endParaRPr lang="en-GB" sz="1400" dirty="0">
+              <a:latin typeface="Consolas" panose="020B0609020204030204" pitchFamily="49" charset="0"/>
+              <a:cs typeface="Consolas" panose="020B0609020204030204" pitchFamily="49" charset="0"/>
+            </a:endParaRPr>
           </a:p>
           <a:p>
             <a:pPr marL="0" indent="0">
@@ -12017,7 +12026,12 @@
             <p:ph sz="half" idx="2"/>
           </p:nvPr>
         </p:nvSpPr>
-        <p:spPr/>
+        <p:spPr>
+          <a:xfrm>
+            <a:off x="6197600" y="1600201"/>
+            <a:ext cx="5994400" cy="4525963"/>
+          </a:xfrm>
+        </p:spPr>
         <p:txBody>
           <a:bodyPr>
             <a:noAutofit/>
@@ -12028,21 +12042,21 @@
               <a:buNone/>
             </a:pPr>
             <a:r>
-              <a:rPr lang="en-GB" sz="1400" dirty="0">
+              <a:rPr lang="en-GB" sz="1600" dirty="0">
                 <a:latin typeface="Consolas" panose="020B0609020204030204" pitchFamily="49" charset="0"/>
                 <a:cs typeface="Consolas" panose="020B0609020204030204" pitchFamily="49" charset="0"/>
               </a:rPr>
               <a:t>#include "</a:t>
             </a:r>
             <a:r>
-              <a:rPr lang="en-GB" sz="1400" dirty="0" err="1">
+              <a:rPr lang="en-GB" sz="1600" dirty="0" err="1">
                 <a:latin typeface="Consolas" panose="020B0609020204030204" pitchFamily="49" charset="0"/>
                 <a:cs typeface="Consolas" panose="020B0609020204030204" pitchFamily="49" charset="0"/>
               </a:rPr>
               <a:t>point.h</a:t>
             </a:r>
             <a:r>
-              <a:rPr lang="en-GB" sz="1400" dirty="0">
+              <a:rPr lang="en-GB" sz="1600" dirty="0">
                 <a:latin typeface="Consolas" panose="020B0609020204030204" pitchFamily="49" charset="0"/>
                 <a:cs typeface="Consolas" panose="020B0609020204030204" pitchFamily="49" charset="0"/>
               </a:rPr>
@@ -12054,21 +12068,21 @@
               <a:buNone/>
             </a:pPr>
             <a:r>
-              <a:rPr lang="en-GB" sz="1400" dirty="0">
+              <a:rPr lang="en-GB" sz="1600" dirty="0">
                 <a:latin typeface="Consolas" panose="020B0609020204030204" pitchFamily="49" charset="0"/>
                 <a:cs typeface="Consolas" panose="020B0609020204030204" pitchFamily="49" charset="0"/>
               </a:rPr>
               <a:t>#include "</a:t>
             </a:r>
             <a:r>
-              <a:rPr lang="en-GB" sz="1400" dirty="0" err="1">
+              <a:rPr lang="en-GB" sz="1600" dirty="0" err="1">
                 <a:latin typeface="Consolas" panose="020B0609020204030204" pitchFamily="49" charset="0"/>
                 <a:cs typeface="Consolas" panose="020B0609020204030204" pitchFamily="49" charset="0"/>
               </a:rPr>
               <a:t>namedPoint.h</a:t>
             </a:r>
             <a:r>
-              <a:rPr lang="en-GB" sz="1400" dirty="0">
+              <a:rPr lang="en-GB" sz="1600" dirty="0">
                 <a:latin typeface="Consolas" panose="020B0609020204030204" pitchFamily="49" charset="0"/>
                 <a:cs typeface="Consolas" panose="020B0609020204030204" pitchFamily="49" charset="0"/>
               </a:rPr>
@@ -12080,21 +12094,21 @@
               <a:buNone/>
             </a:pPr>
             <a:r>
-              <a:rPr lang="en-GB" sz="1400" dirty="0">
+              <a:rPr lang="en-GB" sz="1600" dirty="0">
                 <a:latin typeface="Consolas" panose="020B0609020204030204" pitchFamily="49" charset="0"/>
                 <a:cs typeface="Consolas" panose="020B0609020204030204" pitchFamily="49" charset="0"/>
               </a:rPr>
               <a:t>#include &lt;</a:t>
             </a:r>
             <a:r>
-              <a:rPr lang="en-GB" sz="1400" dirty="0" err="1">
+              <a:rPr lang="en-GB" sz="1600" dirty="0" err="1">
                 <a:latin typeface="Consolas" panose="020B0609020204030204" pitchFamily="49" charset="0"/>
                 <a:cs typeface="Consolas" panose="020B0609020204030204" pitchFamily="49" charset="0"/>
               </a:rPr>
               <a:t>stdio.h</a:t>
             </a:r>
             <a:r>
-              <a:rPr lang="en-GB" sz="1400" dirty="0">
+              <a:rPr lang="en-GB" sz="1600" dirty="0">
                 <a:latin typeface="Consolas" panose="020B0609020204030204" pitchFamily="49" charset="0"/>
                 <a:cs typeface="Consolas" panose="020B0609020204030204" pitchFamily="49" charset="0"/>
               </a:rPr>
@@ -12106,21 +12120,21 @@
               <a:buNone/>
             </a:pPr>
             <a:r>
-              <a:rPr lang="en-GB" sz="1400" dirty="0">
+              <a:rPr lang="en-GB" sz="1600" dirty="0">
                 <a:latin typeface="Consolas" panose="020B0609020204030204" pitchFamily="49" charset="0"/>
                 <a:cs typeface="Consolas" panose="020B0609020204030204" pitchFamily="49" charset="0"/>
               </a:rPr>
               <a:t>int main(int ac, char** </a:t>
             </a:r>
             <a:r>
-              <a:rPr lang="en-GB" sz="1400" dirty="0" err="1">
+              <a:rPr lang="en-GB" sz="1600" dirty="0" err="1">
                 <a:latin typeface="Consolas" panose="020B0609020204030204" pitchFamily="49" charset="0"/>
                 <a:cs typeface="Consolas" panose="020B0609020204030204" pitchFamily="49" charset="0"/>
               </a:rPr>
               <a:t>av</a:t>
             </a:r>
             <a:r>
-              <a:rPr lang="en-GB" sz="1400" dirty="0">
+              <a:rPr lang="en-GB" sz="1600" dirty="0">
                 <a:latin typeface="Consolas" panose="020B0609020204030204" pitchFamily="49" charset="0"/>
                 <a:cs typeface="Consolas" panose="020B0609020204030204" pitchFamily="49" charset="0"/>
               </a:rPr>
@@ -12132,35 +12146,47 @@
               <a:buNone/>
             </a:pPr>
             <a:r>
-              <a:rPr lang="en-GB" sz="1400" dirty="0">
+              <a:rPr lang="en-GB" sz="1600" dirty="0">
                 <a:latin typeface="Consolas" panose="020B0609020204030204" pitchFamily="49" charset="0"/>
                 <a:cs typeface="Consolas" panose="020B0609020204030204" pitchFamily="49" charset="0"/>
               </a:rPr>
               <a:t>  struct </a:t>
             </a:r>
             <a:r>
-              <a:rPr lang="en-GB" sz="1400" dirty="0" err="1">
+              <a:rPr lang="en-GB" sz="1600" dirty="0" err="1">
                 <a:latin typeface="Consolas" panose="020B0609020204030204" pitchFamily="49" charset="0"/>
                 <a:cs typeface="Consolas" panose="020B0609020204030204" pitchFamily="49" charset="0"/>
               </a:rPr>
               <a:t>NamedPoint</a:t>
             </a:r>
             <a:r>
-              <a:rPr lang="en-GB" sz="1400" dirty="0">
+              <a:rPr lang="en-GB" sz="1600" dirty="0">
                 <a:latin typeface="Consolas" panose="020B0609020204030204" pitchFamily="49" charset="0"/>
                 <a:cs typeface="Consolas" panose="020B0609020204030204" pitchFamily="49" charset="0"/>
               </a:rPr>
               <a:t>* origin = </a:t>
             </a:r>
-            <a:r>
-              <a:rPr lang="en-GB" sz="1400" dirty="0" err="1">
+          </a:p>
+          <a:p>
+            <a:pPr marL="0" indent="0">
+              <a:buNone/>
+            </a:pPr>
+            <a:r>
+              <a:rPr lang="en-GB" sz="1600" dirty="0">
+                <a:latin typeface="Consolas" panose="020B0609020204030204" pitchFamily="49" charset="0"/>
+                <a:cs typeface="Consolas" panose="020B0609020204030204" pitchFamily="49" charset="0"/>
+              </a:rPr>
+              <a:t>	</a:t>
+            </a:r>
+            <a:r>
+              <a:rPr lang="en-GB" sz="1600" dirty="0" err="1">
                 <a:latin typeface="Consolas" panose="020B0609020204030204" pitchFamily="49" charset="0"/>
                 <a:cs typeface="Consolas" panose="020B0609020204030204" pitchFamily="49" charset="0"/>
               </a:rPr>
               <a:t>makeNamedPoint</a:t>
             </a:r>
             <a:r>
-              <a:rPr lang="en-GB" sz="1400" dirty="0">
+              <a:rPr lang="en-GB" sz="1600" dirty="0">
                 <a:latin typeface="Consolas" panose="020B0609020204030204" pitchFamily="49" charset="0"/>
                 <a:cs typeface="Consolas" panose="020B0609020204030204" pitchFamily="49" charset="0"/>
               </a:rPr>
@@ -12172,63 +12198,75 @@
               <a:buNone/>
             </a:pPr>
             <a:r>
-              <a:rPr lang="en-GB" sz="1400" dirty="0">
+              <a:rPr lang="en-GB" sz="1600" dirty="0">
                 <a:latin typeface="Consolas" panose="020B0609020204030204" pitchFamily="49" charset="0"/>
                 <a:cs typeface="Consolas" panose="020B0609020204030204" pitchFamily="49" charset="0"/>
               </a:rPr>
               <a:t>  struct </a:t>
             </a:r>
             <a:r>
-              <a:rPr lang="en-GB" sz="1400" dirty="0" err="1">
+              <a:rPr lang="en-GB" sz="1600" dirty="0" err="1">
                 <a:latin typeface="Consolas" panose="020B0609020204030204" pitchFamily="49" charset="0"/>
                 <a:cs typeface="Consolas" panose="020B0609020204030204" pitchFamily="49" charset="0"/>
               </a:rPr>
               <a:t>NamedPoint</a:t>
             </a:r>
             <a:r>
-              <a:rPr lang="en-GB" sz="1400" dirty="0">
+              <a:rPr lang="en-GB" sz="1600" dirty="0">
                 <a:latin typeface="Consolas" panose="020B0609020204030204" pitchFamily="49" charset="0"/>
                 <a:cs typeface="Consolas" panose="020B0609020204030204" pitchFamily="49" charset="0"/>
               </a:rPr>
               <a:t>* </a:t>
             </a:r>
             <a:r>
-              <a:rPr lang="en-GB" sz="1400" dirty="0" err="1">
+              <a:rPr lang="en-GB" sz="1600" dirty="0" err="1">
                 <a:latin typeface="Consolas" panose="020B0609020204030204" pitchFamily="49" charset="0"/>
                 <a:cs typeface="Consolas" panose="020B0609020204030204" pitchFamily="49" charset="0"/>
               </a:rPr>
               <a:t>upperRight</a:t>
             </a:r>
             <a:r>
-              <a:rPr lang="en-GB" sz="1400" dirty="0">
+              <a:rPr lang="en-GB" sz="1600" dirty="0">
                 <a:latin typeface="Consolas" panose="020B0609020204030204" pitchFamily="49" charset="0"/>
                 <a:cs typeface="Consolas" panose="020B0609020204030204" pitchFamily="49" charset="0"/>
               </a:rPr>
               <a:t> = </a:t>
             </a:r>
-            <a:r>
-              <a:rPr lang="en-GB" sz="1400" dirty="0" err="1">
+          </a:p>
+          <a:p>
+            <a:pPr marL="0" indent="0">
+              <a:buNone/>
+            </a:pPr>
+            <a:r>
+              <a:rPr lang="en-GB" sz="1600" dirty="0">
+                <a:latin typeface="Consolas" panose="020B0609020204030204" pitchFamily="49" charset="0"/>
+                <a:cs typeface="Consolas" panose="020B0609020204030204" pitchFamily="49" charset="0"/>
+              </a:rPr>
+              <a:t>	</a:t>
+            </a:r>
+            <a:r>
+              <a:rPr lang="en-GB" sz="1600" dirty="0" err="1">
                 <a:latin typeface="Consolas" panose="020B0609020204030204" pitchFamily="49" charset="0"/>
                 <a:cs typeface="Consolas" panose="020B0609020204030204" pitchFamily="49" charset="0"/>
               </a:rPr>
               <a:t>makeNamedPoint</a:t>
             </a:r>
             <a:r>
-              <a:rPr lang="en-GB" sz="1400" dirty="0">
-                <a:latin typeface="Consolas" panose="020B0609020204030204" pitchFamily="49" charset="0"/>
-                <a:cs typeface="Consolas" panose="020B0609020204030204" pitchFamily="49" charset="0"/>
-              </a:rPr>
-              <a:t> (1.0, 1.0, "</a:t>
-            </a:r>
-            <a:r>
-              <a:rPr lang="en-GB" sz="1400" dirty="0" err="1">
+              <a:rPr lang="en-GB" sz="1600" dirty="0">
+                <a:latin typeface="Consolas" panose="020B0609020204030204" pitchFamily="49" charset="0"/>
+                <a:cs typeface="Consolas" panose="020B0609020204030204" pitchFamily="49" charset="0"/>
+              </a:rPr>
+              <a:t>(1.0, 1.0, "</a:t>
+            </a:r>
+            <a:r>
+              <a:rPr lang="en-GB" sz="1600" dirty="0" err="1">
                 <a:latin typeface="Consolas" panose="020B0609020204030204" pitchFamily="49" charset="0"/>
                 <a:cs typeface="Consolas" panose="020B0609020204030204" pitchFamily="49" charset="0"/>
               </a:rPr>
               <a:t>upperRight</a:t>
             </a:r>
             <a:r>
-              <a:rPr lang="en-GB" sz="1400" dirty="0">
+              <a:rPr lang="en-GB" sz="1600" dirty="0">
                 <a:latin typeface="Consolas" panose="020B0609020204030204" pitchFamily="49" charset="0"/>
                 <a:cs typeface="Consolas" panose="020B0609020204030204" pitchFamily="49" charset="0"/>
               </a:rPr>
@@ -12240,21 +12278,21 @@
               <a:buNone/>
             </a:pPr>
             <a:r>
-              <a:rPr lang="en-GB" sz="1400" dirty="0">
+              <a:rPr lang="en-GB" sz="1600" dirty="0">
                 <a:latin typeface="Consolas" panose="020B0609020204030204" pitchFamily="49" charset="0"/>
                 <a:cs typeface="Consolas" panose="020B0609020204030204" pitchFamily="49" charset="0"/>
               </a:rPr>
               <a:t>  </a:t>
             </a:r>
             <a:r>
-              <a:rPr lang="en-GB" sz="1400" dirty="0" err="1">
+              <a:rPr lang="en-GB" sz="1600" dirty="0" err="1">
                 <a:latin typeface="Consolas" panose="020B0609020204030204" pitchFamily="49" charset="0"/>
                 <a:cs typeface="Consolas" panose="020B0609020204030204" pitchFamily="49" charset="0"/>
               </a:rPr>
               <a:t>printf</a:t>
             </a:r>
             <a:r>
-              <a:rPr lang="en-GB" sz="1400" dirty="0">
+              <a:rPr lang="en-GB" sz="1600" dirty="0">
                 <a:latin typeface="Consolas" panose="020B0609020204030204" pitchFamily="49" charset="0"/>
                 <a:cs typeface="Consolas" panose="020B0609020204030204" pitchFamily="49" charset="0"/>
               </a:rPr>
@@ -12266,14 +12304,14 @@
               <a:buNone/>
             </a:pPr>
             <a:r>
-              <a:rPr lang="en-GB" sz="1400" dirty="0">
+              <a:rPr lang="en-GB" sz="1600" dirty="0">
                 <a:latin typeface="Consolas" panose="020B0609020204030204" pitchFamily="49" charset="0"/>
                 <a:cs typeface="Consolas" panose="020B0609020204030204" pitchFamily="49" charset="0"/>
               </a:rPr>
               <a:t>             </a:t>
             </a:r>
             <a:r>
-              <a:rPr lang="en-GB" sz="1400" dirty="0">
+              <a:rPr lang="en-GB" sz="1600" dirty="0">
                 <a:solidFill>
                   <a:schemeClr val="accent6">
                     <a:lumMod val="75000"/>
@@ -12290,7 +12328,7 @@
               <a:buNone/>
             </a:pPr>
             <a:r>
-              <a:rPr lang="en-GB" sz="1400" dirty="0">
+              <a:rPr lang="en-GB" sz="1600" dirty="0">
                 <a:solidFill>
                   <a:schemeClr val="accent6">
                     <a:lumMod val="75000"/>
@@ -12302,7 +12340,7 @@
               <a:t>             (struct Point*) </a:t>
             </a:r>
             <a:r>
-              <a:rPr lang="en-GB" sz="1400" dirty="0" err="1">
+              <a:rPr lang="en-GB" sz="1600" dirty="0" err="1">
                 <a:solidFill>
                   <a:schemeClr val="accent6">
                     <a:lumMod val="75000"/>
@@ -12314,7 +12352,7 @@
               <a:t>upperRight</a:t>
             </a:r>
             <a:r>
-              <a:rPr lang="en-GB" sz="1400" dirty="0">
+              <a:rPr lang="en-GB" sz="1600" dirty="0">
                 <a:solidFill>
                   <a:schemeClr val="accent6">
                     <a:lumMod val="75000"/>
@@ -12326,7 +12364,7 @@
               <a:t>)</a:t>
             </a:r>
             <a:r>
-              <a:rPr lang="en-GB" sz="1400" dirty="0">
+              <a:rPr lang="en-GB" sz="1600" dirty="0">
                 <a:latin typeface="Consolas" panose="020B0609020204030204" pitchFamily="49" charset="0"/>
                 <a:cs typeface="Consolas" panose="020B0609020204030204" pitchFamily="49" charset="0"/>
               </a:rPr>
@@ -12338,13 +12376,13 @@
               <a:buNone/>
             </a:pPr>
             <a:r>
-              <a:rPr lang="en-GB" sz="1400" dirty="0">
+              <a:rPr lang="en-GB" sz="1600" dirty="0">
                 <a:latin typeface="Consolas" panose="020B0609020204030204" pitchFamily="49" charset="0"/>
                 <a:cs typeface="Consolas" panose="020B0609020204030204" pitchFamily="49" charset="0"/>
               </a:rPr>
               <a:t>}</a:t>
             </a:r>
-            <a:endParaRPr lang="en-IT" sz="1400" dirty="0"/>
+            <a:endParaRPr lang="en-IT" sz="1600" dirty="0"/>
           </a:p>
         </p:txBody>
       </p:sp>
@@ -12485,7 +12523,13 @@
           </a:p>
           <a:p>
             <a:r>
-              <a:rPr lang="en-GB" dirty="0"/>
+              <a:rPr lang="en-GB" dirty="0">
+                <a:solidFill>
+                  <a:schemeClr val="accent6">
+                    <a:lumMod val="75000"/>
+                  </a:schemeClr>
+                </a:solidFill>
+              </a:rPr>
               <a:t>Polymorphism uses inherited methods to perform the same action in different ways.</a:t>
             </a:r>
           </a:p>
@@ -12976,7 +13020,13 @@
           </a:p>
           <a:p>
             <a:r>
-              <a:rPr lang="en-GB" dirty="0"/>
+              <a:rPr lang="en-GB" dirty="0">
+                <a:solidFill>
+                  <a:schemeClr val="accent6">
+                    <a:lumMod val="75000"/>
+                  </a:schemeClr>
+                </a:solidFill>
+              </a:rPr>
               <a:t>It allows the architect to create a plugin architecture, in which modules that contain high-level policies are independent of modules that contain low-level details. </a:t>
             </a:r>
           </a:p>

--- a/java/slides/ppt/01 - Java From Functions to Objects.pptx
+++ b/java/slides/ppt/01 - Java From Functions to Objects.pptx
@@ -5,10 +5,10 @@
     <p:sldMasterId id="2147483672" r:id="rId1"/>
   </p:sldMasterIdLst>
   <p:notesMasterIdLst>
-    <p:notesMasterId r:id="rId30"/>
+    <p:notesMasterId r:id="rId31"/>
   </p:notesMasterIdLst>
   <p:handoutMasterIdLst>
-    <p:handoutMasterId r:id="rId31"/>
+    <p:handoutMasterId r:id="rId32"/>
   </p:handoutMasterIdLst>
   <p:sldIdLst>
     <p:sldId id="256" r:id="rId2"/>
@@ -38,7 +38,8 @@
     <p:sldId id="379" r:id="rId26"/>
     <p:sldId id="381" r:id="rId27"/>
     <p:sldId id="345" r:id="rId28"/>
-    <p:sldId id="376" r:id="rId29"/>
+    <p:sldId id="383" r:id="rId29"/>
+    <p:sldId id="376" r:id="rId30"/>
   </p:sldIdLst>
   <p:sldSz cx="12192000" cy="6858000"/>
   <p:notesSz cx="6858000" cy="9144000"/>
@@ -250,7 +251,7 @@
           <a:p>
             <a:fld id="{5591E39A-28E5-5D4D-B97C-ECEB96F19817}" type="datetimeFigureOut">
               <a:rPr lang="en-IT" smtClean="0"/>
-              <a:t>13/02/22</a:t>
+              <a:t>02/03/22</a:t>
             </a:fld>
             <a:endParaRPr lang="en-IT"/>
           </a:p>
@@ -429,7 +430,7 @@
             <a:fld id="{BAEB7694-8561-4BE2-948D-EDF7A201F8BB}" type="datetimeFigureOut">
               <a:rPr lang="it-IT" smtClean="0"/>
               <a:pPr/>
-              <a:t>13/02/22</a:t>
+              <a:t>02/03/22</a:t>
             </a:fld>
             <a:endParaRPr lang="it-IT"/>
           </a:p>
@@ -7963,7 +7964,7 @@
                   </a:schemeClr>
                 </a:solidFill>
               </a:rPr>
-              <a:t>OO Programming</a:t>
+              <a:t>Object Oriented Programming</a:t>
             </a:r>
           </a:p>
           <a:p>
@@ -8322,6 +8323,13 @@
               <a:rPr lang="en-US" dirty="0"/>
               <a:t>OOP Key Features</a:t>
             </a:r>
+            <a:br>
+              <a:rPr lang="en-US" dirty="0"/>
+            </a:br>
+            <a:r>
+              <a:rPr lang="en-US" dirty="0"/>
+              <a:t>Encapsulation, Inheritance, Polymorphism</a:t>
+            </a:r>
             <a:endParaRPr lang="it-IT" dirty="0"/>
           </a:p>
         </p:txBody>
@@ -9200,7 +9208,7 @@
         <p:spPr/>
         <p:txBody>
           <a:bodyPr>
-            <a:normAutofit fontScale="92500" lnSpcReduction="10000"/>
+            <a:normAutofit fontScale="92500" lnSpcReduction="20000"/>
           </a:bodyPr>
           <a:lstStyle/>
           <a:p>
@@ -9212,13 +9220,19 @@
           <a:p>
             <a:r>
               <a:rPr lang="en-GB" dirty="0"/>
-              <a:t>The class that inherits the properties is known as the sub-class or the child class. The class from which the properties are inherited is known as the superclass or the parent class.</a:t>
+              <a:t>The class that inherits the properties is known as the sub-class or the child class. </a:t>
             </a:r>
           </a:p>
           <a:p>
             <a:r>
               <a:rPr lang="en-GB" dirty="0"/>
-              <a:t>In Inheritance, the properties of the parent class are acquired by the derived classes.</a:t>
+              <a:t>The class from which the properties are inherited is known as the superclass or the parent class.</a:t>
+            </a:r>
+          </a:p>
+          <a:p>
+            <a:r>
+              <a:rPr lang="en-GB" dirty="0"/>
+              <a:t>In Inheritance, the properties of the parent class (attributes and methods) are acquired by the derived classes.</a:t>
             </a:r>
           </a:p>
           <a:p>
@@ -10047,6 +10061,15 @@
             <a:pPr marL="0" indent="0">
               <a:buNone/>
             </a:pPr>
+            <a:endParaRPr lang="en-GB" sz="1600" dirty="0">
+              <a:latin typeface="Consolas" panose="020B0609020204030204" pitchFamily="49" charset="0"/>
+              <a:cs typeface="Consolas" panose="020B0609020204030204" pitchFamily="49" charset="0"/>
+            </a:endParaRPr>
+          </a:p>
+          <a:p>
+            <a:pPr marL="0" indent="0">
+              <a:buNone/>
+            </a:pPr>
             <a:r>
               <a:rPr lang="en-GB" sz="1600" dirty="0">
                 <a:latin typeface="Consolas" panose="020B0609020204030204" pitchFamily="49" charset="0"/>
@@ -10458,17 +10481,13 @@
                   </a:schemeClr>
                 </a:solidFill>
               </a:rPr>
-              <a:t>Polymorphism uses inherited methods to perform the same action in different ways.</a:t>
+              <a:t>Polymorphism enables inherited methods to perform the same operation in different ways.</a:t>
             </a:r>
           </a:p>
           <a:p>
             <a:r>
               <a:rPr lang="en-GB" i="1" dirty="0"/>
-              <a:t>Tell-Don’t-Ask</a:t>
-            </a:r>
-            <a:r>
-              <a:rPr lang="en-GB" dirty="0"/>
-              <a:t> principle: instead of asking an object about its state and then performing actions, it’s much easier to simply tell the object what it needs to do and let it decide for itself how to do that.</a:t>
+              <a:t>Tell-Don’t-Ask principle: instead of asking an object about its state and then performing actions, it’s much easier to simply tell the object what it needs to do and let it decide for itself how to do that.</a:t>
             </a:r>
           </a:p>
         </p:txBody>
@@ -10588,7 +10607,7 @@
         <p:spPr/>
         <p:txBody>
           <a:bodyPr>
-            <a:normAutofit/>
+            <a:normAutofit fontScale="92500" lnSpcReduction="20000"/>
           </a:bodyPr>
           <a:lstStyle/>
           <a:p>
@@ -10863,6 +10882,18 @@
                 <a:latin typeface="Consolas" panose="020B0609020204030204" pitchFamily="49" charset="0"/>
                 <a:cs typeface="Consolas" panose="020B0609020204030204" pitchFamily="49" charset="0"/>
               </a:rPr>
+              <a:t>    </a:t>
+            </a:r>
+          </a:p>
+          <a:p>
+            <a:pPr marL="0" indent="0">
+              <a:buNone/>
+            </a:pPr>
+            <a:r>
+              <a:rPr lang="en-GB" sz="1400" dirty="0">
+                <a:latin typeface="Consolas" panose="020B0609020204030204" pitchFamily="49" charset="0"/>
+                <a:cs typeface="Consolas" panose="020B0609020204030204" pitchFamily="49" charset="0"/>
+              </a:rPr>
               <a:t>    [...]</a:t>
             </a:r>
           </a:p>
@@ -10875,6 +10906,18 @@
                 <a:latin typeface="Consolas" panose="020B0609020204030204" pitchFamily="49" charset="0"/>
                 <a:cs typeface="Consolas" panose="020B0609020204030204" pitchFamily="49" charset="0"/>
               </a:rPr>
+              <a:t>    </a:t>
+            </a:r>
+          </a:p>
+          <a:p>
+            <a:pPr marL="0" indent="0">
+              <a:buNone/>
+            </a:pPr>
+            <a:r>
+              <a:rPr lang="en-GB" sz="1400" dirty="0">
+                <a:latin typeface="Consolas" panose="020B0609020204030204" pitchFamily="49" charset="0"/>
+                <a:cs typeface="Consolas" panose="020B0609020204030204" pitchFamily="49" charset="0"/>
+              </a:rPr>
               <a:t>    long (*</a:t>
             </a:r>
             <a:r>
@@ -10901,6 +10944,18 @@
                 <a:latin typeface="Consolas" panose="020B0609020204030204" pitchFamily="49" charset="0"/>
                 <a:cs typeface="Consolas" panose="020B0609020204030204" pitchFamily="49" charset="0"/>
               </a:rPr>
+              <a:t>    </a:t>
+            </a:r>
+          </a:p>
+          <a:p>
+            <a:pPr marL="0" indent="0">
+              <a:buNone/>
+            </a:pPr>
+            <a:r>
+              <a:rPr lang="en-GB" sz="1400" dirty="0">
+                <a:latin typeface="Consolas" panose="020B0609020204030204" pitchFamily="49" charset="0"/>
+                <a:cs typeface="Consolas" panose="020B0609020204030204" pitchFamily="49" charset="0"/>
+              </a:rPr>
               <a:t>    [...]</a:t>
             </a:r>
           </a:p>
@@ -10913,6 +10968,18 @@
                 <a:latin typeface="Consolas" panose="020B0609020204030204" pitchFamily="49" charset="0"/>
                 <a:cs typeface="Consolas" panose="020B0609020204030204" pitchFamily="49" charset="0"/>
               </a:rPr>
+              <a:t>    </a:t>
+            </a:r>
+          </a:p>
+          <a:p>
+            <a:pPr marL="0" indent="0">
+              <a:buNone/>
+            </a:pPr>
+            <a:r>
+              <a:rPr lang="en-GB" sz="1400" dirty="0">
+                <a:latin typeface="Consolas" panose="020B0609020204030204" pitchFamily="49" charset="0"/>
+                <a:cs typeface="Consolas" panose="020B0609020204030204" pitchFamily="49" charset="0"/>
+              </a:rPr>
               <a:t>    int (*open) (struct </a:t>
             </a:r>
             <a:r>
@@ -10980,6 +11047,18 @@
                 <a:cs typeface="Consolas" panose="020B0609020204030204" pitchFamily="49" charset="0"/>
               </a:rPr>
               <a:t> *, struct file *);</a:t>
+            </a:r>
+          </a:p>
+          <a:p>
+            <a:pPr marL="0" indent="0">
+              <a:buNone/>
+            </a:pPr>
+            <a:r>
+              <a:rPr lang="en-GB" sz="1400" dirty="0">
+                <a:latin typeface="Consolas" panose="020B0609020204030204" pitchFamily="49" charset="0"/>
+                <a:cs typeface="Consolas" panose="020B0609020204030204" pitchFamily="49" charset="0"/>
+              </a:rPr>
+              <a:t>    </a:t>
             </a:r>
           </a:p>
           <a:p>
@@ -11543,7 +11622,15 @@
             </a:r>
             <a:r>
               <a:rPr lang="it-IT" dirty="0"/>
-              <a:t> data are easy to spot. </a:t>
+              <a:t> data are </a:t>
+            </a:r>
+            <a:r>
+              <a:rPr lang="it-IT" dirty="0" err="1"/>
+              <a:t>easier</a:t>
+            </a:r>
+            <a:r>
+              <a:rPr lang="it-IT" dirty="0"/>
+              <a:t> to spot. </a:t>
             </a:r>
             <a:r>
               <a:rPr lang="it-IT" dirty="0" err="1"/>
@@ -11863,7 +11950,7 @@
             <a:pPr lvl="1"/>
             <a:r>
               <a:rPr lang="en-US" dirty="0"/>
-              <a:t>Programs &gt; 10K lines, spaghetti code is no more comprehensible and, thus, not maintainable</a:t>
+              <a:t>Programs &gt; 10K lines, spaghetti code is almost inevitable</a:t>
             </a:r>
           </a:p>
           <a:p>
@@ -11930,6 +12017,166 @@
           <p:cNvPr id="2" name="Title 1">
             <a:extLst>
               <a:ext uri="{FF2B5EF4-FFF2-40B4-BE49-F238E27FC236}">
+                <a16:creationId xmlns:a16="http://schemas.microsoft.com/office/drawing/2014/main" id="{6BD4D4FA-F62E-2746-82F7-DD9BE11B0BB3}"/>
+              </a:ext>
+            </a:extLst>
+          </p:cNvPr>
+          <p:cNvSpPr>
+            <a:spLocks noGrp="1"/>
+          </p:cNvSpPr>
+          <p:nvPr>
+            <p:ph type="title"/>
+          </p:nvPr>
+        </p:nvSpPr>
+        <p:spPr/>
+        <p:txBody>
+          <a:bodyPr/>
+          <a:lstStyle/>
+          <a:p>
+            <a:r>
+              <a:rPr lang="en-IT" dirty="0"/>
+              <a:t>Is OOP the end?</a:t>
+            </a:r>
+          </a:p>
+        </p:txBody>
+      </p:sp>
+      <p:sp>
+        <p:nvSpPr>
+          <p:cNvPr id="5" name="Slide Number Placeholder 4">
+            <a:extLst>
+              <a:ext uri="{FF2B5EF4-FFF2-40B4-BE49-F238E27FC236}">
+                <a16:creationId xmlns:a16="http://schemas.microsoft.com/office/drawing/2014/main" id="{3A9C7F8D-3E7A-AB48-8463-F0FDC5BD61A0}"/>
+              </a:ext>
+            </a:extLst>
+          </p:cNvPr>
+          <p:cNvSpPr>
+            <a:spLocks noGrp="1"/>
+          </p:cNvSpPr>
+          <p:nvPr>
+            <p:ph type="sldNum" sz="quarter" idx="12"/>
+          </p:nvPr>
+        </p:nvSpPr>
+        <p:spPr/>
+        <p:txBody>
+          <a:bodyPr/>
+          <a:lstStyle/>
+          <a:p>
+            <a:fld id="{D2040F39-7941-49A4-B48D-F201B18B6351}" type="slidenum">
+              <a:rPr lang="it-IT" smtClean="0"/>
+              <a:pPr/>
+              <a:t>28</a:t>
+            </a:fld>
+            <a:endParaRPr lang="it-IT" dirty="0"/>
+          </a:p>
+        </p:txBody>
+      </p:sp>
+      <p:pic>
+        <p:nvPicPr>
+          <p:cNvPr id="12" name="Picture 11">
+            <a:extLst>
+              <a:ext uri="{FF2B5EF4-FFF2-40B4-BE49-F238E27FC236}">
+                <a16:creationId xmlns:a16="http://schemas.microsoft.com/office/drawing/2014/main" id="{ABE747DD-4D3F-FC4D-ADCF-6D5DB6ACD664}"/>
+              </a:ext>
+            </a:extLst>
+          </p:cNvPr>
+          <p:cNvPicPr>
+            <a:picLocks noChangeAspect="1"/>
+          </p:cNvPicPr>
+          <p:nvPr/>
+        </p:nvPicPr>
+        <p:blipFill>
+          <a:blip r:embed="rId2">
+            <a:extLst>
+              <a:ext uri="{28A0092B-C50C-407E-A947-70E740481C1C}">
+                <a14:useLocalDpi xmlns:a14="http://schemas.microsoft.com/office/drawing/2010/main" val="0"/>
+              </a:ext>
+            </a:extLst>
+          </a:blip>
+          <a:stretch>
+            <a:fillRect/>
+          </a:stretch>
+        </p:blipFill>
+        <p:spPr>
+          <a:xfrm>
+            <a:off x="0" y="1556792"/>
+            <a:ext cx="6401207" cy="4517877"/>
+          </a:xfrm>
+          <a:prstGeom prst="rect">
+            <a:avLst/>
+          </a:prstGeom>
+        </p:spPr>
+      </p:pic>
+      <p:pic>
+        <p:nvPicPr>
+          <p:cNvPr id="14" name="Picture 13">
+            <a:extLst>
+              <a:ext uri="{FF2B5EF4-FFF2-40B4-BE49-F238E27FC236}">
+                <a16:creationId xmlns:a16="http://schemas.microsoft.com/office/drawing/2014/main" id="{914D213B-1026-7C4D-A18D-7C3536CF5D4B}"/>
+              </a:ext>
+            </a:extLst>
+          </p:cNvPr>
+          <p:cNvPicPr>
+            <a:picLocks noChangeAspect="1"/>
+          </p:cNvPicPr>
+          <p:nvPr/>
+        </p:nvPicPr>
+        <p:blipFill>
+          <a:blip r:embed="rId3">
+            <a:extLst>
+              <a:ext uri="{28A0092B-C50C-407E-A947-70E740481C1C}">
+                <a14:useLocalDpi xmlns:a14="http://schemas.microsoft.com/office/drawing/2010/main" val="0"/>
+              </a:ext>
+            </a:extLst>
+          </a:blip>
+          <a:stretch>
+            <a:fillRect/>
+          </a:stretch>
+        </p:blipFill>
+        <p:spPr>
+          <a:xfrm>
+            <a:off x="6279710" y="1668046"/>
+            <a:ext cx="5891930" cy="3993202"/>
+          </a:xfrm>
+          <a:prstGeom prst="rect">
+            <a:avLst/>
+          </a:prstGeom>
+        </p:spPr>
+      </p:pic>
+    </p:spTree>
+    <p:extLst>
+      <p:ext uri="{BB962C8B-B14F-4D97-AF65-F5344CB8AC3E}">
+        <p14:creationId xmlns:p14="http://schemas.microsoft.com/office/powerpoint/2010/main" val="3652340127"/>
+      </p:ext>
+    </p:extLst>
+  </p:cSld>
+  <p:clrMapOvr>
+    <a:masterClrMapping/>
+  </p:clrMapOvr>
+</p:sld>
+</file>
+
+<file path=ppt/slides/slide29.xml><?xml version="1.0" encoding="utf-8"?>
+<p:sld xmlns:a="http://schemas.openxmlformats.org/drawingml/2006/main" xmlns:r="http://schemas.openxmlformats.org/officeDocument/2006/relationships" xmlns:p="http://schemas.openxmlformats.org/presentationml/2006/main">
+  <p:cSld>
+    <p:spTree>
+      <p:nvGrpSpPr>
+        <p:cNvPr id="1" name=""/>
+        <p:cNvGrpSpPr/>
+        <p:nvPr/>
+      </p:nvGrpSpPr>
+      <p:grpSpPr>
+        <a:xfrm>
+          <a:off x="0" y="0"/>
+          <a:ext cx="0" cy="0"/>
+          <a:chOff x="0" y="0"/>
+          <a:chExt cx="0" cy="0"/>
+        </a:xfrm>
+      </p:grpSpPr>
+      <p:sp>
+        <p:nvSpPr>
+          <p:cNvPr id="2" name="Title 1">
+            <a:extLst>
+              <a:ext uri="{FF2B5EF4-FFF2-40B4-BE49-F238E27FC236}">
                 <a16:creationId xmlns:a16="http://schemas.microsoft.com/office/drawing/2014/main" id="{05A51206-7FDE-CE44-A7B7-27C24EFED829}"/>
               </a:ext>
             </a:extLst>
@@ -12020,7 +12267,7 @@
             <a:fld id="{D2040F39-7941-49A4-B48D-F201B18B6351}" type="slidenum">
               <a:rPr lang="it-IT" smtClean="0"/>
               <a:pPr/>
-              <a:t>28</a:t>
+              <a:t>29</a:t>
             </a:fld>
             <a:endParaRPr lang="it-IT" dirty="0"/>
           </a:p>
